--- a/models_representation.pptx
+++ b/models_representation.pptx
@@ -216,7 +216,7 @@
           <a:p>
             <a:fld id="{53A7101E-77CC-774B-8B89-8BCF5404A3E1}" type="datetimeFigureOut">
               <a:rPr lang="it-IT" smtClean="0"/>
-              <a:t>29/08/24</a:t>
+              <a:t>30/08/24</a:t>
             </a:fld>
             <a:endParaRPr lang="it-IT"/>
           </a:p>
@@ -714,7 +714,7 @@
           <a:p>
             <a:fld id="{945283D2-C903-3141-AE1B-7D2BA63A2436}" type="datetimeFigureOut">
               <a:rPr lang="it-IT" smtClean="0"/>
-              <a:t>29/08/24</a:t>
+              <a:t>30/08/24</a:t>
             </a:fld>
             <a:endParaRPr lang="it-IT"/>
           </a:p>
@@ -912,7 +912,7 @@
           <a:p>
             <a:fld id="{945283D2-C903-3141-AE1B-7D2BA63A2436}" type="datetimeFigureOut">
               <a:rPr lang="it-IT" smtClean="0"/>
-              <a:t>29/08/24</a:t>
+              <a:t>30/08/24</a:t>
             </a:fld>
             <a:endParaRPr lang="it-IT"/>
           </a:p>
@@ -1120,7 +1120,7 @@
           <a:p>
             <a:fld id="{945283D2-C903-3141-AE1B-7D2BA63A2436}" type="datetimeFigureOut">
               <a:rPr lang="it-IT" smtClean="0"/>
-              <a:t>29/08/24</a:t>
+              <a:t>30/08/24</a:t>
             </a:fld>
             <a:endParaRPr lang="it-IT"/>
           </a:p>
@@ -1318,7 +1318,7 @@
           <a:p>
             <a:fld id="{945283D2-C903-3141-AE1B-7D2BA63A2436}" type="datetimeFigureOut">
               <a:rPr lang="it-IT" smtClean="0"/>
-              <a:t>29/08/24</a:t>
+              <a:t>30/08/24</a:t>
             </a:fld>
             <a:endParaRPr lang="it-IT"/>
           </a:p>
@@ -1593,7 +1593,7 @@
           <a:p>
             <a:fld id="{945283D2-C903-3141-AE1B-7D2BA63A2436}" type="datetimeFigureOut">
               <a:rPr lang="it-IT" smtClean="0"/>
-              <a:t>29/08/24</a:t>
+              <a:t>30/08/24</a:t>
             </a:fld>
             <a:endParaRPr lang="it-IT"/>
           </a:p>
@@ -1858,7 +1858,7 @@
           <a:p>
             <a:fld id="{945283D2-C903-3141-AE1B-7D2BA63A2436}" type="datetimeFigureOut">
               <a:rPr lang="it-IT" smtClean="0"/>
-              <a:t>29/08/24</a:t>
+              <a:t>30/08/24</a:t>
             </a:fld>
             <a:endParaRPr lang="it-IT"/>
           </a:p>
@@ -2270,7 +2270,7 @@
           <a:p>
             <a:fld id="{945283D2-C903-3141-AE1B-7D2BA63A2436}" type="datetimeFigureOut">
               <a:rPr lang="it-IT" smtClean="0"/>
-              <a:t>29/08/24</a:t>
+              <a:t>30/08/24</a:t>
             </a:fld>
             <a:endParaRPr lang="it-IT"/>
           </a:p>
@@ -2411,7 +2411,7 @@
           <a:p>
             <a:fld id="{945283D2-C903-3141-AE1B-7D2BA63A2436}" type="datetimeFigureOut">
               <a:rPr lang="it-IT" smtClean="0"/>
-              <a:t>29/08/24</a:t>
+              <a:t>30/08/24</a:t>
             </a:fld>
             <a:endParaRPr lang="it-IT"/>
           </a:p>
@@ -2524,7 +2524,7 @@
           <a:p>
             <a:fld id="{945283D2-C903-3141-AE1B-7D2BA63A2436}" type="datetimeFigureOut">
               <a:rPr lang="it-IT" smtClean="0"/>
-              <a:t>29/08/24</a:t>
+              <a:t>30/08/24</a:t>
             </a:fld>
             <a:endParaRPr lang="it-IT"/>
           </a:p>
@@ -2835,7 +2835,7 @@
           <a:p>
             <a:fld id="{945283D2-C903-3141-AE1B-7D2BA63A2436}" type="datetimeFigureOut">
               <a:rPr lang="it-IT" smtClean="0"/>
-              <a:t>29/08/24</a:t>
+              <a:t>30/08/24</a:t>
             </a:fld>
             <a:endParaRPr lang="it-IT"/>
           </a:p>
@@ -3123,7 +3123,7 @@
           <a:p>
             <a:fld id="{945283D2-C903-3141-AE1B-7D2BA63A2436}" type="datetimeFigureOut">
               <a:rPr lang="it-IT" smtClean="0"/>
-              <a:t>29/08/24</a:t>
+              <a:t>30/08/24</a:t>
             </a:fld>
             <a:endParaRPr lang="it-IT"/>
           </a:p>
@@ -3364,7 +3364,7 @@
           <a:p>
             <a:fld id="{945283D2-C903-3141-AE1B-7D2BA63A2436}" type="datetimeFigureOut">
               <a:rPr lang="it-IT" smtClean="0"/>
-              <a:t>29/08/24</a:t>
+              <a:t>30/08/24</a:t>
             </a:fld>
             <a:endParaRPr lang="it-IT"/>
           </a:p>
@@ -9273,7 +9273,7 @@
             </a:r>
             <a:r>
               <a:rPr lang="it-IT" dirty="0"/>
-              <a:t> Visual </a:t>
+              <a:t> Vision </a:t>
             </a:r>
             <a:r>
               <a:rPr lang="it-IT" dirty="0" err="1"/>
@@ -15664,6 +15664,419 @@
               <a:rPr lang="it-IT" sz="1800" b="1" dirty="0"/>
               <a:t>                           ?</a:t>
             </a:r>
+          </a:p>
+        </p:txBody>
+      </p:sp>
+      <p:sp>
+        <p:nvSpPr>
+          <p:cNvPr id="3" name="Rettangolo 2">
+            <a:extLst>
+              <a:ext uri="{FF2B5EF4-FFF2-40B4-BE49-F238E27FC236}">
+                <a16:creationId xmlns:a16="http://schemas.microsoft.com/office/drawing/2014/main" id="{9405A7C0-3EB1-32EB-7271-CEA5DCAED013}"/>
+              </a:ext>
+            </a:extLst>
+          </p:cNvPr>
+          <p:cNvSpPr/>
+          <p:nvPr/>
+        </p:nvSpPr>
+        <p:spPr>
+          <a:xfrm>
+            <a:off x="10671420" y="5758580"/>
+            <a:ext cx="770400" cy="691200"/>
+          </a:xfrm>
+          <a:prstGeom prst="rect">
+            <a:avLst/>
+          </a:prstGeom>
+          <a:solidFill>
+            <a:schemeClr val="bg1">
+              <a:lumMod val="75000"/>
+            </a:schemeClr>
+          </a:solidFill>
+        </p:spPr>
+        <p:style>
+          <a:lnRef idx="2">
+            <a:schemeClr val="accent1">
+              <a:shade val="15000"/>
+            </a:schemeClr>
+          </a:lnRef>
+          <a:fillRef idx="1">
+            <a:schemeClr val="accent1"/>
+          </a:fillRef>
+          <a:effectRef idx="0">
+            <a:schemeClr val="accent1"/>
+          </a:effectRef>
+          <a:fontRef idx="minor">
+            <a:schemeClr val="lt1"/>
+          </a:fontRef>
+        </p:style>
+        <p:txBody>
+          <a:bodyPr rtlCol="0" anchor="ctr"/>
+          <a:lstStyle/>
+          <a:p>
+            <a:pPr algn="ctr"/>
+            <a:r>
+              <a:rPr lang="it-IT" dirty="0" err="1">
+                <a:solidFill>
+                  <a:schemeClr val="tx1"/>
+                </a:solidFill>
+                <a:latin typeface="Arial" panose="020B0604020202020204" pitchFamily="34" charset="0"/>
+                <a:cs typeface="Arial" panose="020B0604020202020204" pitchFamily="34" charset="0"/>
+              </a:rPr>
+              <a:t>Q</a:t>
+            </a:r>
+            <a:endParaRPr lang="it-IT" dirty="0">
+              <a:solidFill>
+                <a:schemeClr val="tx1"/>
+              </a:solidFill>
+              <a:latin typeface="Arial" panose="020B0604020202020204" pitchFamily="34" charset="0"/>
+              <a:cs typeface="Arial" panose="020B0604020202020204" pitchFamily="34" charset="0"/>
+            </a:endParaRPr>
+          </a:p>
+        </p:txBody>
+      </p:sp>
+      <p:sp>
+        <p:nvSpPr>
+          <p:cNvPr id="4" name="Rettangolo 3">
+            <a:extLst>
+              <a:ext uri="{FF2B5EF4-FFF2-40B4-BE49-F238E27FC236}">
+                <a16:creationId xmlns:a16="http://schemas.microsoft.com/office/drawing/2014/main" id="{86D4FE9C-C313-6F2D-1A4A-B7CDD7189168}"/>
+              </a:ext>
+            </a:extLst>
+          </p:cNvPr>
+          <p:cNvSpPr/>
+          <p:nvPr/>
+        </p:nvSpPr>
+        <p:spPr>
+          <a:xfrm>
+            <a:off x="9999433" y="5932132"/>
+            <a:ext cx="383433" cy="344096"/>
+          </a:xfrm>
+          <a:prstGeom prst="rect">
+            <a:avLst/>
+          </a:prstGeom>
+          <a:solidFill>
+            <a:schemeClr val="accent4">
+              <a:lumMod val="40000"/>
+              <a:lumOff val="60000"/>
+            </a:schemeClr>
+          </a:solidFill>
+        </p:spPr>
+        <p:style>
+          <a:lnRef idx="2">
+            <a:schemeClr val="accent1">
+              <a:shade val="15000"/>
+            </a:schemeClr>
+          </a:lnRef>
+          <a:fillRef idx="1">
+            <a:schemeClr val="accent1"/>
+          </a:fillRef>
+          <a:effectRef idx="0">
+            <a:schemeClr val="accent1"/>
+          </a:effectRef>
+          <a:fontRef idx="minor">
+            <a:schemeClr val="lt1"/>
+          </a:fontRef>
+        </p:style>
+        <p:txBody>
+          <a:bodyPr rtlCol="0" anchor="ctr"/>
+          <a:lstStyle/>
+          <a:p>
+            <a:pPr algn="ctr"/>
+            <a:r>
+              <a:rPr lang="it-IT" dirty="0">
+                <a:solidFill>
+                  <a:schemeClr val="tx1"/>
+                </a:solidFill>
+                <a:latin typeface="Arial" panose="020B0604020202020204" pitchFamily="34" charset="0"/>
+                <a:cs typeface="Arial" panose="020B0604020202020204" pitchFamily="34" charset="0"/>
+              </a:rPr>
+              <a:t>K</a:t>
+            </a:r>
+          </a:p>
+        </p:txBody>
+      </p:sp>
+      <p:sp>
+        <p:nvSpPr>
+          <p:cNvPr id="10" name="CasellaDiTesto 9">
+            <a:extLst>
+              <a:ext uri="{FF2B5EF4-FFF2-40B4-BE49-F238E27FC236}">
+                <a16:creationId xmlns:a16="http://schemas.microsoft.com/office/drawing/2014/main" id="{185B4392-F5F5-DAB7-05A6-458A190CDE7F}"/>
+              </a:ext>
+            </a:extLst>
+          </p:cNvPr>
+          <p:cNvSpPr txBox="1"/>
+          <p:nvPr/>
+        </p:nvSpPr>
+        <p:spPr>
+          <a:xfrm>
+            <a:off x="9999433" y="4677746"/>
+            <a:ext cx="1874231" cy="1200329"/>
+          </a:xfrm>
+          <a:prstGeom prst="rect">
+            <a:avLst/>
+          </a:prstGeom>
+          <a:noFill/>
+        </p:spPr>
+        <p:txBody>
+          <a:bodyPr wrap="none" rtlCol="0">
+            <a:spAutoFit/>
+          </a:bodyPr>
+          <a:lstStyle/>
+          <a:p>
+            <a:r>
+              <a:rPr lang="it-IT" sz="1200" dirty="0">
+                <a:latin typeface="Arial" panose="020B0604020202020204" pitchFamily="34" charset="0"/>
+                <a:cs typeface="Arial" panose="020B0604020202020204" pitchFamily="34" charset="0"/>
+              </a:rPr>
+              <a:t>The </a:t>
+            </a:r>
+            <a:r>
+              <a:rPr lang="it-IT" sz="1200" dirty="0" err="1">
+                <a:latin typeface="Arial" panose="020B0604020202020204" pitchFamily="34" charset="0"/>
+                <a:cs typeface="Arial" panose="020B0604020202020204" pitchFamily="34" charset="0"/>
+              </a:rPr>
+              <a:t>real</a:t>
+            </a:r>
+            <a:r>
+              <a:rPr lang="it-IT" sz="1200" dirty="0">
+                <a:latin typeface="Arial" panose="020B0604020202020204" pitchFamily="34" charset="0"/>
+                <a:cs typeface="Arial" panose="020B0604020202020204" pitchFamily="34" charset="0"/>
+              </a:rPr>
+              <a:t> </a:t>
+            </a:r>
+            <a:r>
+              <a:rPr lang="it-IT" sz="1200" dirty="0" err="1">
+                <a:latin typeface="Arial" panose="020B0604020202020204" pitchFamily="34" charset="0"/>
+                <a:cs typeface="Arial" panose="020B0604020202020204" pitchFamily="34" charset="0"/>
+              </a:rPr>
+              <a:t>shapes</a:t>
+            </a:r>
+            <a:endParaRPr lang="it-IT" sz="1200" dirty="0">
+              <a:latin typeface="Arial" panose="020B0604020202020204" pitchFamily="34" charset="0"/>
+              <a:cs typeface="Arial" panose="020B0604020202020204" pitchFamily="34" charset="0"/>
+            </a:endParaRPr>
+          </a:p>
+          <a:p>
+            <a:r>
+              <a:rPr lang="it-IT" sz="1200" dirty="0">
+                <a:latin typeface="Arial" panose="020B0604020202020204" pitchFamily="34" charset="0"/>
+                <a:cs typeface="Arial" panose="020B0604020202020204" pitchFamily="34" charset="0"/>
+              </a:rPr>
+              <a:t> of K and </a:t>
+            </a:r>
+            <a:r>
+              <a:rPr lang="it-IT" sz="1200" dirty="0" err="1">
+                <a:latin typeface="Arial" panose="020B0604020202020204" pitchFamily="34" charset="0"/>
+                <a:cs typeface="Arial" panose="020B0604020202020204" pitchFamily="34" charset="0"/>
+              </a:rPr>
+              <a:t>Q</a:t>
+            </a:r>
+            <a:r>
+              <a:rPr lang="it-IT" sz="1200" dirty="0">
+                <a:latin typeface="Arial" panose="020B0604020202020204" pitchFamily="34" charset="0"/>
+                <a:cs typeface="Arial" panose="020B0604020202020204" pitchFamily="34" charset="0"/>
+              </a:rPr>
+              <a:t> are the</a:t>
+            </a:r>
+          </a:p>
+          <a:p>
+            <a:r>
+              <a:rPr lang="it-IT" sz="1200" dirty="0" err="1">
+                <a:latin typeface="Arial" panose="020B0604020202020204" pitchFamily="34" charset="0"/>
+                <a:cs typeface="Arial" panose="020B0604020202020204" pitchFamily="34" charset="0"/>
+              </a:rPr>
+              <a:t>followings</a:t>
+            </a:r>
+            <a:r>
+              <a:rPr lang="it-IT" sz="1200" dirty="0">
+                <a:latin typeface="Arial" panose="020B0604020202020204" pitchFamily="34" charset="0"/>
+                <a:cs typeface="Arial" panose="020B0604020202020204" pitchFamily="34" charset="0"/>
+              </a:rPr>
+              <a:t> (i.e. K </a:t>
+            </a:r>
+            <a:r>
+              <a:rPr lang="it-IT" sz="1200" dirty="0" err="1">
+                <a:latin typeface="Arial" panose="020B0604020202020204" pitchFamily="34" charset="0"/>
+                <a:cs typeface="Arial" panose="020B0604020202020204" pitchFamily="34" charset="0"/>
+              </a:rPr>
+              <a:t>is</a:t>
+            </a:r>
+            <a:r>
+              <a:rPr lang="it-IT" sz="1200" dirty="0">
+                <a:latin typeface="Arial" panose="020B0604020202020204" pitchFamily="34" charset="0"/>
+                <a:cs typeface="Arial" panose="020B0604020202020204" pitchFamily="34" charset="0"/>
+              </a:rPr>
+              <a:t> </a:t>
+            </a:r>
+            <a:r>
+              <a:rPr lang="it-IT" sz="1200" dirty="0" err="1">
+                <a:latin typeface="Arial" panose="020B0604020202020204" pitchFamily="34" charset="0"/>
+                <a:cs typeface="Arial" panose="020B0604020202020204" pitchFamily="34" charset="0"/>
+              </a:rPr>
+              <a:t>twice</a:t>
+            </a:r>
+            <a:endParaRPr lang="it-IT" sz="1200" dirty="0">
+              <a:latin typeface="Arial" panose="020B0604020202020204" pitchFamily="34" charset="0"/>
+              <a:cs typeface="Arial" panose="020B0604020202020204" pitchFamily="34" charset="0"/>
+            </a:endParaRPr>
+          </a:p>
+          <a:p>
+            <a:r>
+              <a:rPr lang="it-IT" sz="1200" dirty="0" err="1">
+                <a:latin typeface="Arial" panose="020B0604020202020204" pitchFamily="34" charset="0"/>
+                <a:cs typeface="Arial" panose="020B0604020202020204" pitchFamily="34" charset="0"/>
+              </a:rPr>
+              <a:t>smaller</a:t>
+            </a:r>
+            <a:r>
+              <a:rPr lang="it-IT" sz="1200" dirty="0">
+                <a:latin typeface="Arial" panose="020B0604020202020204" pitchFamily="34" charset="0"/>
+                <a:cs typeface="Arial" panose="020B0604020202020204" pitchFamily="34" charset="0"/>
+              </a:rPr>
+              <a:t> </a:t>
+            </a:r>
+            <a:r>
+              <a:rPr lang="it-IT" sz="1200" dirty="0" err="1">
+                <a:latin typeface="Arial" panose="020B0604020202020204" pitchFamily="34" charset="0"/>
+                <a:cs typeface="Arial" panose="020B0604020202020204" pitchFamily="34" charset="0"/>
+              </a:rPr>
+              <a:t>than</a:t>
+            </a:r>
+            <a:r>
+              <a:rPr lang="it-IT" sz="1200" dirty="0">
+                <a:latin typeface="Arial" panose="020B0604020202020204" pitchFamily="34" charset="0"/>
+                <a:cs typeface="Arial" panose="020B0604020202020204" pitchFamily="34" charset="0"/>
+              </a:rPr>
+              <a:t> </a:t>
+            </a:r>
+            <a:r>
+              <a:rPr lang="it-IT" sz="1200" dirty="0" err="1">
+                <a:latin typeface="Arial" panose="020B0604020202020204" pitchFamily="34" charset="0"/>
+                <a:cs typeface="Arial" panose="020B0604020202020204" pitchFamily="34" charset="0"/>
+              </a:rPr>
+              <a:t>Q</a:t>
+            </a:r>
+            <a:r>
+              <a:rPr lang="it-IT" sz="1200" dirty="0">
+                <a:latin typeface="Arial" panose="020B0604020202020204" pitchFamily="34" charset="0"/>
+                <a:cs typeface="Arial" panose="020B0604020202020204" pitchFamily="34" charset="0"/>
+              </a:rPr>
+              <a:t> with</a:t>
+            </a:r>
+          </a:p>
+          <a:p>
+            <a:r>
+              <a:rPr lang="it-IT" sz="1200" dirty="0" err="1">
+                <a:latin typeface="Arial" panose="020B0604020202020204" pitchFamily="34" charset="0"/>
+                <a:cs typeface="Arial" panose="020B0604020202020204" pitchFamily="34" charset="0"/>
+              </a:rPr>
+              <a:t>respect</a:t>
+            </a:r>
+            <a:r>
+              <a:rPr lang="it-IT" sz="1200" dirty="0">
+                <a:latin typeface="Arial" panose="020B0604020202020204" pitchFamily="34" charset="0"/>
+                <a:cs typeface="Arial" panose="020B0604020202020204" pitchFamily="34" charset="0"/>
+              </a:rPr>
+              <a:t> to the </a:t>
+            </a:r>
+            <a:r>
+              <a:rPr lang="it-IT" sz="1200" dirty="0" err="1">
+                <a:latin typeface="Arial" panose="020B0604020202020204" pitchFamily="34" charset="0"/>
+                <a:cs typeface="Arial" panose="020B0604020202020204" pitchFamily="34" charset="0"/>
+              </a:rPr>
+              <a:t>height</a:t>
+            </a:r>
+            <a:r>
+              <a:rPr lang="it-IT" sz="1200" dirty="0">
+                <a:latin typeface="Arial" panose="020B0604020202020204" pitchFamily="34" charset="0"/>
+                <a:cs typeface="Arial" panose="020B0604020202020204" pitchFamily="34" charset="0"/>
+              </a:rPr>
+              <a:t> and</a:t>
+            </a:r>
+          </a:p>
+          <a:p>
+            <a:r>
+              <a:rPr lang="it-IT" sz="1200" dirty="0" err="1">
+                <a:latin typeface="Arial" panose="020B0604020202020204" pitchFamily="34" charset="0"/>
+                <a:cs typeface="Arial" panose="020B0604020202020204" pitchFamily="34" charset="0"/>
+              </a:rPr>
+              <a:t>width</a:t>
+            </a:r>
+            <a:r>
+              <a:rPr lang="it-IT" sz="1200" dirty="0">
+                <a:latin typeface="Arial" panose="020B0604020202020204" pitchFamily="34" charset="0"/>
+                <a:cs typeface="Arial" panose="020B0604020202020204" pitchFamily="34" charset="0"/>
+              </a:rPr>
+              <a:t>.</a:t>
+            </a:r>
+          </a:p>
+        </p:txBody>
+      </p:sp>
+      <p:sp>
+        <p:nvSpPr>
+          <p:cNvPr id="16" name="Rettangolo 15">
+            <a:extLst>
+              <a:ext uri="{FF2B5EF4-FFF2-40B4-BE49-F238E27FC236}">
+                <a16:creationId xmlns:a16="http://schemas.microsoft.com/office/drawing/2014/main" id="{D7E9D717-124F-2970-1A9C-649E1C15595C}"/>
+              </a:ext>
+            </a:extLst>
+          </p:cNvPr>
+          <p:cNvSpPr/>
+          <p:nvPr/>
+        </p:nvSpPr>
+        <p:spPr>
+          <a:xfrm rot="5400000">
+            <a:off x="2269453" y="3665122"/>
+            <a:ext cx="890323" cy="366878"/>
+          </a:xfrm>
+          <a:prstGeom prst="rect">
+            <a:avLst/>
+          </a:prstGeom>
+          <a:solidFill>
+            <a:schemeClr val="accent5">
+              <a:lumMod val="60000"/>
+              <a:lumOff val="40000"/>
+            </a:schemeClr>
+          </a:solidFill>
+        </p:spPr>
+        <p:style>
+          <a:lnRef idx="2">
+            <a:schemeClr val="accent1">
+              <a:shade val="15000"/>
+            </a:schemeClr>
+          </a:lnRef>
+          <a:fillRef idx="1">
+            <a:schemeClr val="accent1"/>
+          </a:fillRef>
+          <a:effectRef idx="0">
+            <a:schemeClr val="accent1"/>
+          </a:effectRef>
+          <a:fontRef idx="minor">
+            <a:schemeClr val="lt1"/>
+          </a:fontRef>
+        </p:style>
+        <p:txBody>
+          <a:bodyPr rtlCol="0" anchor="ctr"/>
+          <a:lstStyle/>
+          <a:p>
+            <a:pPr algn="ctr"/>
+            <a:r>
+              <a:rPr lang="it-IT" sz="1300" dirty="0" err="1">
+                <a:solidFill>
+                  <a:schemeClr val="tx1"/>
+                </a:solidFill>
+                <a:latin typeface="Arial" panose="020B0604020202020204" pitchFamily="34" charset="0"/>
+                <a:cs typeface="Arial" panose="020B0604020202020204" pitchFamily="34" charset="0"/>
+              </a:rPr>
+              <a:t>Interpolation</a:t>
+            </a:r>
+            <a:endParaRPr lang="it-IT" sz="1300" dirty="0">
+              <a:solidFill>
+                <a:schemeClr val="tx1"/>
+              </a:solidFill>
+              <a:latin typeface="Arial" panose="020B0604020202020204" pitchFamily="34" charset="0"/>
+              <a:cs typeface="Arial" panose="020B0604020202020204" pitchFamily="34" charset="0"/>
+            </a:endParaRPr>
           </a:p>
         </p:txBody>
       </p:sp>

--- a/models_representation.pptx
+++ b/models_representation.pptx
@@ -216,7 +216,7 @@
           <a:p>
             <a:fld id="{53A7101E-77CC-774B-8B89-8BCF5404A3E1}" type="datetimeFigureOut">
               <a:rPr lang="it-IT" smtClean="0"/>
-              <a:t>30/08/24</a:t>
+              <a:t>03/09/2024</a:t>
             </a:fld>
             <a:endParaRPr lang="it-IT"/>
           </a:p>
@@ -714,7 +714,7 @@
           <a:p>
             <a:fld id="{945283D2-C903-3141-AE1B-7D2BA63A2436}" type="datetimeFigureOut">
               <a:rPr lang="it-IT" smtClean="0"/>
-              <a:t>30/08/24</a:t>
+              <a:t>03/09/2024</a:t>
             </a:fld>
             <a:endParaRPr lang="it-IT"/>
           </a:p>
@@ -912,7 +912,7 @@
           <a:p>
             <a:fld id="{945283D2-C903-3141-AE1B-7D2BA63A2436}" type="datetimeFigureOut">
               <a:rPr lang="it-IT" smtClean="0"/>
-              <a:t>30/08/24</a:t>
+              <a:t>03/09/2024</a:t>
             </a:fld>
             <a:endParaRPr lang="it-IT"/>
           </a:p>
@@ -1120,7 +1120,7 @@
           <a:p>
             <a:fld id="{945283D2-C903-3141-AE1B-7D2BA63A2436}" type="datetimeFigureOut">
               <a:rPr lang="it-IT" smtClean="0"/>
-              <a:t>30/08/24</a:t>
+              <a:t>03/09/2024</a:t>
             </a:fld>
             <a:endParaRPr lang="it-IT"/>
           </a:p>
@@ -1318,7 +1318,7 @@
           <a:p>
             <a:fld id="{945283D2-C903-3141-AE1B-7D2BA63A2436}" type="datetimeFigureOut">
               <a:rPr lang="it-IT" smtClean="0"/>
-              <a:t>30/08/24</a:t>
+              <a:t>03/09/2024</a:t>
             </a:fld>
             <a:endParaRPr lang="it-IT"/>
           </a:p>
@@ -1593,7 +1593,7 @@
           <a:p>
             <a:fld id="{945283D2-C903-3141-AE1B-7D2BA63A2436}" type="datetimeFigureOut">
               <a:rPr lang="it-IT" smtClean="0"/>
-              <a:t>30/08/24</a:t>
+              <a:t>03/09/2024</a:t>
             </a:fld>
             <a:endParaRPr lang="it-IT"/>
           </a:p>
@@ -1858,7 +1858,7 @@
           <a:p>
             <a:fld id="{945283D2-C903-3141-AE1B-7D2BA63A2436}" type="datetimeFigureOut">
               <a:rPr lang="it-IT" smtClean="0"/>
-              <a:t>30/08/24</a:t>
+              <a:t>03/09/2024</a:t>
             </a:fld>
             <a:endParaRPr lang="it-IT"/>
           </a:p>
@@ -2270,7 +2270,7 @@
           <a:p>
             <a:fld id="{945283D2-C903-3141-AE1B-7D2BA63A2436}" type="datetimeFigureOut">
               <a:rPr lang="it-IT" smtClean="0"/>
-              <a:t>30/08/24</a:t>
+              <a:t>03/09/2024</a:t>
             </a:fld>
             <a:endParaRPr lang="it-IT"/>
           </a:p>
@@ -2411,7 +2411,7 @@
           <a:p>
             <a:fld id="{945283D2-C903-3141-AE1B-7D2BA63A2436}" type="datetimeFigureOut">
               <a:rPr lang="it-IT" smtClean="0"/>
-              <a:t>30/08/24</a:t>
+              <a:t>03/09/2024</a:t>
             </a:fld>
             <a:endParaRPr lang="it-IT"/>
           </a:p>
@@ -2524,7 +2524,7 @@
           <a:p>
             <a:fld id="{945283D2-C903-3141-AE1B-7D2BA63A2436}" type="datetimeFigureOut">
               <a:rPr lang="it-IT" smtClean="0"/>
-              <a:t>30/08/24</a:t>
+              <a:t>03/09/2024</a:t>
             </a:fld>
             <a:endParaRPr lang="it-IT"/>
           </a:p>
@@ -2835,7 +2835,7 @@
           <a:p>
             <a:fld id="{945283D2-C903-3141-AE1B-7D2BA63A2436}" type="datetimeFigureOut">
               <a:rPr lang="it-IT" smtClean="0"/>
-              <a:t>30/08/24</a:t>
+              <a:t>03/09/2024</a:t>
             </a:fld>
             <a:endParaRPr lang="it-IT"/>
           </a:p>
@@ -3123,7 +3123,7 @@
           <a:p>
             <a:fld id="{945283D2-C903-3141-AE1B-7D2BA63A2436}" type="datetimeFigureOut">
               <a:rPr lang="it-IT" smtClean="0"/>
-              <a:t>30/08/24</a:t>
+              <a:t>03/09/2024</a:t>
             </a:fld>
             <a:endParaRPr lang="it-IT"/>
           </a:p>
@@ -3364,7 +3364,7 @@
           <a:p>
             <a:fld id="{945283D2-C903-3141-AE1B-7D2BA63A2436}" type="datetimeFigureOut">
               <a:rPr lang="it-IT" smtClean="0"/>
-              <a:t>30/08/24</a:t>
+              <a:t>03/09/2024</a:t>
             </a:fld>
             <a:endParaRPr lang="it-IT"/>
           </a:p>

--- a/models_representation.pptx
+++ b/models_representation.pptx
@@ -5,7 +5,7 @@
     <p:sldMasterId id="2147483648" r:id="rId1"/>
   </p:sldMasterIdLst>
   <p:notesMasterIdLst>
-    <p:notesMasterId r:id="rId22"/>
+    <p:notesMasterId r:id="rId24"/>
   </p:notesMasterIdLst>
   <p:sldIdLst>
     <p:sldId id="256" r:id="rId2"/>
@@ -25,9 +25,11 @@
     <p:sldId id="275" r:id="rId16"/>
     <p:sldId id="276" r:id="rId17"/>
     <p:sldId id="278" r:id="rId18"/>
-    <p:sldId id="279" r:id="rId19"/>
-    <p:sldId id="281" r:id="rId20"/>
-    <p:sldId id="280" r:id="rId21"/>
+    <p:sldId id="285" r:id="rId19"/>
+    <p:sldId id="286" r:id="rId20"/>
+    <p:sldId id="287" r:id="rId21"/>
+    <p:sldId id="281" r:id="rId22"/>
+    <p:sldId id="280" r:id="rId23"/>
   </p:sldIdLst>
   <p:sldSz cx="12192000" cy="6858000"/>
   <p:notesSz cx="6858000" cy="9144000"/>
@@ -216,7 +218,7 @@
           <a:p>
             <a:fld id="{53A7101E-77CC-774B-8B89-8BCF5404A3E1}" type="datetimeFigureOut">
               <a:rPr lang="it-IT" smtClean="0"/>
-              <a:t>03/09/2024</a:t>
+              <a:t>11/09/2024</a:t>
             </a:fld>
             <a:endParaRPr lang="it-IT"/>
           </a:p>
@@ -714,7 +716,7 @@
           <a:p>
             <a:fld id="{945283D2-C903-3141-AE1B-7D2BA63A2436}" type="datetimeFigureOut">
               <a:rPr lang="it-IT" smtClean="0"/>
-              <a:t>03/09/2024</a:t>
+              <a:t>11/09/2024</a:t>
             </a:fld>
             <a:endParaRPr lang="it-IT"/>
           </a:p>
@@ -912,7 +914,7 @@
           <a:p>
             <a:fld id="{945283D2-C903-3141-AE1B-7D2BA63A2436}" type="datetimeFigureOut">
               <a:rPr lang="it-IT" smtClean="0"/>
-              <a:t>03/09/2024</a:t>
+              <a:t>11/09/2024</a:t>
             </a:fld>
             <a:endParaRPr lang="it-IT"/>
           </a:p>
@@ -1120,7 +1122,7 @@
           <a:p>
             <a:fld id="{945283D2-C903-3141-AE1B-7D2BA63A2436}" type="datetimeFigureOut">
               <a:rPr lang="it-IT" smtClean="0"/>
-              <a:t>03/09/2024</a:t>
+              <a:t>11/09/2024</a:t>
             </a:fld>
             <a:endParaRPr lang="it-IT"/>
           </a:p>
@@ -1318,7 +1320,7 @@
           <a:p>
             <a:fld id="{945283D2-C903-3141-AE1B-7D2BA63A2436}" type="datetimeFigureOut">
               <a:rPr lang="it-IT" smtClean="0"/>
-              <a:t>03/09/2024</a:t>
+              <a:t>11/09/2024</a:t>
             </a:fld>
             <a:endParaRPr lang="it-IT"/>
           </a:p>
@@ -1593,7 +1595,7 @@
           <a:p>
             <a:fld id="{945283D2-C903-3141-AE1B-7D2BA63A2436}" type="datetimeFigureOut">
               <a:rPr lang="it-IT" smtClean="0"/>
-              <a:t>03/09/2024</a:t>
+              <a:t>11/09/2024</a:t>
             </a:fld>
             <a:endParaRPr lang="it-IT"/>
           </a:p>
@@ -1858,7 +1860,7 @@
           <a:p>
             <a:fld id="{945283D2-C903-3141-AE1B-7D2BA63A2436}" type="datetimeFigureOut">
               <a:rPr lang="it-IT" smtClean="0"/>
-              <a:t>03/09/2024</a:t>
+              <a:t>11/09/2024</a:t>
             </a:fld>
             <a:endParaRPr lang="it-IT"/>
           </a:p>
@@ -2270,7 +2272,7 @@
           <a:p>
             <a:fld id="{945283D2-C903-3141-AE1B-7D2BA63A2436}" type="datetimeFigureOut">
               <a:rPr lang="it-IT" smtClean="0"/>
-              <a:t>03/09/2024</a:t>
+              <a:t>11/09/2024</a:t>
             </a:fld>
             <a:endParaRPr lang="it-IT"/>
           </a:p>
@@ -2411,7 +2413,7 @@
           <a:p>
             <a:fld id="{945283D2-C903-3141-AE1B-7D2BA63A2436}" type="datetimeFigureOut">
               <a:rPr lang="it-IT" smtClean="0"/>
-              <a:t>03/09/2024</a:t>
+              <a:t>11/09/2024</a:t>
             </a:fld>
             <a:endParaRPr lang="it-IT"/>
           </a:p>
@@ -2524,7 +2526,7 @@
           <a:p>
             <a:fld id="{945283D2-C903-3141-AE1B-7D2BA63A2436}" type="datetimeFigureOut">
               <a:rPr lang="it-IT" smtClean="0"/>
-              <a:t>03/09/2024</a:t>
+              <a:t>11/09/2024</a:t>
             </a:fld>
             <a:endParaRPr lang="it-IT"/>
           </a:p>
@@ -2835,7 +2837,7 @@
           <a:p>
             <a:fld id="{945283D2-C903-3141-AE1B-7D2BA63A2436}" type="datetimeFigureOut">
               <a:rPr lang="it-IT" smtClean="0"/>
-              <a:t>03/09/2024</a:t>
+              <a:t>11/09/2024</a:t>
             </a:fld>
             <a:endParaRPr lang="it-IT"/>
           </a:p>
@@ -3123,7 +3125,7 @@
           <a:p>
             <a:fld id="{945283D2-C903-3141-AE1B-7D2BA63A2436}" type="datetimeFigureOut">
               <a:rPr lang="it-IT" smtClean="0"/>
-              <a:t>03/09/2024</a:t>
+              <a:t>11/09/2024</a:t>
             </a:fld>
             <a:endParaRPr lang="it-IT"/>
           </a:p>
@@ -3364,7 +3366,7 @@
           <a:p>
             <a:fld id="{945283D2-C903-3141-AE1B-7D2BA63A2436}" type="datetimeFigureOut">
               <a:rPr lang="it-IT" smtClean="0"/>
-              <a:t>03/09/2024</a:t>
+              <a:t>11/09/2024</a:t>
             </a:fld>
             <a:endParaRPr lang="it-IT"/>
           </a:p>
@@ -20766,15 +20768,7 @@
             </a:r>
             <a:r>
               <a:rPr lang="it-IT" dirty="0"/>
-              <a:t> for new super-</a:t>
-            </a:r>
-            <a:r>
-              <a:rPr lang="it-IT" dirty="0" err="1"/>
-              <a:t>resolution</a:t>
-            </a:r>
-            <a:r>
-              <a:rPr lang="it-IT" dirty="0"/>
-              <a:t> 5</a:t>
+              <a:t> for new data generation</a:t>
             </a:r>
             <a:br>
               <a:rPr lang="it-IT" dirty="0"/>
@@ -20880,62 +20874,12 @@
           <a:chExt cx="0" cy="0"/>
         </a:xfrm>
       </p:grpSpPr>
-      <p:sp>
-        <p:nvSpPr>
-          <p:cNvPr id="5" name="Rettangolo 4">
-            <a:extLst>
-              <a:ext uri="{FF2B5EF4-FFF2-40B4-BE49-F238E27FC236}">
-                <a16:creationId xmlns:a16="http://schemas.microsoft.com/office/drawing/2014/main" id="{7A8F2D39-087B-A01F-C7D1-00A47997E366}"/>
-              </a:ext>
-            </a:extLst>
-          </p:cNvPr>
-          <p:cNvSpPr/>
-          <p:nvPr/>
-        </p:nvSpPr>
-        <p:spPr>
-          <a:xfrm>
-            <a:off x="4638311" y="2920562"/>
-            <a:ext cx="2418265" cy="1016876"/>
-          </a:xfrm>
-          <a:prstGeom prst="rect">
-            <a:avLst/>
-          </a:prstGeom>
-          <a:solidFill>
-            <a:schemeClr val="accent2">
-              <a:lumMod val="60000"/>
-              <a:lumOff val="40000"/>
-            </a:schemeClr>
-          </a:solidFill>
-        </p:spPr>
-        <p:style>
-          <a:lnRef idx="1">
-            <a:schemeClr val="accent2"/>
-          </a:lnRef>
-          <a:fillRef idx="2">
-            <a:schemeClr val="accent2"/>
-          </a:fillRef>
-          <a:effectRef idx="1">
-            <a:schemeClr val="accent2"/>
-          </a:effectRef>
-          <a:fontRef idx="minor">
-            <a:schemeClr val="dk1"/>
-          </a:fontRef>
-        </p:style>
-        <p:txBody>
-          <a:bodyPr rtlCol="0" anchor="ctr"/>
-          <a:lstStyle/>
-          <a:p>
-            <a:pPr algn="ctr"/>
-            <a:endParaRPr lang="it-IT"/>
-          </a:p>
-        </p:txBody>
-      </p:sp>
       <p:cxnSp>
         <p:nvCxnSpPr>
-          <p:cNvPr id="6" name="Connettore 2 5">
-            <a:extLst>
-              <a:ext uri="{FF2B5EF4-FFF2-40B4-BE49-F238E27FC236}">
-                <a16:creationId xmlns:a16="http://schemas.microsoft.com/office/drawing/2014/main" id="{B48BF9FB-2C8E-66BB-8B22-A399F7CA53CC}"/>
+          <p:cNvPr id="131" name="Connettore 2 130">
+            <a:extLst>
+              <a:ext uri="{FF2B5EF4-FFF2-40B4-BE49-F238E27FC236}">
+                <a16:creationId xmlns:a16="http://schemas.microsoft.com/office/drawing/2014/main" id="{CDC01E46-CBF2-06A5-3C2E-35863A69E5F3}"/>
               </a:ext>
             </a:extLst>
           </p:cNvPr>
@@ -20945,81 +20889,38 @@
           <p:nvPr/>
         </p:nvCxnSpPr>
         <p:spPr>
-          <a:xfrm>
-            <a:off x="4703812" y="3819477"/>
-            <a:ext cx="1864112" cy="0"/>
+          <a:xfrm flipV="1">
+            <a:off x="3763592" y="1351883"/>
+            <a:ext cx="8526280" cy="7605"/>
           </a:xfrm>
           <a:prstGeom prst="straightConnector1">
             <a:avLst/>
           </a:prstGeom>
-          <a:ln>
+          <a:ln w="25400" cmpd="sng">
             <a:tailEnd type="triangle"/>
           </a:ln>
         </p:spPr>
         <p:style>
           <a:lnRef idx="2">
-            <a:schemeClr val="accent1"/>
+            <a:schemeClr val="dk1"/>
           </a:lnRef>
           <a:fillRef idx="0">
-            <a:schemeClr val="accent1"/>
+            <a:schemeClr val="dk1"/>
           </a:fillRef>
           <a:effectRef idx="1">
-            <a:schemeClr val="accent1"/>
+            <a:schemeClr val="dk1"/>
           </a:effectRef>
           <a:fontRef idx="minor">
             <a:schemeClr val="tx1"/>
           </a:fontRef>
         </p:style>
       </p:cxnSp>
-      <p:cxnSp>
-        <p:nvCxnSpPr>
-          <p:cNvPr id="7" name="Connettore 4 6">
-            <a:extLst>
-              <a:ext uri="{FF2B5EF4-FFF2-40B4-BE49-F238E27FC236}">
-                <a16:creationId xmlns:a16="http://schemas.microsoft.com/office/drawing/2014/main" id="{08019180-1DC3-AAEA-2FD7-511CD444F789}"/>
-              </a:ext>
-            </a:extLst>
-          </p:cNvPr>
-          <p:cNvCxnSpPr>
-            <a:cxnSpLocks/>
-          </p:cNvCxnSpPr>
-          <p:nvPr/>
-        </p:nvCxnSpPr>
-        <p:spPr>
-          <a:xfrm rot="5400000" flipH="1" flipV="1">
-            <a:off x="4648693" y="3397923"/>
-            <a:ext cx="635078" cy="172145"/>
-          </a:xfrm>
-          <a:prstGeom prst="bentConnector3">
-            <a:avLst>
-              <a:gd name="adj1" fmla="val 98533"/>
-            </a:avLst>
-          </a:prstGeom>
-          <a:ln>
-            <a:tailEnd type="triangle"/>
-          </a:ln>
-        </p:spPr>
-        <p:style>
-          <a:lnRef idx="2">
-            <a:schemeClr val="accent1"/>
-          </a:lnRef>
-          <a:fillRef idx="0">
-            <a:schemeClr val="accent1"/>
-          </a:fillRef>
-          <a:effectRef idx="1">
-            <a:schemeClr val="accent1"/>
-          </a:effectRef>
-          <a:fontRef idx="minor">
-            <a:schemeClr val="tx1"/>
-          </a:fontRef>
-        </p:style>
-      </p:cxnSp>
-      <p:sp>
-        <p:nvSpPr>
-          <p:cNvPr id="8" name="Rettangolo con angoli arrotondati 7">
-            <a:extLst>
-              <a:ext uri="{FF2B5EF4-FFF2-40B4-BE49-F238E27FC236}">
-                <a16:creationId xmlns:a16="http://schemas.microsoft.com/office/drawing/2014/main" id="{844BA90D-A4A0-4495-F8A9-1329118364C1}"/>
+      <p:sp>
+        <p:nvSpPr>
+          <p:cNvPr id="30" name="Rettangolo 29">
+            <a:extLst>
+              <a:ext uri="{FF2B5EF4-FFF2-40B4-BE49-F238E27FC236}">
+                <a16:creationId xmlns:a16="http://schemas.microsoft.com/office/drawing/2014/main" id="{71B9676C-D8CE-9C66-8607-07700F6514C9}"/>
               </a:ext>
             </a:extLst>
           </p:cNvPr>
@@ -21028,114 +20929,8 @@
         </p:nvSpPr>
         <p:spPr>
           <a:xfrm rot="5400000">
-            <a:off x="4938027" y="3060369"/>
-            <a:ext cx="635078" cy="353634"/>
-          </a:xfrm>
-          <a:prstGeom prst="roundRect">
-            <a:avLst/>
-          </a:prstGeom>
-          <a:solidFill>
-            <a:srgbClr val="FFFF00"/>
-          </a:solidFill>
-        </p:spPr>
-        <p:style>
-          <a:lnRef idx="2">
-            <a:schemeClr val="accent1">
-              <a:shade val="15000"/>
-            </a:schemeClr>
-          </a:lnRef>
-          <a:fillRef idx="1">
-            <a:schemeClr val="accent1"/>
-          </a:fillRef>
-          <a:effectRef idx="0">
-            <a:schemeClr val="accent1"/>
-          </a:effectRef>
-          <a:fontRef idx="minor">
-            <a:schemeClr val="lt1"/>
-          </a:fontRef>
-        </p:style>
-        <p:txBody>
-          <a:bodyPr rtlCol="0" anchor="ctr"/>
-          <a:lstStyle/>
-          <a:p>
-            <a:pPr algn="ctr"/>
-            <a:r>
-              <a:rPr lang="it-IT" sz="1200" dirty="0" err="1">
-                <a:solidFill>
-                  <a:schemeClr val="tx1"/>
-                </a:solidFill>
-              </a:rPr>
-              <a:t>Swish</a:t>
-            </a:r>
-            <a:r>
-              <a:rPr lang="it-IT" sz="1200" dirty="0">
-                <a:solidFill>
-                  <a:schemeClr val="tx1"/>
-                </a:solidFill>
-              </a:rPr>
-              <a:t> - GN</a:t>
-            </a:r>
-          </a:p>
-        </p:txBody>
-      </p:sp>
-      <p:cxnSp>
-        <p:nvCxnSpPr>
-          <p:cNvPr id="9" name="Connettore 2 8">
-            <a:extLst>
-              <a:ext uri="{FF2B5EF4-FFF2-40B4-BE49-F238E27FC236}">
-                <a16:creationId xmlns:a16="http://schemas.microsoft.com/office/drawing/2014/main" id="{D4C4ED66-F770-7F37-5F07-0C67ECCEFC8E}"/>
-              </a:ext>
-            </a:extLst>
-          </p:cNvPr>
-          <p:cNvCxnSpPr>
-            <a:cxnSpLocks/>
-            <a:stCxn id="8" idx="0"/>
-          </p:cNvCxnSpPr>
-          <p:nvPr/>
-        </p:nvCxnSpPr>
-        <p:spPr>
-          <a:xfrm>
-            <a:off x="5432383" y="3237186"/>
-            <a:ext cx="172147" cy="20655"/>
-          </a:xfrm>
-          <a:prstGeom prst="straightConnector1">
-            <a:avLst/>
-          </a:prstGeom>
-          <a:ln>
-            <a:tailEnd type="triangle"/>
-          </a:ln>
-        </p:spPr>
-        <p:style>
-          <a:lnRef idx="2">
-            <a:schemeClr val="accent1"/>
-          </a:lnRef>
-          <a:fillRef idx="0">
-            <a:schemeClr val="accent1"/>
-          </a:fillRef>
-          <a:effectRef idx="1">
-            <a:schemeClr val="accent1"/>
-          </a:effectRef>
-          <a:fontRef idx="minor">
-            <a:schemeClr val="tx1"/>
-          </a:fontRef>
-        </p:style>
-      </p:cxnSp>
-      <p:sp>
-        <p:nvSpPr>
-          <p:cNvPr id="10" name="Rettangolo 9">
-            <a:extLst>
-              <a:ext uri="{FF2B5EF4-FFF2-40B4-BE49-F238E27FC236}">
-                <a16:creationId xmlns:a16="http://schemas.microsoft.com/office/drawing/2014/main" id="{AF08D66D-A8DE-CE7C-0A01-E30032C87326}"/>
-              </a:ext>
-            </a:extLst>
-          </p:cNvPr>
-          <p:cNvSpPr/>
-          <p:nvPr/>
-        </p:nvSpPr>
-        <p:spPr>
-          <a:xfrm rot="5400000">
-            <a:off x="5248709" y="3216604"/>
-            <a:ext cx="821318" cy="148509"/>
+            <a:off x="185558" y="3108670"/>
+            <a:ext cx="1543185" cy="306098"/>
           </a:xfrm>
           <a:prstGeom prst="rect">
             <a:avLst/>
@@ -21166,7 +20961,7 @@
           <a:p>
             <a:pPr algn="ctr"/>
             <a:r>
-              <a:rPr lang="it-IT" sz="1300" b="1" dirty="0">
+              <a:rPr lang="it-IT" sz="2500" b="1" dirty="0">
                 <a:solidFill>
                   <a:schemeClr val="tx1"/>
                 </a:solidFill>
@@ -21176,12 +20971,96 @@
           </a:p>
         </p:txBody>
       </p:sp>
-      <p:sp>
-        <p:nvSpPr>
-          <p:cNvPr id="11" name="Rettangolo 10">
-            <a:extLst>
-              <a:ext uri="{FF2B5EF4-FFF2-40B4-BE49-F238E27FC236}">
-                <a16:creationId xmlns:a16="http://schemas.microsoft.com/office/drawing/2014/main" id="{EA83C3FE-1476-0F74-168A-1A23EF2FAB21}"/>
+      <p:cxnSp>
+        <p:nvCxnSpPr>
+          <p:cNvPr id="31" name="Connettore 2 30">
+            <a:extLst>
+              <a:ext uri="{FF2B5EF4-FFF2-40B4-BE49-F238E27FC236}">
+                <a16:creationId xmlns:a16="http://schemas.microsoft.com/office/drawing/2014/main" id="{BFCCAA6C-45FD-3C9E-E7C0-2B650E8CB61C}"/>
+              </a:ext>
+            </a:extLst>
+          </p:cNvPr>
+          <p:cNvCxnSpPr>
+            <a:cxnSpLocks/>
+          </p:cNvCxnSpPr>
+          <p:nvPr/>
+        </p:nvCxnSpPr>
+        <p:spPr>
+          <a:xfrm>
+            <a:off x="603004" y="3238097"/>
+            <a:ext cx="213036" cy="0"/>
+          </a:xfrm>
+          <a:prstGeom prst="straightConnector1">
+            <a:avLst/>
+          </a:prstGeom>
+          <a:ln w="25400" cmpd="sng">
+            <a:tailEnd type="triangle"/>
+          </a:ln>
+        </p:spPr>
+        <p:style>
+          <a:lnRef idx="2">
+            <a:schemeClr val="dk1"/>
+          </a:lnRef>
+          <a:fillRef idx="0">
+            <a:schemeClr val="dk1"/>
+          </a:fillRef>
+          <a:effectRef idx="1">
+            <a:schemeClr val="dk1"/>
+          </a:effectRef>
+          <a:fontRef idx="minor">
+            <a:schemeClr val="tx1"/>
+          </a:fontRef>
+        </p:style>
+      </p:cxnSp>
+      <p:cxnSp>
+        <p:nvCxnSpPr>
+          <p:cNvPr id="70" name="Connettore 2 69">
+            <a:extLst>
+              <a:ext uri="{FF2B5EF4-FFF2-40B4-BE49-F238E27FC236}">
+                <a16:creationId xmlns:a16="http://schemas.microsoft.com/office/drawing/2014/main" id="{884D47E2-FFDB-824F-09E8-0DD4F195B710}"/>
+              </a:ext>
+            </a:extLst>
+          </p:cNvPr>
+          <p:cNvCxnSpPr>
+            <a:cxnSpLocks/>
+            <a:stCxn id="30" idx="0"/>
+            <a:endCxn id="196" idx="2"/>
+          </p:cNvCxnSpPr>
+          <p:nvPr/>
+        </p:nvCxnSpPr>
+        <p:spPr>
+          <a:xfrm>
+            <a:off x="1110200" y="3261720"/>
+            <a:ext cx="263042" cy="17459"/>
+          </a:xfrm>
+          <a:prstGeom prst="straightConnector1">
+            <a:avLst/>
+          </a:prstGeom>
+          <a:ln w="25400" cmpd="sng">
+            <a:tailEnd type="triangle"/>
+          </a:ln>
+        </p:spPr>
+        <p:style>
+          <a:lnRef idx="2">
+            <a:schemeClr val="dk1"/>
+          </a:lnRef>
+          <a:fillRef idx="0">
+            <a:schemeClr val="dk1"/>
+          </a:fillRef>
+          <a:effectRef idx="1">
+            <a:schemeClr val="dk1"/>
+          </a:effectRef>
+          <a:fontRef idx="minor">
+            <a:schemeClr val="tx1"/>
+          </a:fontRef>
+        </p:style>
+      </p:cxnSp>
+      <p:sp>
+        <p:nvSpPr>
+          <p:cNvPr id="14" name="Rettangolo 13">
+            <a:extLst>
+              <a:ext uri="{FF2B5EF4-FFF2-40B4-BE49-F238E27FC236}">
+                <a16:creationId xmlns:a16="http://schemas.microsoft.com/office/drawing/2014/main" id="{7790AB9A-FAF1-95E0-FBFF-408BB96EFB2E}"/>
               </a:ext>
             </a:extLst>
           </p:cNvPr>
@@ -21189,15 +21068,18 @@
           <p:nvPr/>
         </p:nvSpPr>
         <p:spPr>
-          <a:xfrm rot="5400000">
-            <a:off x="5563908" y="3118173"/>
-            <a:ext cx="881745" cy="284945"/>
+          <a:xfrm>
+            <a:off x="45719" y="783985"/>
+            <a:ext cx="359481" cy="429419"/>
           </a:xfrm>
           <a:prstGeom prst="rect">
             <a:avLst/>
           </a:prstGeom>
           <a:solidFill>
-            <a:srgbClr val="92D050"/>
+            <a:schemeClr val="accent5">
+              <a:lumMod val="60000"/>
+              <a:lumOff val="40000"/>
+            </a:schemeClr>
           </a:solidFill>
         </p:spPr>
         <p:style>
@@ -21222,183 +21104,51 @@
           <a:p>
             <a:pPr algn="ctr"/>
             <a:r>
-              <a:rPr lang="it-IT" sz="1000" dirty="0">
+              <a:rPr lang="it-IT" sz="2500" dirty="0">
                 <a:solidFill>
                   <a:schemeClr val="tx1"/>
                 </a:solidFill>
               </a:rPr>
-              <a:t>SELF-ATTENTION</a:t>
-            </a:r>
-          </a:p>
-        </p:txBody>
-      </p:sp>
-      <p:cxnSp>
-        <p:nvCxnSpPr>
-          <p:cNvPr id="12" name="Connettore 2 11">
-            <a:extLst>
-              <a:ext uri="{FF2B5EF4-FFF2-40B4-BE49-F238E27FC236}">
-                <a16:creationId xmlns:a16="http://schemas.microsoft.com/office/drawing/2014/main" id="{45E3F28C-A0B2-D550-EF4F-92CF0810FE4F}"/>
-              </a:ext>
-            </a:extLst>
-          </p:cNvPr>
-          <p:cNvCxnSpPr>
-            <a:cxnSpLocks/>
-            <a:stCxn id="10" idx="0"/>
-            <a:endCxn id="11" idx="2"/>
-          </p:cNvCxnSpPr>
-          <p:nvPr/>
-        </p:nvCxnSpPr>
-        <p:spPr>
-          <a:xfrm flipV="1">
-            <a:off x="5733623" y="3260646"/>
-            <a:ext cx="128685" cy="30213"/>
-          </a:xfrm>
-          <a:prstGeom prst="straightConnector1">
-            <a:avLst/>
-          </a:prstGeom>
-          <a:ln>
-            <a:tailEnd type="triangle"/>
-          </a:ln>
-        </p:spPr>
-        <p:style>
-          <a:lnRef idx="2">
-            <a:schemeClr val="accent1"/>
-          </a:lnRef>
-          <a:fillRef idx="0">
-            <a:schemeClr val="accent1"/>
-          </a:fillRef>
-          <a:effectRef idx="1">
-            <a:schemeClr val="accent1"/>
-          </a:effectRef>
-          <a:fontRef idx="minor">
-            <a:schemeClr val="tx1"/>
-          </a:fontRef>
-        </p:style>
-      </p:cxnSp>
-      <p:sp>
-        <p:nvSpPr>
-          <p:cNvPr id="13" name="OR 12">
-            <a:extLst>
-              <a:ext uri="{FF2B5EF4-FFF2-40B4-BE49-F238E27FC236}">
-                <a16:creationId xmlns:a16="http://schemas.microsoft.com/office/drawing/2014/main" id="{7A8F4B0D-3436-5F66-9A18-146390CB602D}"/>
-              </a:ext>
-            </a:extLst>
-          </p:cNvPr>
-          <p:cNvSpPr/>
-          <p:nvPr/>
-        </p:nvSpPr>
-        <p:spPr>
-          <a:xfrm>
-            <a:off x="6555680" y="3717595"/>
-            <a:ext cx="209794" cy="172263"/>
-          </a:xfrm>
-          <a:prstGeom prst="flowChartOr">
-            <a:avLst/>
-          </a:prstGeom>
-          <a:ln/>
-        </p:spPr>
-        <p:style>
-          <a:lnRef idx="2">
-            <a:schemeClr val="dk1"/>
-          </a:lnRef>
-          <a:fillRef idx="1">
-            <a:schemeClr val="lt1"/>
-          </a:fillRef>
-          <a:effectRef idx="0">
-            <a:schemeClr val="dk1"/>
-          </a:effectRef>
-          <a:fontRef idx="minor">
-            <a:schemeClr val="dk1"/>
-          </a:fontRef>
-        </p:style>
-        <p:txBody>
-          <a:bodyPr rtlCol="0" anchor="ctr"/>
-          <a:lstStyle/>
-          <a:p>
-            <a:pPr algn="ctr"/>
-            <a:endParaRPr lang="it-IT"/>
-          </a:p>
-        </p:txBody>
-      </p:sp>
-      <p:cxnSp>
-        <p:nvCxnSpPr>
-          <p:cNvPr id="14" name="Connettore 4 13">
-            <a:extLst>
-              <a:ext uri="{FF2B5EF4-FFF2-40B4-BE49-F238E27FC236}">
-                <a16:creationId xmlns:a16="http://schemas.microsoft.com/office/drawing/2014/main" id="{A99F7871-8ACF-F073-708A-6DBC74E1276C}"/>
-              </a:ext>
-            </a:extLst>
-          </p:cNvPr>
-          <p:cNvCxnSpPr>
-            <a:cxnSpLocks/>
-            <a:stCxn id="11" idx="0"/>
-            <a:endCxn id="13" idx="0"/>
-          </p:cNvCxnSpPr>
-          <p:nvPr/>
-        </p:nvCxnSpPr>
-        <p:spPr>
-          <a:xfrm>
-            <a:off x="6147253" y="3260646"/>
-            <a:ext cx="513324" cy="456949"/>
-          </a:xfrm>
-          <a:prstGeom prst="bentConnector2">
-            <a:avLst/>
-          </a:prstGeom>
-          <a:ln>
-            <a:tailEnd type="triangle"/>
-          </a:ln>
-        </p:spPr>
-        <p:style>
-          <a:lnRef idx="2">
-            <a:schemeClr val="accent1"/>
-          </a:lnRef>
-          <a:fillRef idx="0">
-            <a:schemeClr val="accent1"/>
-          </a:fillRef>
-          <a:effectRef idx="1">
-            <a:schemeClr val="accent1"/>
-          </a:effectRef>
-          <a:fontRef idx="minor">
-            <a:schemeClr val="tx1"/>
-          </a:fontRef>
-        </p:style>
-      </p:cxnSp>
+              <a:t>t</a:t>
+            </a:r>
+          </a:p>
+        </p:txBody>
+      </p:sp>
       <p:cxnSp>
         <p:nvCxnSpPr>
           <p:cNvPr id="15" name="Connettore 2 14">
             <a:extLst>
               <a:ext uri="{FF2B5EF4-FFF2-40B4-BE49-F238E27FC236}">
-                <a16:creationId xmlns:a16="http://schemas.microsoft.com/office/drawing/2014/main" id="{535209D9-8272-4697-FC4A-FB42D0A861BD}"/>
+                <a16:creationId xmlns:a16="http://schemas.microsoft.com/office/drawing/2014/main" id="{3C57E1D2-9663-4216-66D8-11BAF0A6F14A}"/>
               </a:ext>
             </a:extLst>
           </p:cNvPr>
           <p:cNvCxnSpPr>
             <a:cxnSpLocks/>
-            <a:stCxn id="13" idx="6"/>
           </p:cNvCxnSpPr>
           <p:nvPr/>
         </p:nvCxnSpPr>
         <p:spPr>
           <a:xfrm>
-            <a:off x="6765474" y="3803727"/>
-            <a:ext cx="277942" cy="0"/>
+            <a:off x="405200" y="983900"/>
+            <a:ext cx="253281" cy="0"/>
           </a:xfrm>
           <a:prstGeom prst="straightConnector1">
             <a:avLst/>
           </a:prstGeom>
-          <a:ln>
+          <a:ln w="25400" cmpd="sng">
             <a:tailEnd type="triangle"/>
           </a:ln>
         </p:spPr>
         <p:style>
           <a:lnRef idx="2">
-            <a:schemeClr val="accent1"/>
+            <a:schemeClr val="dk1"/>
           </a:lnRef>
           <a:fillRef idx="0">
-            <a:schemeClr val="accent1"/>
+            <a:schemeClr val="dk1"/>
           </a:fillRef>
           <a:effectRef idx="1">
-            <a:schemeClr val="accent1"/>
+            <a:schemeClr val="dk1"/>
           </a:effectRef>
           <a:fontRef idx="minor">
             <a:schemeClr val="tx1"/>
@@ -21410,7 +21160,7 @@
           <p:cNvPr id="16" name="Rettangolo 15">
             <a:extLst>
               <a:ext uri="{FF2B5EF4-FFF2-40B4-BE49-F238E27FC236}">
-                <a16:creationId xmlns:a16="http://schemas.microsoft.com/office/drawing/2014/main" id="{B25CBD1D-FAE4-FBB0-6FA7-1748FF76D8AE}"/>
+                <a16:creationId xmlns:a16="http://schemas.microsoft.com/office/drawing/2014/main" id="{CDB7CC99-E0F4-A7D4-D181-103ACE2577DD}"/>
               </a:ext>
             </a:extLst>
           </p:cNvPr>
@@ -21419,8 +21169,67 @@
         </p:nvSpPr>
         <p:spPr>
           <a:xfrm>
-            <a:off x="6128305" y="2300934"/>
-            <a:ext cx="637169" cy="320901"/>
+            <a:off x="648690" y="755460"/>
+            <a:ext cx="879238" cy="468002"/>
+          </a:xfrm>
+          <a:prstGeom prst="rect">
+            <a:avLst/>
+          </a:prstGeom>
+          <a:solidFill>
+            <a:schemeClr val="accent5">
+              <a:lumMod val="60000"/>
+              <a:lumOff val="40000"/>
+            </a:schemeClr>
+          </a:solidFill>
+        </p:spPr>
+        <p:style>
+          <a:lnRef idx="2">
+            <a:schemeClr val="accent1">
+              <a:shade val="15000"/>
+            </a:schemeClr>
+          </a:lnRef>
+          <a:fillRef idx="1">
+            <a:schemeClr val="accent1"/>
+          </a:fillRef>
+          <a:effectRef idx="0">
+            <a:schemeClr val="accent1"/>
+          </a:effectRef>
+          <a:fontRef idx="minor">
+            <a:schemeClr val="lt1"/>
+          </a:fontRef>
+        </p:style>
+        <p:txBody>
+          <a:bodyPr rtlCol="0" anchor="ctr"/>
+          <a:lstStyle/>
+          <a:p>
+            <a:pPr algn="ctr"/>
+            <a:r>
+              <a:rPr lang="it-IT" sz="1300" dirty="0">
+                <a:solidFill>
+                  <a:schemeClr val="tx1"/>
+                </a:solidFill>
+              </a:rPr>
+              <a:t>Pos Encoding</a:t>
+            </a:r>
+          </a:p>
+        </p:txBody>
+      </p:sp>
+      <p:sp>
+        <p:nvSpPr>
+          <p:cNvPr id="17" name="Rettangolo 16">
+            <a:extLst>
+              <a:ext uri="{FF2B5EF4-FFF2-40B4-BE49-F238E27FC236}">
+                <a16:creationId xmlns:a16="http://schemas.microsoft.com/office/drawing/2014/main" id="{81F8974D-31B0-5B30-1C76-9DC1EC9A35B0}"/>
+              </a:ext>
+            </a:extLst>
+          </p:cNvPr>
+          <p:cNvSpPr/>
+          <p:nvPr/>
+        </p:nvSpPr>
+        <p:spPr>
+          <a:xfrm>
+            <a:off x="2269919" y="1140235"/>
+            <a:ext cx="879238" cy="468002"/>
           </a:xfrm>
           <a:prstGeom prst="rect">
             <a:avLst/>
@@ -21464,29 +21273,1286 @@
           </a:p>
         </p:txBody>
       </p:sp>
+      <p:sp>
+        <p:nvSpPr>
+          <p:cNvPr id="18" name="Rettangolo 17">
+            <a:extLst>
+              <a:ext uri="{FF2B5EF4-FFF2-40B4-BE49-F238E27FC236}">
+                <a16:creationId xmlns:a16="http://schemas.microsoft.com/office/drawing/2014/main" id="{655F166A-48F2-2BF8-4D7D-5BAB216E164C}"/>
+              </a:ext>
+            </a:extLst>
+          </p:cNvPr>
+          <p:cNvSpPr/>
+          <p:nvPr/>
+        </p:nvSpPr>
+        <p:spPr>
+          <a:xfrm rot="5400000">
+            <a:off x="3284751" y="1131914"/>
+            <a:ext cx="632785" cy="306098"/>
+          </a:xfrm>
+          <a:prstGeom prst="rect">
+            <a:avLst/>
+          </a:prstGeom>
+          <a:solidFill>
+            <a:srgbClr val="FFFD78"/>
+          </a:solidFill>
+        </p:spPr>
+        <p:style>
+          <a:lnRef idx="2">
+            <a:schemeClr val="accent1">
+              <a:shade val="15000"/>
+            </a:schemeClr>
+          </a:lnRef>
+          <a:fillRef idx="1">
+            <a:schemeClr val="accent1"/>
+          </a:fillRef>
+          <a:effectRef idx="0">
+            <a:schemeClr val="accent1"/>
+          </a:effectRef>
+          <a:fontRef idx="minor">
+            <a:schemeClr val="lt1"/>
+          </a:fontRef>
+        </p:style>
+        <p:txBody>
+          <a:bodyPr rtlCol="0" anchor="ctr"/>
+          <a:lstStyle/>
+          <a:p>
+            <a:pPr algn="ctr"/>
+            <a:r>
+              <a:rPr lang="it-IT" sz="1100" b="1" dirty="0" err="1">
+                <a:solidFill>
+                  <a:schemeClr val="tx1"/>
+                </a:solidFill>
+              </a:rPr>
+              <a:t>Swish</a:t>
+            </a:r>
+            <a:endParaRPr lang="it-IT" sz="1100" b="1" dirty="0">
+              <a:solidFill>
+                <a:schemeClr val="tx1"/>
+              </a:solidFill>
+            </a:endParaRPr>
+          </a:p>
+        </p:txBody>
+      </p:sp>
       <p:cxnSp>
         <p:nvCxnSpPr>
-          <p:cNvPr id="17" name="Connettore 4 16">
-            <a:extLst>
-              <a:ext uri="{FF2B5EF4-FFF2-40B4-BE49-F238E27FC236}">
-                <a16:creationId xmlns:a16="http://schemas.microsoft.com/office/drawing/2014/main" id="{E8330270-CA08-5FEF-5D42-F1D953AD2071}"/>
+          <p:cNvPr id="19" name="Connettore 2 18">
+            <a:extLst>
+              <a:ext uri="{FF2B5EF4-FFF2-40B4-BE49-F238E27FC236}">
+                <a16:creationId xmlns:a16="http://schemas.microsoft.com/office/drawing/2014/main" id="{2A08F5E3-BA92-EB24-C421-9388F7AE029D}"/>
               </a:ext>
             </a:extLst>
           </p:cNvPr>
           <p:cNvCxnSpPr>
             <a:cxnSpLocks/>
-            <a:stCxn id="16" idx="1"/>
-            <a:endCxn id="11" idx="1"/>
           </p:cNvCxnSpPr>
           <p:nvPr/>
         </p:nvCxnSpPr>
         <p:spPr>
-          <a:xfrm rot="10800000" flipV="1">
-            <a:off x="6004781" y="2461385"/>
-            <a:ext cx="123525" cy="358388"/>
-          </a:xfrm>
-          <a:prstGeom prst="bentConnector2">
-            <a:avLst/>
+          <a:xfrm>
+            <a:off x="1523839" y="968570"/>
+            <a:ext cx="294093" cy="309422"/>
+          </a:xfrm>
+          <a:prstGeom prst="straightConnector1">
+            <a:avLst/>
+          </a:prstGeom>
+          <a:ln w="25400" cmpd="sng">
+            <a:tailEnd type="triangle"/>
+          </a:ln>
+        </p:spPr>
+        <p:style>
+          <a:lnRef idx="2">
+            <a:schemeClr val="dk1"/>
+          </a:lnRef>
+          <a:fillRef idx="0">
+            <a:schemeClr val="dk1"/>
+          </a:fillRef>
+          <a:effectRef idx="1">
+            <a:schemeClr val="dk1"/>
+          </a:effectRef>
+          <a:fontRef idx="minor">
+            <a:schemeClr val="tx1"/>
+          </a:fontRef>
+        </p:style>
+      </p:cxnSp>
+      <p:cxnSp>
+        <p:nvCxnSpPr>
+          <p:cNvPr id="21" name="Connettore 2 20">
+            <a:extLst>
+              <a:ext uri="{FF2B5EF4-FFF2-40B4-BE49-F238E27FC236}">
+                <a16:creationId xmlns:a16="http://schemas.microsoft.com/office/drawing/2014/main" id="{15911E39-D480-EC88-479F-324CE2CCF1F7}"/>
+              </a:ext>
+            </a:extLst>
+          </p:cNvPr>
+          <p:cNvCxnSpPr>
+            <a:cxnSpLocks/>
+            <a:endCxn id="18" idx="2"/>
+          </p:cNvCxnSpPr>
+          <p:nvPr/>
+        </p:nvCxnSpPr>
+        <p:spPr>
+          <a:xfrm flipV="1">
+            <a:off x="3149157" y="1284964"/>
+            <a:ext cx="298938" cy="79414"/>
+          </a:xfrm>
+          <a:prstGeom prst="straightConnector1">
+            <a:avLst/>
+          </a:prstGeom>
+          <a:ln w="25400" cmpd="sng">
+            <a:tailEnd type="triangle"/>
+          </a:ln>
+        </p:spPr>
+        <p:style>
+          <a:lnRef idx="2">
+            <a:schemeClr val="dk1"/>
+          </a:lnRef>
+          <a:fillRef idx="0">
+            <a:schemeClr val="dk1"/>
+          </a:fillRef>
+          <a:effectRef idx="1">
+            <a:schemeClr val="dk1"/>
+          </a:effectRef>
+          <a:fontRef idx="minor">
+            <a:schemeClr val="tx1"/>
+          </a:fontRef>
+        </p:style>
+      </p:cxnSp>
+      <p:sp>
+        <p:nvSpPr>
+          <p:cNvPr id="22" name="Rettangolo 21">
+            <a:extLst>
+              <a:ext uri="{FF2B5EF4-FFF2-40B4-BE49-F238E27FC236}">
+                <a16:creationId xmlns:a16="http://schemas.microsoft.com/office/drawing/2014/main" id="{B88A36F5-F425-4AEF-A815-4891EF92146B}"/>
+              </a:ext>
+            </a:extLst>
+          </p:cNvPr>
+          <p:cNvSpPr/>
+          <p:nvPr/>
+        </p:nvSpPr>
+        <p:spPr>
+          <a:xfrm>
+            <a:off x="25500" y="1440050"/>
+            <a:ext cx="359481" cy="429419"/>
+          </a:xfrm>
+          <a:prstGeom prst="rect">
+            <a:avLst/>
+          </a:prstGeom>
+          <a:solidFill>
+            <a:schemeClr val="accent5">
+              <a:lumMod val="60000"/>
+              <a:lumOff val="40000"/>
+            </a:schemeClr>
+          </a:solidFill>
+        </p:spPr>
+        <p:style>
+          <a:lnRef idx="2">
+            <a:schemeClr val="accent1">
+              <a:shade val="15000"/>
+            </a:schemeClr>
+          </a:lnRef>
+          <a:fillRef idx="1">
+            <a:schemeClr val="accent1"/>
+          </a:fillRef>
+          <a:effectRef idx="0">
+            <a:schemeClr val="accent1"/>
+          </a:effectRef>
+          <a:fontRef idx="minor">
+            <a:schemeClr val="lt1"/>
+          </a:fontRef>
+        </p:style>
+        <p:txBody>
+          <a:bodyPr rtlCol="0" anchor="ctr"/>
+          <a:lstStyle/>
+          <a:p>
+            <a:pPr algn="ctr"/>
+            <a:r>
+              <a:rPr lang="it-IT" sz="2500" dirty="0">
+                <a:solidFill>
+                  <a:schemeClr val="tx1"/>
+                </a:solidFill>
+              </a:rPr>
+              <a:t>y</a:t>
+            </a:r>
+          </a:p>
+        </p:txBody>
+      </p:sp>
+      <p:cxnSp>
+        <p:nvCxnSpPr>
+          <p:cNvPr id="23" name="Connettore 2 22">
+            <a:extLst>
+              <a:ext uri="{FF2B5EF4-FFF2-40B4-BE49-F238E27FC236}">
+                <a16:creationId xmlns:a16="http://schemas.microsoft.com/office/drawing/2014/main" id="{30FE18B1-8247-4386-0E3D-D3C499C92C7A}"/>
+              </a:ext>
+            </a:extLst>
+          </p:cNvPr>
+          <p:cNvCxnSpPr>
+            <a:cxnSpLocks/>
+          </p:cNvCxnSpPr>
+          <p:nvPr/>
+        </p:nvCxnSpPr>
+        <p:spPr>
+          <a:xfrm>
+            <a:off x="384981" y="1648190"/>
+            <a:ext cx="253281" cy="0"/>
+          </a:xfrm>
+          <a:prstGeom prst="straightConnector1">
+            <a:avLst/>
+          </a:prstGeom>
+          <a:ln w="25400" cmpd="sng">
+            <a:tailEnd type="triangle"/>
+          </a:ln>
+        </p:spPr>
+        <p:style>
+          <a:lnRef idx="2">
+            <a:schemeClr val="dk1"/>
+          </a:lnRef>
+          <a:fillRef idx="0">
+            <a:schemeClr val="dk1"/>
+          </a:fillRef>
+          <a:effectRef idx="1">
+            <a:schemeClr val="dk1"/>
+          </a:effectRef>
+          <a:fontRef idx="minor">
+            <a:schemeClr val="tx1"/>
+          </a:fontRef>
+        </p:style>
+      </p:cxnSp>
+      <p:sp>
+        <p:nvSpPr>
+          <p:cNvPr id="24" name="Rettangolo 23">
+            <a:extLst>
+              <a:ext uri="{FF2B5EF4-FFF2-40B4-BE49-F238E27FC236}">
+                <a16:creationId xmlns:a16="http://schemas.microsoft.com/office/drawing/2014/main" id="{BBE8D1CC-DC8F-FC48-C895-D519D126BE64}"/>
+              </a:ext>
+            </a:extLst>
+          </p:cNvPr>
+          <p:cNvSpPr/>
+          <p:nvPr/>
+        </p:nvSpPr>
+        <p:spPr>
+          <a:xfrm>
+            <a:off x="647742" y="1403855"/>
+            <a:ext cx="879238" cy="468002"/>
+          </a:xfrm>
+          <a:prstGeom prst="rect">
+            <a:avLst/>
+          </a:prstGeom>
+          <a:solidFill>
+            <a:schemeClr val="accent5">
+              <a:lumMod val="60000"/>
+              <a:lumOff val="40000"/>
+            </a:schemeClr>
+          </a:solidFill>
+        </p:spPr>
+        <p:style>
+          <a:lnRef idx="2">
+            <a:schemeClr val="accent1">
+              <a:shade val="15000"/>
+            </a:schemeClr>
+          </a:lnRef>
+          <a:fillRef idx="1">
+            <a:schemeClr val="accent1"/>
+          </a:fillRef>
+          <a:effectRef idx="0">
+            <a:schemeClr val="accent1"/>
+          </a:effectRef>
+          <a:fontRef idx="minor">
+            <a:schemeClr val="lt1"/>
+          </a:fontRef>
+        </p:style>
+        <p:txBody>
+          <a:bodyPr rtlCol="0" anchor="ctr"/>
+          <a:lstStyle/>
+          <a:p>
+            <a:pPr algn="ctr"/>
+            <a:r>
+              <a:rPr lang="it-IT" sz="1300" dirty="0">
+                <a:solidFill>
+                  <a:schemeClr val="tx1"/>
+                </a:solidFill>
+              </a:rPr>
+              <a:t>Label </a:t>
+            </a:r>
+            <a:r>
+              <a:rPr lang="it-IT" sz="1100" dirty="0" err="1">
+                <a:solidFill>
+                  <a:schemeClr val="tx1"/>
+                </a:solidFill>
+              </a:rPr>
+              <a:t>Embedding</a:t>
+            </a:r>
+            <a:endParaRPr lang="it-IT" sz="1100" dirty="0">
+              <a:solidFill>
+                <a:schemeClr val="tx1"/>
+              </a:solidFill>
+            </a:endParaRPr>
+          </a:p>
+        </p:txBody>
+      </p:sp>
+      <p:cxnSp>
+        <p:nvCxnSpPr>
+          <p:cNvPr id="25" name="Connettore 2 24">
+            <a:extLst>
+              <a:ext uri="{FF2B5EF4-FFF2-40B4-BE49-F238E27FC236}">
+                <a16:creationId xmlns:a16="http://schemas.microsoft.com/office/drawing/2014/main" id="{65C0C994-BB15-3795-6DA5-4189EE6FF312}"/>
+              </a:ext>
+            </a:extLst>
+          </p:cNvPr>
+          <p:cNvCxnSpPr>
+            <a:cxnSpLocks/>
+          </p:cNvCxnSpPr>
+          <p:nvPr/>
+        </p:nvCxnSpPr>
+        <p:spPr>
+          <a:xfrm flipV="1">
+            <a:off x="1526997" y="1450764"/>
+            <a:ext cx="290935" cy="207021"/>
+          </a:xfrm>
+          <a:prstGeom prst="straightConnector1">
+            <a:avLst/>
+          </a:prstGeom>
+          <a:ln w="25400" cmpd="sng">
+            <a:tailEnd type="triangle"/>
+          </a:ln>
+        </p:spPr>
+        <p:style>
+          <a:lnRef idx="2">
+            <a:schemeClr val="dk1"/>
+          </a:lnRef>
+          <a:fillRef idx="0">
+            <a:schemeClr val="dk1"/>
+          </a:fillRef>
+          <a:effectRef idx="1">
+            <a:schemeClr val="dk1"/>
+          </a:effectRef>
+          <a:fontRef idx="minor">
+            <a:schemeClr val="tx1"/>
+          </a:fontRef>
+        </p:style>
+      </p:cxnSp>
+      <p:cxnSp>
+        <p:nvCxnSpPr>
+          <p:cNvPr id="26" name="Connettore 2 25">
+            <a:extLst>
+              <a:ext uri="{FF2B5EF4-FFF2-40B4-BE49-F238E27FC236}">
+                <a16:creationId xmlns:a16="http://schemas.microsoft.com/office/drawing/2014/main" id="{1D4B74C4-97C8-C269-6412-CF875DF4AB69}"/>
+              </a:ext>
+            </a:extLst>
+          </p:cNvPr>
+          <p:cNvCxnSpPr>
+            <a:cxnSpLocks/>
+            <a:stCxn id="32" idx="6"/>
+            <a:endCxn id="17" idx="1"/>
+          </p:cNvCxnSpPr>
+          <p:nvPr/>
+        </p:nvCxnSpPr>
+        <p:spPr>
+          <a:xfrm>
+            <a:off x="1952881" y="1356623"/>
+            <a:ext cx="317038" cy="17613"/>
+          </a:xfrm>
+          <a:prstGeom prst="straightConnector1">
+            <a:avLst/>
+          </a:prstGeom>
+          <a:ln w="25400" cmpd="sng">
+            <a:tailEnd type="triangle"/>
+          </a:ln>
+        </p:spPr>
+        <p:style>
+          <a:lnRef idx="2">
+            <a:schemeClr val="dk1"/>
+          </a:lnRef>
+          <a:fillRef idx="0">
+            <a:schemeClr val="dk1"/>
+          </a:fillRef>
+          <a:effectRef idx="1">
+            <a:schemeClr val="dk1"/>
+          </a:effectRef>
+          <a:fontRef idx="minor">
+            <a:schemeClr val="tx1"/>
+          </a:fontRef>
+        </p:style>
+      </p:cxnSp>
+      <p:sp>
+        <p:nvSpPr>
+          <p:cNvPr id="32" name="OR 31">
+            <a:extLst>
+              <a:ext uri="{FF2B5EF4-FFF2-40B4-BE49-F238E27FC236}">
+                <a16:creationId xmlns:a16="http://schemas.microsoft.com/office/drawing/2014/main" id="{38D155D2-ADBE-CB19-F5D9-66F7EC92591D}"/>
+              </a:ext>
+            </a:extLst>
+          </p:cNvPr>
+          <p:cNvSpPr/>
+          <p:nvPr/>
+        </p:nvSpPr>
+        <p:spPr>
+          <a:xfrm>
+            <a:off x="1771945" y="1262194"/>
+            <a:ext cx="180936" cy="188858"/>
+          </a:xfrm>
+          <a:prstGeom prst="flowChartOr">
+            <a:avLst/>
+          </a:prstGeom>
+          <a:ln/>
+        </p:spPr>
+        <p:style>
+          <a:lnRef idx="2">
+            <a:schemeClr val="dk1"/>
+          </a:lnRef>
+          <a:fillRef idx="1">
+            <a:schemeClr val="lt1"/>
+          </a:fillRef>
+          <a:effectRef idx="0">
+            <a:schemeClr val="dk1"/>
+          </a:effectRef>
+          <a:fontRef idx="minor">
+            <a:schemeClr val="dk1"/>
+          </a:fontRef>
+        </p:style>
+        <p:txBody>
+          <a:bodyPr rtlCol="0" anchor="ctr"/>
+          <a:lstStyle/>
+          <a:p>
+            <a:pPr algn="ctr"/>
+            <a:endParaRPr lang="it-IT"/>
+          </a:p>
+        </p:txBody>
+      </p:sp>
+      <p:pic>
+        <p:nvPicPr>
+          <p:cNvPr id="5" name="Immagine 4">
+            <a:extLst>
+              <a:ext uri="{FF2B5EF4-FFF2-40B4-BE49-F238E27FC236}">
+                <a16:creationId xmlns:a16="http://schemas.microsoft.com/office/drawing/2014/main" id="{4FBE4275-6194-6A25-7496-F74B4F8E51A1}"/>
+              </a:ext>
+            </a:extLst>
+          </p:cNvPr>
+          <p:cNvPicPr>
+            <a:picLocks noChangeAspect="1"/>
+          </p:cNvPicPr>
+          <p:nvPr/>
+        </p:nvPicPr>
+        <p:blipFill>
+          <a:blip r:embed="rId2"/>
+          <a:stretch>
+            <a:fillRect/>
+          </a:stretch>
+        </p:blipFill>
+        <p:spPr>
+          <a:xfrm>
+            <a:off x="10386" y="2963269"/>
+            <a:ext cx="584200" cy="596900"/>
+          </a:xfrm>
+          <a:prstGeom prst="rect">
+            <a:avLst/>
+          </a:prstGeom>
+        </p:spPr>
+      </p:pic>
+      <p:sp>
+        <p:nvSpPr>
+          <p:cNvPr id="65" name="Rettangolo 64">
+            <a:extLst>
+              <a:ext uri="{FF2B5EF4-FFF2-40B4-BE49-F238E27FC236}">
+                <a16:creationId xmlns:a16="http://schemas.microsoft.com/office/drawing/2014/main" id="{F2D2711E-3810-4C24-7F7F-35BA3DCC4E34}"/>
+              </a:ext>
+            </a:extLst>
+          </p:cNvPr>
+          <p:cNvSpPr/>
+          <p:nvPr/>
+        </p:nvSpPr>
+        <p:spPr>
+          <a:xfrm rot="5400000">
+            <a:off x="1327751" y="3138054"/>
+            <a:ext cx="1215774" cy="241087"/>
+          </a:xfrm>
+          <a:prstGeom prst="rect">
+            <a:avLst/>
+          </a:prstGeom>
+          <a:solidFill>
+            <a:schemeClr val="accent2"/>
+          </a:solidFill>
+        </p:spPr>
+        <p:style>
+          <a:lnRef idx="2">
+            <a:schemeClr val="accent1">
+              <a:shade val="15000"/>
+            </a:schemeClr>
+          </a:lnRef>
+          <a:fillRef idx="1">
+            <a:schemeClr val="accent1"/>
+          </a:fillRef>
+          <a:effectRef idx="0">
+            <a:schemeClr val="accent1"/>
+          </a:effectRef>
+          <a:fontRef idx="minor">
+            <a:schemeClr val="lt1"/>
+          </a:fontRef>
+        </p:style>
+        <p:txBody>
+          <a:bodyPr rtlCol="0" anchor="ctr"/>
+          <a:lstStyle/>
+          <a:p>
+            <a:pPr algn="ctr"/>
+            <a:r>
+              <a:rPr lang="it-IT" sz="1300" b="1" dirty="0" err="1">
+                <a:solidFill>
+                  <a:schemeClr val="tx1"/>
+                </a:solidFill>
+              </a:rPr>
+              <a:t>Downsample</a:t>
+            </a:r>
+            <a:endParaRPr lang="it-IT" sz="1300" b="1" dirty="0">
+              <a:solidFill>
+                <a:schemeClr val="tx1"/>
+              </a:solidFill>
+            </a:endParaRPr>
+          </a:p>
+        </p:txBody>
+      </p:sp>
+      <p:sp>
+        <p:nvSpPr>
+          <p:cNvPr id="82" name="Rettangolo 81">
+            <a:extLst>
+              <a:ext uri="{FF2B5EF4-FFF2-40B4-BE49-F238E27FC236}">
+                <a16:creationId xmlns:a16="http://schemas.microsoft.com/office/drawing/2014/main" id="{207AF28C-BDC5-336E-2BC3-37864321B090}"/>
+              </a:ext>
+            </a:extLst>
+          </p:cNvPr>
+          <p:cNvSpPr/>
+          <p:nvPr/>
+        </p:nvSpPr>
+        <p:spPr>
+          <a:xfrm rot="5400000">
+            <a:off x="1506995" y="3155723"/>
+            <a:ext cx="1684276" cy="234610"/>
+          </a:xfrm>
+          <a:prstGeom prst="rect">
+            <a:avLst/>
+          </a:prstGeom>
+          <a:solidFill>
+            <a:schemeClr val="bg1">
+              <a:lumMod val="75000"/>
+            </a:schemeClr>
+          </a:solidFill>
+        </p:spPr>
+        <p:style>
+          <a:lnRef idx="2">
+            <a:schemeClr val="accent1">
+              <a:shade val="15000"/>
+            </a:schemeClr>
+          </a:lnRef>
+          <a:fillRef idx="1">
+            <a:schemeClr val="accent1"/>
+          </a:fillRef>
+          <a:effectRef idx="0">
+            <a:schemeClr val="accent1"/>
+          </a:effectRef>
+          <a:fontRef idx="minor">
+            <a:schemeClr val="lt1"/>
+          </a:fontRef>
+        </p:style>
+        <p:txBody>
+          <a:bodyPr rtlCol="0" anchor="ctr"/>
+          <a:lstStyle/>
+          <a:p>
+            <a:pPr algn="ctr"/>
+            <a:r>
+              <a:rPr lang="it-IT" dirty="0">
+                <a:solidFill>
+                  <a:schemeClr val="tx1"/>
+                </a:solidFill>
+              </a:rPr>
+              <a:t>ENCODER</a:t>
+            </a:r>
+          </a:p>
+        </p:txBody>
+      </p:sp>
+      <p:sp>
+        <p:nvSpPr>
+          <p:cNvPr id="83" name="Rettangolo 82">
+            <a:extLst>
+              <a:ext uri="{FF2B5EF4-FFF2-40B4-BE49-F238E27FC236}">
+                <a16:creationId xmlns:a16="http://schemas.microsoft.com/office/drawing/2014/main" id="{AB23DA63-C9E2-ED5A-3484-35A5BAA86C03}"/>
+              </a:ext>
+            </a:extLst>
+          </p:cNvPr>
+          <p:cNvSpPr/>
+          <p:nvPr/>
+        </p:nvSpPr>
+        <p:spPr>
+          <a:xfrm rot="5400000">
+            <a:off x="2156685" y="3126968"/>
+            <a:ext cx="1215774" cy="241087"/>
+          </a:xfrm>
+          <a:prstGeom prst="rect">
+            <a:avLst/>
+          </a:prstGeom>
+          <a:solidFill>
+            <a:schemeClr val="accent2"/>
+          </a:solidFill>
+        </p:spPr>
+        <p:style>
+          <a:lnRef idx="2">
+            <a:schemeClr val="accent1">
+              <a:shade val="15000"/>
+            </a:schemeClr>
+          </a:lnRef>
+          <a:fillRef idx="1">
+            <a:schemeClr val="accent1"/>
+          </a:fillRef>
+          <a:effectRef idx="0">
+            <a:schemeClr val="accent1"/>
+          </a:effectRef>
+          <a:fontRef idx="minor">
+            <a:schemeClr val="lt1"/>
+          </a:fontRef>
+        </p:style>
+        <p:txBody>
+          <a:bodyPr rtlCol="0" anchor="ctr"/>
+          <a:lstStyle/>
+          <a:p>
+            <a:pPr algn="ctr"/>
+            <a:r>
+              <a:rPr lang="it-IT" sz="1300" b="1" dirty="0" err="1">
+                <a:solidFill>
+                  <a:schemeClr val="tx1"/>
+                </a:solidFill>
+              </a:rPr>
+              <a:t>Downsample</a:t>
+            </a:r>
+            <a:endParaRPr lang="it-IT" sz="1300" b="1" dirty="0">
+              <a:solidFill>
+                <a:schemeClr val="tx1"/>
+              </a:solidFill>
+            </a:endParaRPr>
+          </a:p>
+        </p:txBody>
+      </p:sp>
+      <p:sp>
+        <p:nvSpPr>
+          <p:cNvPr id="85" name="Rettangolo 84">
+            <a:extLst>
+              <a:ext uri="{FF2B5EF4-FFF2-40B4-BE49-F238E27FC236}">
+                <a16:creationId xmlns:a16="http://schemas.microsoft.com/office/drawing/2014/main" id="{B9AF7BE5-3657-164E-05A0-EB8C2631B965}"/>
+              </a:ext>
+            </a:extLst>
+          </p:cNvPr>
+          <p:cNvSpPr/>
+          <p:nvPr/>
+        </p:nvSpPr>
+        <p:spPr>
+          <a:xfrm rot="5400000">
+            <a:off x="2363108" y="3149845"/>
+            <a:ext cx="1684276" cy="234610"/>
+          </a:xfrm>
+          <a:prstGeom prst="rect">
+            <a:avLst/>
+          </a:prstGeom>
+          <a:solidFill>
+            <a:schemeClr val="bg1">
+              <a:lumMod val="75000"/>
+            </a:schemeClr>
+          </a:solidFill>
+        </p:spPr>
+        <p:style>
+          <a:lnRef idx="2">
+            <a:schemeClr val="accent1">
+              <a:shade val="15000"/>
+            </a:schemeClr>
+          </a:lnRef>
+          <a:fillRef idx="1">
+            <a:schemeClr val="accent1"/>
+          </a:fillRef>
+          <a:effectRef idx="0">
+            <a:schemeClr val="accent1"/>
+          </a:effectRef>
+          <a:fontRef idx="minor">
+            <a:schemeClr val="lt1"/>
+          </a:fontRef>
+        </p:style>
+        <p:txBody>
+          <a:bodyPr rtlCol="0" anchor="ctr"/>
+          <a:lstStyle/>
+          <a:p>
+            <a:pPr algn="ctr"/>
+            <a:r>
+              <a:rPr lang="it-IT" dirty="0">
+                <a:solidFill>
+                  <a:schemeClr val="tx1"/>
+                </a:solidFill>
+              </a:rPr>
+              <a:t>ENCODER</a:t>
+            </a:r>
+          </a:p>
+        </p:txBody>
+      </p:sp>
+      <p:sp>
+        <p:nvSpPr>
+          <p:cNvPr id="86" name="Rettangolo 85">
+            <a:extLst>
+              <a:ext uri="{FF2B5EF4-FFF2-40B4-BE49-F238E27FC236}">
+                <a16:creationId xmlns:a16="http://schemas.microsoft.com/office/drawing/2014/main" id="{9DDD7031-CE1D-2FD2-DD00-34F2EFF8FABC}"/>
+              </a:ext>
+            </a:extLst>
+          </p:cNvPr>
+          <p:cNvSpPr/>
+          <p:nvPr/>
+        </p:nvSpPr>
+        <p:spPr>
+          <a:xfrm rot="5400000">
+            <a:off x="2999835" y="3126968"/>
+            <a:ext cx="1215774" cy="241087"/>
+          </a:xfrm>
+          <a:prstGeom prst="rect">
+            <a:avLst/>
+          </a:prstGeom>
+          <a:solidFill>
+            <a:schemeClr val="accent2"/>
+          </a:solidFill>
+        </p:spPr>
+        <p:style>
+          <a:lnRef idx="2">
+            <a:schemeClr val="accent1">
+              <a:shade val="15000"/>
+            </a:schemeClr>
+          </a:lnRef>
+          <a:fillRef idx="1">
+            <a:schemeClr val="accent1"/>
+          </a:fillRef>
+          <a:effectRef idx="0">
+            <a:schemeClr val="accent1"/>
+          </a:effectRef>
+          <a:fontRef idx="minor">
+            <a:schemeClr val="lt1"/>
+          </a:fontRef>
+        </p:style>
+        <p:txBody>
+          <a:bodyPr rtlCol="0" anchor="ctr"/>
+          <a:lstStyle/>
+          <a:p>
+            <a:pPr algn="ctr"/>
+            <a:r>
+              <a:rPr lang="it-IT" sz="1300" b="1" dirty="0" err="1">
+                <a:solidFill>
+                  <a:schemeClr val="tx1"/>
+                </a:solidFill>
+              </a:rPr>
+              <a:t>Downsample</a:t>
+            </a:r>
+            <a:endParaRPr lang="it-IT" sz="1300" b="1" dirty="0">
+              <a:solidFill>
+                <a:schemeClr val="tx1"/>
+              </a:solidFill>
+            </a:endParaRPr>
+          </a:p>
+        </p:txBody>
+      </p:sp>
+      <p:cxnSp>
+        <p:nvCxnSpPr>
+          <p:cNvPr id="87" name="Connettore 2 86">
+            <a:extLst>
+              <a:ext uri="{FF2B5EF4-FFF2-40B4-BE49-F238E27FC236}">
+                <a16:creationId xmlns:a16="http://schemas.microsoft.com/office/drawing/2014/main" id="{1974DA44-874F-96A1-7E7D-85733938C610}"/>
+              </a:ext>
+            </a:extLst>
+          </p:cNvPr>
+          <p:cNvCxnSpPr>
+            <a:cxnSpLocks/>
+            <a:stCxn id="18" idx="3"/>
+            <a:endCxn id="196" idx="1"/>
+          </p:cNvCxnSpPr>
+          <p:nvPr/>
+        </p:nvCxnSpPr>
+        <p:spPr>
+          <a:xfrm flipH="1">
+            <a:off x="1490547" y="1601356"/>
+            <a:ext cx="2110597" cy="835685"/>
+          </a:xfrm>
+          <a:prstGeom prst="straightConnector1">
+            <a:avLst/>
+          </a:prstGeom>
+          <a:ln w="25400" cmpd="sng">
+            <a:tailEnd type="triangle"/>
+          </a:ln>
+        </p:spPr>
+        <p:style>
+          <a:lnRef idx="2">
+            <a:schemeClr val="dk1"/>
+          </a:lnRef>
+          <a:fillRef idx="0">
+            <a:schemeClr val="dk1"/>
+          </a:fillRef>
+          <a:effectRef idx="1">
+            <a:schemeClr val="dk1"/>
+          </a:effectRef>
+          <a:fontRef idx="minor">
+            <a:schemeClr val="tx1"/>
+          </a:fontRef>
+        </p:style>
+      </p:cxnSp>
+      <p:sp>
+        <p:nvSpPr>
+          <p:cNvPr id="90" name="Rettangolo 89">
+            <a:extLst>
+              <a:ext uri="{FF2B5EF4-FFF2-40B4-BE49-F238E27FC236}">
+                <a16:creationId xmlns:a16="http://schemas.microsoft.com/office/drawing/2014/main" id="{EE9C1D3A-004D-2534-2BCE-733D09A2D8DD}"/>
+              </a:ext>
+            </a:extLst>
+          </p:cNvPr>
+          <p:cNvSpPr/>
+          <p:nvPr/>
+        </p:nvSpPr>
+        <p:spPr>
+          <a:xfrm rot="5400000">
+            <a:off x="3195506" y="3153448"/>
+            <a:ext cx="1684276" cy="234610"/>
+          </a:xfrm>
+          <a:prstGeom prst="rect">
+            <a:avLst/>
+          </a:prstGeom>
+          <a:solidFill>
+            <a:schemeClr val="tx2"/>
+          </a:solidFill>
+        </p:spPr>
+        <p:style>
+          <a:lnRef idx="2">
+            <a:schemeClr val="accent1">
+              <a:shade val="15000"/>
+            </a:schemeClr>
+          </a:lnRef>
+          <a:fillRef idx="1">
+            <a:schemeClr val="accent1"/>
+          </a:fillRef>
+          <a:effectRef idx="0">
+            <a:schemeClr val="accent1"/>
+          </a:effectRef>
+          <a:fontRef idx="minor">
+            <a:schemeClr val="lt1"/>
+          </a:fontRef>
+        </p:style>
+        <p:txBody>
+          <a:bodyPr rtlCol="0" anchor="ctr"/>
+          <a:lstStyle/>
+          <a:p>
+            <a:pPr algn="ctr"/>
+            <a:r>
+              <a:rPr lang="it-IT" dirty="0">
+                <a:solidFill>
+                  <a:schemeClr val="bg1"/>
+                </a:solidFill>
+              </a:rPr>
+              <a:t>BOTTLENECK</a:t>
+            </a:r>
+          </a:p>
+        </p:txBody>
+      </p:sp>
+      <p:sp>
+        <p:nvSpPr>
+          <p:cNvPr id="115" name="Rettangolo 114">
+            <a:extLst>
+              <a:ext uri="{FF2B5EF4-FFF2-40B4-BE49-F238E27FC236}">
+                <a16:creationId xmlns:a16="http://schemas.microsoft.com/office/drawing/2014/main" id="{2CD0E55F-FEDB-F953-7BC1-78F4DC28311F}"/>
+              </a:ext>
+            </a:extLst>
+          </p:cNvPr>
+          <p:cNvSpPr/>
+          <p:nvPr/>
+        </p:nvSpPr>
+        <p:spPr>
+          <a:xfrm>
+            <a:off x="4454017" y="2675981"/>
+            <a:ext cx="1567061" cy="1204294"/>
+          </a:xfrm>
+          <a:prstGeom prst="rect">
+            <a:avLst/>
+          </a:prstGeom>
+          <a:solidFill>
+            <a:schemeClr val="accent2">
+              <a:lumMod val="60000"/>
+              <a:lumOff val="40000"/>
+            </a:schemeClr>
+          </a:solidFill>
+        </p:spPr>
+        <p:style>
+          <a:lnRef idx="2">
+            <a:schemeClr val="accent1">
+              <a:shade val="15000"/>
+            </a:schemeClr>
+          </a:lnRef>
+          <a:fillRef idx="1">
+            <a:schemeClr val="accent1"/>
+          </a:fillRef>
+          <a:effectRef idx="0">
+            <a:schemeClr val="accent1"/>
+          </a:effectRef>
+          <a:fontRef idx="minor">
+            <a:schemeClr val="lt1"/>
+          </a:fontRef>
+        </p:style>
+        <p:txBody>
+          <a:bodyPr rtlCol="0" anchor="ctr"/>
+          <a:lstStyle/>
+          <a:p>
+            <a:pPr algn="ctr"/>
+            <a:endParaRPr lang="it-IT" dirty="0">
+              <a:solidFill>
+                <a:srgbClr val="FF0000"/>
+              </a:solidFill>
+            </a:endParaRPr>
+          </a:p>
+        </p:txBody>
+      </p:sp>
+      <p:sp>
+        <p:nvSpPr>
+          <p:cNvPr id="116" name="Rettangolo 115">
+            <a:extLst>
+              <a:ext uri="{FF2B5EF4-FFF2-40B4-BE49-F238E27FC236}">
+                <a16:creationId xmlns:a16="http://schemas.microsoft.com/office/drawing/2014/main" id="{797667D5-0F2A-F3AB-8818-C2DF5B6183EB}"/>
+              </a:ext>
+            </a:extLst>
+          </p:cNvPr>
+          <p:cNvSpPr/>
+          <p:nvPr/>
+        </p:nvSpPr>
+        <p:spPr>
+          <a:xfrm rot="5400000">
+            <a:off x="4780976" y="3098781"/>
+            <a:ext cx="733015" cy="393394"/>
+          </a:xfrm>
+          <a:prstGeom prst="rect">
+            <a:avLst/>
+          </a:prstGeom>
+          <a:solidFill>
+            <a:srgbClr val="0096FF"/>
+          </a:solidFill>
+        </p:spPr>
+        <p:style>
+          <a:lnRef idx="2">
+            <a:schemeClr val="accent1">
+              <a:shade val="15000"/>
+            </a:schemeClr>
+          </a:lnRef>
+          <a:fillRef idx="1">
+            <a:schemeClr val="accent1"/>
+          </a:fillRef>
+          <a:effectRef idx="0">
+            <a:schemeClr val="accent1"/>
+          </a:effectRef>
+          <a:fontRef idx="minor">
+            <a:schemeClr val="lt1"/>
+          </a:fontRef>
+        </p:style>
+        <p:txBody>
+          <a:bodyPr rtlCol="0" anchor="ctr"/>
+          <a:lstStyle/>
+          <a:p>
+            <a:pPr algn="ctr"/>
+            <a:r>
+              <a:rPr lang="it-IT" sz="1300" b="1" dirty="0">
+                <a:solidFill>
+                  <a:schemeClr val="tx1"/>
+                </a:solidFill>
+              </a:rPr>
+              <a:t>Batch Norm</a:t>
+            </a:r>
+          </a:p>
+        </p:txBody>
+      </p:sp>
+      <p:sp>
+        <p:nvSpPr>
+          <p:cNvPr id="117" name="Rettangolo 116">
+            <a:extLst>
+              <a:ext uri="{FF2B5EF4-FFF2-40B4-BE49-F238E27FC236}">
+                <a16:creationId xmlns:a16="http://schemas.microsoft.com/office/drawing/2014/main" id="{6FA5C772-3F2B-B8DE-C1AC-B158961BCA3F}"/>
+              </a:ext>
+            </a:extLst>
+          </p:cNvPr>
+          <p:cNvSpPr/>
+          <p:nvPr/>
+        </p:nvSpPr>
+        <p:spPr>
+          <a:xfrm rot="5400000">
+            <a:off x="5150760" y="3192936"/>
+            <a:ext cx="1035986" cy="205411"/>
+          </a:xfrm>
+          <a:prstGeom prst="rect">
+            <a:avLst/>
+          </a:prstGeom>
+          <a:solidFill>
+            <a:schemeClr val="accent2"/>
+          </a:solidFill>
+        </p:spPr>
+        <p:style>
+          <a:lnRef idx="2">
+            <a:schemeClr val="accent1">
+              <a:shade val="15000"/>
+            </a:schemeClr>
+          </a:lnRef>
+          <a:fillRef idx="1">
+            <a:schemeClr val="accent1"/>
+          </a:fillRef>
+          <a:effectRef idx="0">
+            <a:schemeClr val="accent1"/>
+          </a:effectRef>
+          <a:fontRef idx="minor">
+            <a:schemeClr val="lt1"/>
+          </a:fontRef>
+        </p:style>
+        <p:txBody>
+          <a:bodyPr rtlCol="0" anchor="ctr"/>
+          <a:lstStyle/>
+          <a:p>
+            <a:pPr algn="ctr"/>
+            <a:r>
+              <a:rPr lang="it-IT" sz="1300" b="1" dirty="0" err="1">
+                <a:solidFill>
+                  <a:schemeClr val="tx1"/>
+                </a:solidFill>
+              </a:rPr>
+              <a:t>Upsample</a:t>
+            </a:r>
+            <a:endParaRPr lang="it-IT" sz="1300" b="1" dirty="0">
+              <a:solidFill>
+                <a:schemeClr val="tx1"/>
+              </a:solidFill>
+            </a:endParaRPr>
+          </a:p>
+        </p:txBody>
+      </p:sp>
+      <p:sp>
+        <p:nvSpPr>
+          <p:cNvPr id="123" name="OR 31">
+            <a:extLst>
+              <a:ext uri="{FF2B5EF4-FFF2-40B4-BE49-F238E27FC236}">
+                <a16:creationId xmlns:a16="http://schemas.microsoft.com/office/drawing/2014/main" id="{90CA294E-7601-BC7F-D002-A5ED6AEFEB61}"/>
+              </a:ext>
+            </a:extLst>
+          </p:cNvPr>
+          <p:cNvSpPr/>
+          <p:nvPr/>
+        </p:nvSpPr>
+        <p:spPr>
+          <a:xfrm>
+            <a:off x="4590749" y="3201049"/>
+            <a:ext cx="180936" cy="188858"/>
+          </a:xfrm>
+          <a:prstGeom prst="flowChartOr">
+            <a:avLst/>
+          </a:prstGeom>
+          <a:ln/>
+        </p:spPr>
+        <p:style>
+          <a:lnRef idx="2">
+            <a:schemeClr val="dk1"/>
+          </a:lnRef>
+          <a:fillRef idx="1">
+            <a:schemeClr val="lt1"/>
+          </a:fillRef>
+          <a:effectRef idx="0">
+            <a:schemeClr val="dk1"/>
+          </a:effectRef>
+          <a:fontRef idx="minor">
+            <a:schemeClr val="dk1"/>
+          </a:fontRef>
+        </p:style>
+        <p:txBody>
+          <a:bodyPr rtlCol="0" anchor="ctr"/>
+          <a:lstStyle/>
+          <a:p>
+            <a:pPr algn="ctr"/>
+            <a:endParaRPr lang="it-IT"/>
+          </a:p>
+        </p:txBody>
+      </p:sp>
+      <p:cxnSp>
+        <p:nvCxnSpPr>
+          <p:cNvPr id="128" name="Connettore 2 127">
+            <a:extLst>
+              <a:ext uri="{FF2B5EF4-FFF2-40B4-BE49-F238E27FC236}">
+                <a16:creationId xmlns:a16="http://schemas.microsoft.com/office/drawing/2014/main" id="{7F7F3981-1C25-8E4B-6EB2-447296036478}"/>
+              </a:ext>
+            </a:extLst>
+          </p:cNvPr>
+          <p:cNvCxnSpPr>
+            <a:cxnSpLocks/>
+            <a:stCxn id="123" idx="6"/>
+            <a:endCxn id="116" idx="2"/>
+          </p:cNvCxnSpPr>
+          <p:nvPr/>
+        </p:nvCxnSpPr>
+        <p:spPr>
+          <a:xfrm>
+            <a:off x="4771685" y="3295478"/>
+            <a:ext cx="179102" cy="1"/>
+          </a:xfrm>
+          <a:prstGeom prst="straightConnector1">
+            <a:avLst/>
+          </a:prstGeom>
+          <a:ln w="25400" cmpd="sng">
+            <a:tailEnd type="triangle"/>
+          </a:ln>
+        </p:spPr>
+        <p:style>
+          <a:lnRef idx="2">
+            <a:schemeClr val="dk1"/>
+          </a:lnRef>
+          <a:fillRef idx="0">
+            <a:schemeClr val="dk1"/>
+          </a:fillRef>
+          <a:effectRef idx="1">
+            <a:schemeClr val="dk1"/>
+          </a:effectRef>
+          <a:fontRef idx="minor">
+            <a:schemeClr val="tx1"/>
+          </a:fontRef>
+        </p:style>
+      </p:cxnSp>
+      <p:cxnSp>
+        <p:nvCxnSpPr>
+          <p:cNvPr id="134" name="Connettore 2 133">
+            <a:extLst>
+              <a:ext uri="{FF2B5EF4-FFF2-40B4-BE49-F238E27FC236}">
+                <a16:creationId xmlns:a16="http://schemas.microsoft.com/office/drawing/2014/main" id="{05237AF7-3A3C-3761-19F6-FCD258EDC880}"/>
+              </a:ext>
+            </a:extLst>
+          </p:cNvPr>
+          <p:cNvCxnSpPr>
+            <a:cxnSpLocks/>
+            <a:stCxn id="116" idx="0"/>
+            <a:endCxn id="117" idx="2"/>
+          </p:cNvCxnSpPr>
+          <p:nvPr/>
+        </p:nvCxnSpPr>
+        <p:spPr>
+          <a:xfrm>
+            <a:off x="5344181" y="3295479"/>
+            <a:ext cx="221867" cy="163"/>
+          </a:xfrm>
+          <a:prstGeom prst="straightConnector1">
+            <a:avLst/>
+          </a:prstGeom>
+          <a:ln w="25400" cmpd="sng">
+            <a:tailEnd type="triangle"/>
+          </a:ln>
+        </p:spPr>
+        <p:style>
+          <a:lnRef idx="2">
+            <a:schemeClr val="dk1"/>
+          </a:lnRef>
+          <a:fillRef idx="0">
+            <a:schemeClr val="dk1"/>
+          </a:fillRef>
+          <a:effectRef idx="1">
+            <a:schemeClr val="dk1"/>
+          </a:effectRef>
+          <a:fontRef idx="minor">
+            <a:schemeClr val="tx1"/>
+          </a:fontRef>
+        </p:style>
+      </p:cxnSp>
+      <p:cxnSp>
+        <p:nvCxnSpPr>
+          <p:cNvPr id="139" name="Connettore 2 138">
+            <a:extLst>
+              <a:ext uri="{FF2B5EF4-FFF2-40B4-BE49-F238E27FC236}">
+                <a16:creationId xmlns:a16="http://schemas.microsoft.com/office/drawing/2014/main" id="{B096A4E3-3E2E-835E-4721-9B6D44121BFA}"/>
+              </a:ext>
+            </a:extLst>
+          </p:cNvPr>
+          <p:cNvCxnSpPr>
+            <a:cxnSpLocks/>
+            <a:stCxn id="117" idx="0"/>
+            <a:endCxn id="115" idx="3"/>
+          </p:cNvCxnSpPr>
+          <p:nvPr/>
+        </p:nvCxnSpPr>
+        <p:spPr>
+          <a:xfrm flipV="1">
+            <a:off x="5771459" y="3278128"/>
+            <a:ext cx="249619" cy="17514"/>
+          </a:xfrm>
+          <a:prstGeom prst="straightConnector1">
+            <a:avLst/>
+          </a:prstGeom>
+          <a:ln w="25400" cmpd="sng">
+            <a:tailEnd type="triangle"/>
+          </a:ln>
+        </p:spPr>
+        <p:style>
+          <a:lnRef idx="2">
+            <a:schemeClr val="dk1"/>
+          </a:lnRef>
+          <a:fillRef idx="0">
+            <a:schemeClr val="dk1"/>
+          </a:fillRef>
+          <a:effectRef idx="1">
+            <a:schemeClr val="dk1"/>
+          </a:effectRef>
+          <a:fontRef idx="minor">
+            <a:schemeClr val="tx1"/>
+          </a:fontRef>
+        </p:style>
+      </p:cxnSp>
+      <p:sp>
+        <p:nvSpPr>
+          <p:cNvPr id="164" name="CasellaDiTesto 163">
+            <a:extLst>
+              <a:ext uri="{FF2B5EF4-FFF2-40B4-BE49-F238E27FC236}">
+                <a16:creationId xmlns:a16="http://schemas.microsoft.com/office/drawing/2014/main" id="{5BF73478-1988-E147-C37B-CEF04E4D3C4E}"/>
+              </a:ext>
+            </a:extLst>
+          </p:cNvPr>
+          <p:cNvSpPr txBox="1"/>
+          <p:nvPr/>
+        </p:nvSpPr>
+        <p:spPr>
+          <a:xfrm>
+            <a:off x="4454017" y="2638873"/>
+            <a:ext cx="593443" cy="430887"/>
+          </a:xfrm>
+          <a:prstGeom prst="rect">
+            <a:avLst/>
+          </a:prstGeom>
+          <a:noFill/>
+        </p:spPr>
+        <p:txBody>
+          <a:bodyPr wrap="square" rtlCol="0">
+            <a:spAutoFit/>
+          </a:bodyPr>
+          <a:lstStyle/>
+          <a:p>
+            <a:r>
+              <a:rPr lang="it-IT" sz="2200" dirty="0"/>
+              <a:t>UP</a:t>
+            </a:r>
+          </a:p>
+        </p:txBody>
+      </p:sp>
+      <p:cxnSp>
+        <p:nvCxnSpPr>
+          <p:cNvPr id="173" name="Connettore a gomito 172">
+            <a:extLst>
+              <a:ext uri="{FF2B5EF4-FFF2-40B4-BE49-F238E27FC236}">
+                <a16:creationId xmlns:a16="http://schemas.microsoft.com/office/drawing/2014/main" id="{5A2776E8-5A0A-2896-18F9-601578C02A04}"/>
+              </a:ext>
+            </a:extLst>
+          </p:cNvPr>
+          <p:cNvCxnSpPr>
+            <a:cxnSpLocks/>
+            <a:stCxn id="86" idx="3"/>
+            <a:endCxn id="123" idx="4"/>
+          </p:cNvCxnSpPr>
+          <p:nvPr/>
+        </p:nvCxnSpPr>
+        <p:spPr>
+          <a:xfrm rot="5400000" flipH="1" flipV="1">
+            <a:off x="3911723" y="3085905"/>
+            <a:ext cx="465492" cy="1073495"/>
+          </a:xfrm>
+          <a:prstGeom prst="bentConnector3">
+            <a:avLst>
+              <a:gd name="adj1" fmla="val -128868"/>
+            </a:avLst>
           </a:prstGeom>
           <a:ln>
             <a:tailEnd type="triangle"/>
@@ -21494,13 +22560,1326 @@
         </p:spPr>
         <p:style>
           <a:lnRef idx="2">
-            <a:schemeClr val="accent1"/>
+            <a:schemeClr val="dk1"/>
           </a:lnRef>
           <a:fillRef idx="0">
-            <a:schemeClr val="accent1"/>
+            <a:schemeClr val="dk1"/>
           </a:fillRef>
           <a:effectRef idx="1">
-            <a:schemeClr val="accent1"/>
+            <a:schemeClr val="dk1"/>
+          </a:effectRef>
+          <a:fontRef idx="minor">
+            <a:schemeClr val="tx1"/>
+          </a:fontRef>
+        </p:style>
+      </p:cxnSp>
+      <p:sp>
+        <p:nvSpPr>
+          <p:cNvPr id="196" name="Rettangolo 195">
+            <a:extLst>
+              <a:ext uri="{FF2B5EF4-FFF2-40B4-BE49-F238E27FC236}">
+                <a16:creationId xmlns:a16="http://schemas.microsoft.com/office/drawing/2014/main" id="{A0497C42-DA66-01B7-A58B-6A8726BDBBAF}"/>
+              </a:ext>
+            </a:extLst>
+          </p:cNvPr>
+          <p:cNvSpPr/>
+          <p:nvPr/>
+        </p:nvSpPr>
+        <p:spPr>
+          <a:xfrm rot="5400000">
+            <a:off x="648409" y="3161874"/>
+            <a:ext cx="1684276" cy="234610"/>
+          </a:xfrm>
+          <a:prstGeom prst="rect">
+            <a:avLst/>
+          </a:prstGeom>
+          <a:solidFill>
+            <a:schemeClr val="bg1">
+              <a:lumMod val="75000"/>
+            </a:schemeClr>
+          </a:solidFill>
+        </p:spPr>
+        <p:style>
+          <a:lnRef idx="2">
+            <a:schemeClr val="accent1">
+              <a:shade val="15000"/>
+            </a:schemeClr>
+          </a:lnRef>
+          <a:fillRef idx="1">
+            <a:schemeClr val="accent1"/>
+          </a:fillRef>
+          <a:effectRef idx="0">
+            <a:schemeClr val="accent1"/>
+          </a:effectRef>
+          <a:fontRef idx="minor">
+            <a:schemeClr val="lt1"/>
+          </a:fontRef>
+        </p:style>
+        <p:txBody>
+          <a:bodyPr rtlCol="0" anchor="ctr"/>
+          <a:lstStyle/>
+          <a:p>
+            <a:pPr algn="ctr"/>
+            <a:r>
+              <a:rPr lang="it-IT" dirty="0">
+                <a:solidFill>
+                  <a:schemeClr val="tx1"/>
+                </a:solidFill>
+              </a:rPr>
+              <a:t>ENCODER</a:t>
+            </a:r>
+          </a:p>
+        </p:txBody>
+      </p:sp>
+      <p:cxnSp>
+        <p:nvCxnSpPr>
+          <p:cNvPr id="200" name="Connettore 2 199">
+            <a:extLst>
+              <a:ext uri="{FF2B5EF4-FFF2-40B4-BE49-F238E27FC236}">
+                <a16:creationId xmlns:a16="http://schemas.microsoft.com/office/drawing/2014/main" id="{F591F92A-FB6F-47B4-0EAA-7E70D64D312E}"/>
+              </a:ext>
+            </a:extLst>
+          </p:cNvPr>
+          <p:cNvCxnSpPr>
+            <a:cxnSpLocks/>
+            <a:stCxn id="196" idx="0"/>
+            <a:endCxn id="65" idx="2"/>
+          </p:cNvCxnSpPr>
+          <p:nvPr/>
+        </p:nvCxnSpPr>
+        <p:spPr>
+          <a:xfrm flipV="1">
+            <a:off x="1607852" y="3258598"/>
+            <a:ext cx="207243" cy="20581"/>
+          </a:xfrm>
+          <a:prstGeom prst="straightConnector1">
+            <a:avLst/>
+          </a:prstGeom>
+          <a:ln w="25400" cmpd="sng">
+            <a:tailEnd type="triangle"/>
+          </a:ln>
+        </p:spPr>
+        <p:style>
+          <a:lnRef idx="2">
+            <a:schemeClr val="dk1"/>
+          </a:lnRef>
+          <a:fillRef idx="0">
+            <a:schemeClr val="dk1"/>
+          </a:fillRef>
+          <a:effectRef idx="1">
+            <a:schemeClr val="dk1"/>
+          </a:effectRef>
+          <a:fontRef idx="minor">
+            <a:schemeClr val="tx1"/>
+          </a:fontRef>
+        </p:style>
+      </p:cxnSp>
+      <p:cxnSp>
+        <p:nvCxnSpPr>
+          <p:cNvPr id="204" name="Connettore 2 203">
+            <a:extLst>
+              <a:ext uri="{FF2B5EF4-FFF2-40B4-BE49-F238E27FC236}">
+                <a16:creationId xmlns:a16="http://schemas.microsoft.com/office/drawing/2014/main" id="{BBB91D59-0F7F-A257-4C2A-3AE4E1C8ACA4}"/>
+              </a:ext>
+            </a:extLst>
+          </p:cNvPr>
+          <p:cNvCxnSpPr>
+            <a:cxnSpLocks/>
+            <a:stCxn id="65" idx="0"/>
+            <a:endCxn id="82" idx="2"/>
+          </p:cNvCxnSpPr>
+          <p:nvPr/>
+        </p:nvCxnSpPr>
+        <p:spPr>
+          <a:xfrm>
+            <a:off x="2056182" y="3258598"/>
+            <a:ext cx="175646" cy="14430"/>
+          </a:xfrm>
+          <a:prstGeom prst="straightConnector1">
+            <a:avLst/>
+          </a:prstGeom>
+          <a:ln w="25400" cmpd="sng">
+            <a:tailEnd type="triangle"/>
+          </a:ln>
+        </p:spPr>
+        <p:style>
+          <a:lnRef idx="2">
+            <a:schemeClr val="dk1"/>
+          </a:lnRef>
+          <a:fillRef idx="0">
+            <a:schemeClr val="dk1"/>
+          </a:fillRef>
+          <a:effectRef idx="1">
+            <a:schemeClr val="dk1"/>
+          </a:effectRef>
+          <a:fontRef idx="minor">
+            <a:schemeClr val="tx1"/>
+          </a:fontRef>
+        </p:style>
+      </p:cxnSp>
+      <p:cxnSp>
+        <p:nvCxnSpPr>
+          <p:cNvPr id="207" name="Connettore 2 206">
+            <a:extLst>
+              <a:ext uri="{FF2B5EF4-FFF2-40B4-BE49-F238E27FC236}">
+                <a16:creationId xmlns:a16="http://schemas.microsoft.com/office/drawing/2014/main" id="{AAB7B119-4724-6F36-F204-84370BFE1625}"/>
+              </a:ext>
+            </a:extLst>
+          </p:cNvPr>
+          <p:cNvCxnSpPr>
+            <a:cxnSpLocks/>
+            <a:stCxn id="82" idx="0"/>
+            <a:endCxn id="83" idx="2"/>
+          </p:cNvCxnSpPr>
+          <p:nvPr/>
+        </p:nvCxnSpPr>
+        <p:spPr>
+          <a:xfrm flipV="1">
+            <a:off x="2466438" y="3247512"/>
+            <a:ext cx="177591" cy="25516"/>
+          </a:xfrm>
+          <a:prstGeom prst="straightConnector1">
+            <a:avLst/>
+          </a:prstGeom>
+          <a:ln w="25400" cmpd="sng">
+            <a:tailEnd type="triangle"/>
+          </a:ln>
+        </p:spPr>
+        <p:style>
+          <a:lnRef idx="2">
+            <a:schemeClr val="dk1"/>
+          </a:lnRef>
+          <a:fillRef idx="0">
+            <a:schemeClr val="dk1"/>
+          </a:fillRef>
+          <a:effectRef idx="1">
+            <a:schemeClr val="dk1"/>
+          </a:effectRef>
+          <a:fontRef idx="minor">
+            <a:schemeClr val="tx1"/>
+          </a:fontRef>
+        </p:style>
+      </p:cxnSp>
+      <p:cxnSp>
+        <p:nvCxnSpPr>
+          <p:cNvPr id="210" name="Connettore 2 209">
+            <a:extLst>
+              <a:ext uri="{FF2B5EF4-FFF2-40B4-BE49-F238E27FC236}">
+                <a16:creationId xmlns:a16="http://schemas.microsoft.com/office/drawing/2014/main" id="{42C164FE-8A00-3A31-6D74-89D63C0D7C00}"/>
+              </a:ext>
+            </a:extLst>
+          </p:cNvPr>
+          <p:cNvCxnSpPr>
+            <a:cxnSpLocks/>
+            <a:stCxn id="83" idx="0"/>
+            <a:endCxn id="85" idx="2"/>
+          </p:cNvCxnSpPr>
+          <p:nvPr/>
+        </p:nvCxnSpPr>
+        <p:spPr>
+          <a:xfrm>
+            <a:off x="2885116" y="3247512"/>
+            <a:ext cx="202825" cy="19638"/>
+          </a:xfrm>
+          <a:prstGeom prst="straightConnector1">
+            <a:avLst/>
+          </a:prstGeom>
+          <a:ln w="25400" cmpd="sng">
+            <a:tailEnd type="triangle"/>
+          </a:ln>
+        </p:spPr>
+        <p:style>
+          <a:lnRef idx="2">
+            <a:schemeClr val="dk1"/>
+          </a:lnRef>
+          <a:fillRef idx="0">
+            <a:schemeClr val="dk1"/>
+          </a:fillRef>
+          <a:effectRef idx="1">
+            <a:schemeClr val="dk1"/>
+          </a:effectRef>
+          <a:fontRef idx="minor">
+            <a:schemeClr val="tx1"/>
+          </a:fontRef>
+        </p:style>
+      </p:cxnSp>
+      <p:cxnSp>
+        <p:nvCxnSpPr>
+          <p:cNvPr id="214" name="Connettore 2 213">
+            <a:extLst>
+              <a:ext uri="{FF2B5EF4-FFF2-40B4-BE49-F238E27FC236}">
+                <a16:creationId xmlns:a16="http://schemas.microsoft.com/office/drawing/2014/main" id="{E77BAE65-9CCC-1D99-6FD4-18A25436C7C7}"/>
+              </a:ext>
+            </a:extLst>
+          </p:cNvPr>
+          <p:cNvCxnSpPr>
+            <a:cxnSpLocks/>
+            <a:stCxn id="85" idx="0"/>
+            <a:endCxn id="86" idx="2"/>
+          </p:cNvCxnSpPr>
+          <p:nvPr/>
+        </p:nvCxnSpPr>
+        <p:spPr>
+          <a:xfrm flipV="1">
+            <a:off x="3322551" y="3247512"/>
+            <a:ext cx="164628" cy="19638"/>
+          </a:xfrm>
+          <a:prstGeom prst="straightConnector1">
+            <a:avLst/>
+          </a:prstGeom>
+          <a:ln w="25400" cmpd="sng">
+            <a:tailEnd type="triangle"/>
+          </a:ln>
+        </p:spPr>
+        <p:style>
+          <a:lnRef idx="2">
+            <a:schemeClr val="dk1"/>
+          </a:lnRef>
+          <a:fillRef idx="0">
+            <a:schemeClr val="dk1"/>
+          </a:fillRef>
+          <a:effectRef idx="1">
+            <a:schemeClr val="dk1"/>
+          </a:effectRef>
+          <a:fontRef idx="minor">
+            <a:schemeClr val="tx1"/>
+          </a:fontRef>
+        </p:style>
+      </p:cxnSp>
+      <p:cxnSp>
+        <p:nvCxnSpPr>
+          <p:cNvPr id="218" name="Connettore 2 217">
+            <a:extLst>
+              <a:ext uri="{FF2B5EF4-FFF2-40B4-BE49-F238E27FC236}">
+                <a16:creationId xmlns:a16="http://schemas.microsoft.com/office/drawing/2014/main" id="{6CD0A001-63BA-6D18-DBF4-CD7F2F547C3C}"/>
+              </a:ext>
+            </a:extLst>
+          </p:cNvPr>
+          <p:cNvCxnSpPr>
+            <a:cxnSpLocks/>
+            <a:stCxn id="86" idx="0"/>
+            <a:endCxn id="90" idx="2"/>
+          </p:cNvCxnSpPr>
+          <p:nvPr/>
+        </p:nvCxnSpPr>
+        <p:spPr>
+          <a:xfrm>
+            <a:off x="3728266" y="3247512"/>
+            <a:ext cx="192073" cy="23241"/>
+          </a:xfrm>
+          <a:prstGeom prst="straightConnector1">
+            <a:avLst/>
+          </a:prstGeom>
+          <a:ln w="25400" cmpd="sng">
+            <a:tailEnd type="triangle"/>
+          </a:ln>
+        </p:spPr>
+        <p:style>
+          <a:lnRef idx="2">
+            <a:schemeClr val="dk1"/>
+          </a:lnRef>
+          <a:fillRef idx="0">
+            <a:schemeClr val="dk1"/>
+          </a:fillRef>
+          <a:effectRef idx="1">
+            <a:schemeClr val="dk1"/>
+          </a:effectRef>
+          <a:fontRef idx="minor">
+            <a:schemeClr val="tx1"/>
+          </a:fontRef>
+        </p:style>
+      </p:cxnSp>
+      <p:cxnSp>
+        <p:nvCxnSpPr>
+          <p:cNvPr id="225" name="Connettore 2 224">
+            <a:extLst>
+              <a:ext uri="{FF2B5EF4-FFF2-40B4-BE49-F238E27FC236}">
+                <a16:creationId xmlns:a16="http://schemas.microsoft.com/office/drawing/2014/main" id="{55E548CF-AF19-1C83-CDF5-3DEE1562089D}"/>
+              </a:ext>
+            </a:extLst>
+          </p:cNvPr>
+          <p:cNvCxnSpPr>
+            <a:cxnSpLocks/>
+            <a:stCxn id="18" idx="3"/>
+            <a:endCxn id="82" idx="1"/>
+          </p:cNvCxnSpPr>
+          <p:nvPr/>
+        </p:nvCxnSpPr>
+        <p:spPr>
+          <a:xfrm flipH="1">
+            <a:off x="2349133" y="1601356"/>
+            <a:ext cx="1252011" cy="829534"/>
+          </a:xfrm>
+          <a:prstGeom prst="straightConnector1">
+            <a:avLst/>
+          </a:prstGeom>
+          <a:ln w="25400" cmpd="sng">
+            <a:tailEnd type="triangle"/>
+          </a:ln>
+        </p:spPr>
+        <p:style>
+          <a:lnRef idx="2">
+            <a:schemeClr val="dk1"/>
+          </a:lnRef>
+          <a:fillRef idx="0">
+            <a:schemeClr val="dk1"/>
+          </a:fillRef>
+          <a:effectRef idx="1">
+            <a:schemeClr val="dk1"/>
+          </a:effectRef>
+          <a:fontRef idx="minor">
+            <a:schemeClr val="tx1"/>
+          </a:fontRef>
+        </p:style>
+      </p:cxnSp>
+      <p:cxnSp>
+        <p:nvCxnSpPr>
+          <p:cNvPr id="228" name="Connettore 2 227">
+            <a:extLst>
+              <a:ext uri="{FF2B5EF4-FFF2-40B4-BE49-F238E27FC236}">
+                <a16:creationId xmlns:a16="http://schemas.microsoft.com/office/drawing/2014/main" id="{24F9DC15-A3CA-D4CD-7969-2227139A0478}"/>
+              </a:ext>
+            </a:extLst>
+          </p:cNvPr>
+          <p:cNvCxnSpPr>
+            <a:cxnSpLocks/>
+            <a:stCxn id="18" idx="3"/>
+            <a:endCxn id="85" idx="1"/>
+          </p:cNvCxnSpPr>
+          <p:nvPr/>
+        </p:nvCxnSpPr>
+        <p:spPr>
+          <a:xfrm flipH="1">
+            <a:off x="3205246" y="1601356"/>
+            <a:ext cx="395898" cy="823656"/>
+          </a:xfrm>
+          <a:prstGeom prst="straightConnector1">
+            <a:avLst/>
+          </a:prstGeom>
+          <a:ln w="25400" cmpd="sng">
+            <a:tailEnd type="triangle"/>
+          </a:ln>
+        </p:spPr>
+        <p:style>
+          <a:lnRef idx="2">
+            <a:schemeClr val="dk1"/>
+          </a:lnRef>
+          <a:fillRef idx="0">
+            <a:schemeClr val="dk1"/>
+          </a:fillRef>
+          <a:effectRef idx="1">
+            <a:schemeClr val="dk1"/>
+          </a:effectRef>
+          <a:fontRef idx="minor">
+            <a:schemeClr val="tx1"/>
+          </a:fontRef>
+        </p:style>
+      </p:cxnSp>
+      <p:cxnSp>
+        <p:nvCxnSpPr>
+          <p:cNvPr id="231" name="Connettore 2 230">
+            <a:extLst>
+              <a:ext uri="{FF2B5EF4-FFF2-40B4-BE49-F238E27FC236}">
+                <a16:creationId xmlns:a16="http://schemas.microsoft.com/office/drawing/2014/main" id="{A01B4616-0D3F-F106-9D27-05D6730B6ABA}"/>
+              </a:ext>
+            </a:extLst>
+          </p:cNvPr>
+          <p:cNvCxnSpPr>
+            <a:cxnSpLocks/>
+            <a:stCxn id="18" idx="3"/>
+            <a:endCxn id="90" idx="1"/>
+          </p:cNvCxnSpPr>
+          <p:nvPr/>
+        </p:nvCxnSpPr>
+        <p:spPr>
+          <a:xfrm>
+            <a:off x="3601144" y="1601356"/>
+            <a:ext cx="436500" cy="827259"/>
+          </a:xfrm>
+          <a:prstGeom prst="straightConnector1">
+            <a:avLst/>
+          </a:prstGeom>
+          <a:ln w="25400" cmpd="sng">
+            <a:tailEnd type="triangle"/>
+          </a:ln>
+        </p:spPr>
+        <p:style>
+          <a:lnRef idx="2">
+            <a:schemeClr val="dk1"/>
+          </a:lnRef>
+          <a:fillRef idx="0">
+            <a:schemeClr val="dk1"/>
+          </a:fillRef>
+          <a:effectRef idx="1">
+            <a:schemeClr val="dk1"/>
+          </a:effectRef>
+          <a:fontRef idx="minor">
+            <a:schemeClr val="tx1"/>
+          </a:fontRef>
+        </p:style>
+      </p:cxnSp>
+      <p:cxnSp>
+        <p:nvCxnSpPr>
+          <p:cNvPr id="250" name="Connettore 2 249">
+            <a:extLst>
+              <a:ext uri="{FF2B5EF4-FFF2-40B4-BE49-F238E27FC236}">
+                <a16:creationId xmlns:a16="http://schemas.microsoft.com/office/drawing/2014/main" id="{88B6FCEE-1D00-D8DA-AA4A-5B394777E2F6}"/>
+              </a:ext>
+            </a:extLst>
+          </p:cNvPr>
+          <p:cNvCxnSpPr>
+            <a:cxnSpLocks/>
+            <a:stCxn id="90" idx="0"/>
+            <a:endCxn id="123" idx="2"/>
+          </p:cNvCxnSpPr>
+          <p:nvPr/>
+        </p:nvCxnSpPr>
+        <p:spPr>
+          <a:xfrm>
+            <a:off x="4154949" y="3270753"/>
+            <a:ext cx="435800" cy="24725"/>
+          </a:xfrm>
+          <a:prstGeom prst="straightConnector1">
+            <a:avLst/>
+          </a:prstGeom>
+          <a:ln w="25400" cmpd="sng">
+            <a:tailEnd type="triangle"/>
+          </a:ln>
+        </p:spPr>
+        <p:style>
+          <a:lnRef idx="2">
+            <a:schemeClr val="dk1"/>
+          </a:lnRef>
+          <a:fillRef idx="0">
+            <a:schemeClr val="dk1"/>
+          </a:fillRef>
+          <a:effectRef idx="1">
+            <a:schemeClr val="dk1"/>
+          </a:effectRef>
+          <a:fontRef idx="minor">
+            <a:schemeClr val="tx1"/>
+          </a:fontRef>
+        </p:style>
+      </p:cxnSp>
+      <p:sp>
+        <p:nvSpPr>
+          <p:cNvPr id="254" name="Rettangolo 253">
+            <a:extLst>
+              <a:ext uri="{FF2B5EF4-FFF2-40B4-BE49-F238E27FC236}">
+                <a16:creationId xmlns:a16="http://schemas.microsoft.com/office/drawing/2014/main" id="{428A51CF-F63B-76E2-4790-ABEFF68DC31D}"/>
+              </a:ext>
+            </a:extLst>
+          </p:cNvPr>
+          <p:cNvSpPr/>
+          <p:nvPr/>
+        </p:nvSpPr>
+        <p:spPr>
+          <a:xfrm rot="5400000">
+            <a:off x="5387667" y="3178777"/>
+            <a:ext cx="1887799" cy="233402"/>
+          </a:xfrm>
+          <a:prstGeom prst="rect">
+            <a:avLst/>
+          </a:prstGeom>
+          <a:solidFill>
+            <a:schemeClr val="accent4">
+              <a:lumMod val="40000"/>
+              <a:lumOff val="60000"/>
+            </a:schemeClr>
+          </a:solidFill>
+        </p:spPr>
+        <p:style>
+          <a:lnRef idx="2">
+            <a:schemeClr val="accent1">
+              <a:shade val="15000"/>
+            </a:schemeClr>
+          </a:lnRef>
+          <a:fillRef idx="1">
+            <a:schemeClr val="accent1"/>
+          </a:fillRef>
+          <a:effectRef idx="0">
+            <a:schemeClr val="accent1"/>
+          </a:effectRef>
+          <a:fontRef idx="minor">
+            <a:schemeClr val="lt1"/>
+          </a:fontRef>
+        </p:style>
+        <p:txBody>
+          <a:bodyPr rtlCol="0" anchor="ctr"/>
+          <a:lstStyle/>
+          <a:p>
+            <a:pPr algn="ctr"/>
+            <a:r>
+              <a:rPr lang="it-IT" dirty="0">
+                <a:solidFill>
+                  <a:schemeClr val="tx1"/>
+                </a:solidFill>
+              </a:rPr>
+              <a:t>DECODER</a:t>
+            </a:r>
+          </a:p>
+        </p:txBody>
+      </p:sp>
+      <p:sp>
+        <p:nvSpPr>
+          <p:cNvPr id="256" name="Rettangolo 255">
+            <a:extLst>
+              <a:ext uri="{FF2B5EF4-FFF2-40B4-BE49-F238E27FC236}">
+                <a16:creationId xmlns:a16="http://schemas.microsoft.com/office/drawing/2014/main" id="{75C97122-3B5E-DEB8-645B-2F9561FAAEBA}"/>
+              </a:ext>
+            </a:extLst>
+          </p:cNvPr>
+          <p:cNvSpPr/>
+          <p:nvPr/>
+        </p:nvSpPr>
+        <p:spPr>
+          <a:xfrm rot="5400000">
+            <a:off x="6384754" y="3178778"/>
+            <a:ext cx="1887799" cy="233402"/>
+          </a:xfrm>
+          <a:prstGeom prst="rect">
+            <a:avLst/>
+          </a:prstGeom>
+          <a:solidFill>
+            <a:schemeClr val="accent4">
+              <a:lumMod val="40000"/>
+              <a:lumOff val="60000"/>
+            </a:schemeClr>
+          </a:solidFill>
+        </p:spPr>
+        <p:style>
+          <a:lnRef idx="2">
+            <a:schemeClr val="accent1">
+              <a:shade val="15000"/>
+            </a:schemeClr>
+          </a:lnRef>
+          <a:fillRef idx="1">
+            <a:schemeClr val="accent1"/>
+          </a:fillRef>
+          <a:effectRef idx="0">
+            <a:schemeClr val="accent1"/>
+          </a:effectRef>
+          <a:fontRef idx="minor">
+            <a:schemeClr val="lt1"/>
+          </a:fontRef>
+        </p:style>
+        <p:txBody>
+          <a:bodyPr rtlCol="0" anchor="ctr"/>
+          <a:lstStyle/>
+          <a:p>
+            <a:pPr algn="ctr"/>
+            <a:r>
+              <a:rPr lang="it-IT" dirty="0">
+                <a:solidFill>
+                  <a:schemeClr val="tx1"/>
+                </a:solidFill>
+              </a:rPr>
+              <a:t>DECODER</a:t>
+            </a:r>
+          </a:p>
+        </p:txBody>
+      </p:sp>
+      <p:sp>
+        <p:nvSpPr>
+          <p:cNvPr id="257" name="Rettangolo 256">
+            <a:extLst>
+              <a:ext uri="{FF2B5EF4-FFF2-40B4-BE49-F238E27FC236}">
+                <a16:creationId xmlns:a16="http://schemas.microsoft.com/office/drawing/2014/main" id="{B0038429-7F55-E426-7B72-C99F6F67F379}"/>
+              </a:ext>
+            </a:extLst>
+          </p:cNvPr>
+          <p:cNvSpPr/>
+          <p:nvPr/>
+        </p:nvSpPr>
+        <p:spPr>
+          <a:xfrm>
+            <a:off x="6676039" y="2693331"/>
+            <a:ext cx="334663" cy="1204294"/>
+          </a:xfrm>
+          <a:prstGeom prst="rect">
+            <a:avLst/>
+          </a:prstGeom>
+          <a:solidFill>
+            <a:schemeClr val="accent2">
+              <a:lumMod val="60000"/>
+              <a:lumOff val="40000"/>
+            </a:schemeClr>
+          </a:solidFill>
+        </p:spPr>
+        <p:style>
+          <a:lnRef idx="2">
+            <a:schemeClr val="accent1">
+              <a:shade val="15000"/>
+            </a:schemeClr>
+          </a:lnRef>
+          <a:fillRef idx="1">
+            <a:schemeClr val="accent1"/>
+          </a:fillRef>
+          <a:effectRef idx="0">
+            <a:schemeClr val="accent1"/>
+          </a:effectRef>
+          <a:fontRef idx="minor">
+            <a:schemeClr val="lt1"/>
+          </a:fontRef>
+        </p:style>
+        <p:txBody>
+          <a:bodyPr rtlCol="0" anchor="ctr"/>
+          <a:lstStyle/>
+          <a:p>
+            <a:pPr algn="ctr"/>
+            <a:r>
+              <a:rPr lang="it-IT" dirty="0">
+                <a:solidFill>
+                  <a:schemeClr val="tx1"/>
+                </a:solidFill>
+              </a:rPr>
+              <a:t>UP</a:t>
+            </a:r>
+          </a:p>
+        </p:txBody>
+      </p:sp>
+      <p:cxnSp>
+        <p:nvCxnSpPr>
+          <p:cNvPr id="259" name="Connettore 2 258">
+            <a:extLst>
+              <a:ext uri="{FF2B5EF4-FFF2-40B4-BE49-F238E27FC236}">
+                <a16:creationId xmlns:a16="http://schemas.microsoft.com/office/drawing/2014/main" id="{E076F952-7DC6-D23A-E2C0-9E530E2C6191}"/>
+              </a:ext>
+            </a:extLst>
+          </p:cNvPr>
+          <p:cNvCxnSpPr>
+            <a:cxnSpLocks/>
+            <a:stCxn id="115" idx="3"/>
+            <a:endCxn id="254" idx="2"/>
+          </p:cNvCxnSpPr>
+          <p:nvPr/>
+        </p:nvCxnSpPr>
+        <p:spPr>
+          <a:xfrm>
+            <a:off x="6021078" y="3278128"/>
+            <a:ext cx="193788" cy="17351"/>
+          </a:xfrm>
+          <a:prstGeom prst="straightConnector1">
+            <a:avLst/>
+          </a:prstGeom>
+          <a:ln w="25400" cmpd="sng">
+            <a:tailEnd type="triangle"/>
+          </a:ln>
+        </p:spPr>
+        <p:style>
+          <a:lnRef idx="2">
+            <a:schemeClr val="dk1"/>
+          </a:lnRef>
+          <a:fillRef idx="0">
+            <a:schemeClr val="dk1"/>
+          </a:fillRef>
+          <a:effectRef idx="1">
+            <a:schemeClr val="dk1"/>
+          </a:effectRef>
+          <a:fontRef idx="minor">
+            <a:schemeClr val="tx1"/>
+          </a:fontRef>
+        </p:style>
+      </p:cxnSp>
+      <p:cxnSp>
+        <p:nvCxnSpPr>
+          <p:cNvPr id="263" name="Connettore 2 262">
+            <a:extLst>
+              <a:ext uri="{FF2B5EF4-FFF2-40B4-BE49-F238E27FC236}">
+                <a16:creationId xmlns:a16="http://schemas.microsoft.com/office/drawing/2014/main" id="{6289B691-16DD-A452-D971-5FF3F979C832}"/>
+              </a:ext>
+            </a:extLst>
+          </p:cNvPr>
+          <p:cNvCxnSpPr>
+            <a:cxnSpLocks/>
+            <a:stCxn id="254" idx="0"/>
+            <a:endCxn id="257" idx="1"/>
+          </p:cNvCxnSpPr>
+          <p:nvPr/>
+        </p:nvCxnSpPr>
+        <p:spPr>
+          <a:xfrm flipV="1">
+            <a:off x="6448268" y="3295478"/>
+            <a:ext cx="227771" cy="1"/>
+          </a:xfrm>
+          <a:prstGeom prst="straightConnector1">
+            <a:avLst/>
+          </a:prstGeom>
+          <a:ln w="25400" cmpd="sng">
+            <a:tailEnd type="triangle"/>
+          </a:ln>
+        </p:spPr>
+        <p:style>
+          <a:lnRef idx="2">
+            <a:schemeClr val="dk1"/>
+          </a:lnRef>
+          <a:fillRef idx="0">
+            <a:schemeClr val="dk1"/>
+          </a:fillRef>
+          <a:effectRef idx="1">
+            <a:schemeClr val="dk1"/>
+          </a:effectRef>
+          <a:fontRef idx="minor">
+            <a:schemeClr val="tx1"/>
+          </a:fontRef>
+        </p:style>
+      </p:cxnSp>
+      <p:cxnSp>
+        <p:nvCxnSpPr>
+          <p:cNvPr id="267" name="Connettore a gomito 266">
+            <a:extLst>
+              <a:ext uri="{FF2B5EF4-FFF2-40B4-BE49-F238E27FC236}">
+                <a16:creationId xmlns:a16="http://schemas.microsoft.com/office/drawing/2014/main" id="{25B070CF-9EDE-BFB5-2CC6-E0D9FE63174C}"/>
+              </a:ext>
+            </a:extLst>
+          </p:cNvPr>
+          <p:cNvCxnSpPr>
+            <a:cxnSpLocks/>
+            <a:stCxn id="83" idx="3"/>
+            <a:endCxn id="257" idx="2"/>
+          </p:cNvCxnSpPr>
+          <p:nvPr/>
+        </p:nvCxnSpPr>
+        <p:spPr>
+          <a:xfrm rot="16200000" flipH="1">
+            <a:off x="4782858" y="1837112"/>
+            <a:ext cx="42226" cy="4078799"/>
+          </a:xfrm>
+          <a:prstGeom prst="bentConnector3">
+            <a:avLst>
+              <a:gd name="adj1" fmla="val 2112272"/>
+            </a:avLst>
+          </a:prstGeom>
+          <a:ln>
+            <a:tailEnd type="triangle"/>
+          </a:ln>
+        </p:spPr>
+        <p:style>
+          <a:lnRef idx="2">
+            <a:schemeClr val="dk1"/>
+          </a:lnRef>
+          <a:fillRef idx="0">
+            <a:schemeClr val="dk1"/>
+          </a:fillRef>
+          <a:effectRef idx="1">
+            <a:schemeClr val="dk1"/>
+          </a:effectRef>
+          <a:fontRef idx="minor">
+            <a:schemeClr val="tx1"/>
+          </a:fontRef>
+        </p:style>
+      </p:cxnSp>
+      <p:cxnSp>
+        <p:nvCxnSpPr>
+          <p:cNvPr id="271" name="Connettore 2 270">
+            <a:extLst>
+              <a:ext uri="{FF2B5EF4-FFF2-40B4-BE49-F238E27FC236}">
+                <a16:creationId xmlns:a16="http://schemas.microsoft.com/office/drawing/2014/main" id="{7B9FF7A3-0A56-79FE-7EE8-A73C77CC50A1}"/>
+              </a:ext>
+            </a:extLst>
+          </p:cNvPr>
+          <p:cNvCxnSpPr>
+            <a:cxnSpLocks/>
+            <a:stCxn id="257" idx="3"/>
+            <a:endCxn id="256" idx="2"/>
+          </p:cNvCxnSpPr>
+          <p:nvPr/>
+        </p:nvCxnSpPr>
+        <p:spPr>
+          <a:xfrm>
+            <a:off x="7010702" y="3295478"/>
+            <a:ext cx="201251" cy="2"/>
+          </a:xfrm>
+          <a:prstGeom prst="straightConnector1">
+            <a:avLst/>
+          </a:prstGeom>
+          <a:ln w="25400" cmpd="sng">
+            <a:tailEnd type="triangle"/>
+          </a:ln>
+        </p:spPr>
+        <p:style>
+          <a:lnRef idx="2">
+            <a:schemeClr val="dk1"/>
+          </a:lnRef>
+          <a:fillRef idx="0">
+            <a:schemeClr val="dk1"/>
+          </a:fillRef>
+          <a:effectRef idx="1">
+            <a:schemeClr val="dk1"/>
+          </a:effectRef>
+          <a:fontRef idx="minor">
+            <a:schemeClr val="tx1"/>
+          </a:fontRef>
+        </p:style>
+      </p:cxnSp>
+      <p:sp>
+        <p:nvSpPr>
+          <p:cNvPr id="274" name="Rettangolo 273">
+            <a:extLst>
+              <a:ext uri="{FF2B5EF4-FFF2-40B4-BE49-F238E27FC236}">
+                <a16:creationId xmlns:a16="http://schemas.microsoft.com/office/drawing/2014/main" id="{03BB146C-D0F2-53C9-1C92-A1C26D020395}"/>
+              </a:ext>
+            </a:extLst>
+          </p:cNvPr>
+          <p:cNvSpPr/>
+          <p:nvPr/>
+        </p:nvSpPr>
+        <p:spPr>
+          <a:xfrm rot="5400000">
+            <a:off x="7334216" y="3161427"/>
+            <a:ext cx="1887799" cy="233402"/>
+          </a:xfrm>
+          <a:prstGeom prst="rect">
+            <a:avLst/>
+          </a:prstGeom>
+          <a:solidFill>
+            <a:schemeClr val="accent4">
+              <a:lumMod val="40000"/>
+              <a:lumOff val="60000"/>
+            </a:schemeClr>
+          </a:solidFill>
+        </p:spPr>
+        <p:style>
+          <a:lnRef idx="2">
+            <a:schemeClr val="accent1">
+              <a:shade val="15000"/>
+            </a:schemeClr>
+          </a:lnRef>
+          <a:fillRef idx="1">
+            <a:schemeClr val="accent1"/>
+          </a:fillRef>
+          <a:effectRef idx="0">
+            <a:schemeClr val="accent1"/>
+          </a:effectRef>
+          <a:fontRef idx="minor">
+            <a:schemeClr val="lt1"/>
+          </a:fontRef>
+        </p:style>
+        <p:txBody>
+          <a:bodyPr rtlCol="0" anchor="ctr"/>
+          <a:lstStyle/>
+          <a:p>
+            <a:pPr algn="ctr"/>
+            <a:r>
+              <a:rPr lang="it-IT" dirty="0">
+                <a:solidFill>
+                  <a:schemeClr val="tx1"/>
+                </a:solidFill>
+              </a:rPr>
+              <a:t>DECODER</a:t>
+            </a:r>
+          </a:p>
+        </p:txBody>
+      </p:sp>
+      <p:sp>
+        <p:nvSpPr>
+          <p:cNvPr id="276" name="Rettangolo 275">
+            <a:extLst>
+              <a:ext uri="{FF2B5EF4-FFF2-40B4-BE49-F238E27FC236}">
+                <a16:creationId xmlns:a16="http://schemas.microsoft.com/office/drawing/2014/main" id="{6CAE09B4-59D7-37F8-6A1F-8EE08E7A1C8A}"/>
+              </a:ext>
+            </a:extLst>
+          </p:cNvPr>
+          <p:cNvSpPr/>
+          <p:nvPr/>
+        </p:nvSpPr>
+        <p:spPr>
+          <a:xfrm>
+            <a:off x="7625501" y="2675980"/>
+            <a:ext cx="334663" cy="1204294"/>
+          </a:xfrm>
+          <a:prstGeom prst="rect">
+            <a:avLst/>
+          </a:prstGeom>
+          <a:solidFill>
+            <a:schemeClr val="accent2">
+              <a:lumMod val="60000"/>
+              <a:lumOff val="40000"/>
+            </a:schemeClr>
+          </a:solidFill>
+        </p:spPr>
+        <p:style>
+          <a:lnRef idx="2">
+            <a:schemeClr val="accent1">
+              <a:shade val="15000"/>
+            </a:schemeClr>
+          </a:lnRef>
+          <a:fillRef idx="1">
+            <a:schemeClr val="accent1"/>
+          </a:fillRef>
+          <a:effectRef idx="0">
+            <a:schemeClr val="accent1"/>
+          </a:effectRef>
+          <a:fontRef idx="minor">
+            <a:schemeClr val="lt1"/>
+          </a:fontRef>
+        </p:style>
+        <p:txBody>
+          <a:bodyPr rtlCol="0" anchor="ctr"/>
+          <a:lstStyle/>
+          <a:p>
+            <a:pPr algn="ctr"/>
+            <a:r>
+              <a:rPr lang="it-IT" dirty="0">
+                <a:solidFill>
+                  <a:schemeClr val="tx1"/>
+                </a:solidFill>
+              </a:rPr>
+              <a:t>UP</a:t>
+            </a:r>
+          </a:p>
+        </p:txBody>
+      </p:sp>
+      <p:cxnSp>
+        <p:nvCxnSpPr>
+          <p:cNvPr id="277" name="Connettore 2 276">
+            <a:extLst>
+              <a:ext uri="{FF2B5EF4-FFF2-40B4-BE49-F238E27FC236}">
+                <a16:creationId xmlns:a16="http://schemas.microsoft.com/office/drawing/2014/main" id="{323B65FB-3415-2AFC-5639-E42955D06135}"/>
+              </a:ext>
+            </a:extLst>
+          </p:cNvPr>
+          <p:cNvCxnSpPr>
+            <a:cxnSpLocks/>
+            <a:stCxn id="276" idx="3"/>
+            <a:endCxn id="274" idx="2"/>
+          </p:cNvCxnSpPr>
+          <p:nvPr/>
+        </p:nvCxnSpPr>
+        <p:spPr>
+          <a:xfrm>
+            <a:off x="7960164" y="3278127"/>
+            <a:ext cx="201251" cy="2"/>
+          </a:xfrm>
+          <a:prstGeom prst="straightConnector1">
+            <a:avLst/>
+          </a:prstGeom>
+          <a:ln w="25400" cmpd="sng">
+            <a:tailEnd type="triangle"/>
+          </a:ln>
+        </p:spPr>
+        <p:style>
+          <a:lnRef idx="2">
+            <a:schemeClr val="dk1"/>
+          </a:lnRef>
+          <a:fillRef idx="0">
+            <a:schemeClr val="dk1"/>
+          </a:fillRef>
+          <a:effectRef idx="1">
+            <a:schemeClr val="dk1"/>
+          </a:effectRef>
+          <a:fontRef idx="minor">
+            <a:schemeClr val="tx1"/>
+          </a:fontRef>
+        </p:style>
+      </p:cxnSp>
+      <p:cxnSp>
+        <p:nvCxnSpPr>
+          <p:cNvPr id="278" name="Connettore 2 277">
+            <a:extLst>
+              <a:ext uri="{FF2B5EF4-FFF2-40B4-BE49-F238E27FC236}">
+                <a16:creationId xmlns:a16="http://schemas.microsoft.com/office/drawing/2014/main" id="{15EA9835-8B06-0E89-40D7-9D45A4C749D9}"/>
+              </a:ext>
+            </a:extLst>
+          </p:cNvPr>
+          <p:cNvCxnSpPr>
+            <a:cxnSpLocks/>
+            <a:stCxn id="256" idx="0"/>
+            <a:endCxn id="276" idx="1"/>
+          </p:cNvCxnSpPr>
+          <p:nvPr/>
+        </p:nvCxnSpPr>
+        <p:spPr>
+          <a:xfrm flipV="1">
+            <a:off x="7445355" y="3278127"/>
+            <a:ext cx="180146" cy="17353"/>
+          </a:xfrm>
+          <a:prstGeom prst="straightConnector1">
+            <a:avLst/>
+          </a:prstGeom>
+          <a:ln w="25400" cmpd="sng">
+            <a:tailEnd type="triangle"/>
+          </a:ln>
+        </p:spPr>
+        <p:style>
+          <a:lnRef idx="2">
+            <a:schemeClr val="dk1"/>
+          </a:lnRef>
+          <a:fillRef idx="0">
+            <a:schemeClr val="dk1"/>
+          </a:fillRef>
+          <a:effectRef idx="1">
+            <a:schemeClr val="dk1"/>
+          </a:effectRef>
+          <a:fontRef idx="minor">
+            <a:schemeClr val="tx1"/>
+          </a:fontRef>
+        </p:style>
+      </p:cxnSp>
+      <p:cxnSp>
+        <p:nvCxnSpPr>
+          <p:cNvPr id="281" name="Connettore a gomito 280">
+            <a:extLst>
+              <a:ext uri="{FF2B5EF4-FFF2-40B4-BE49-F238E27FC236}">
+                <a16:creationId xmlns:a16="http://schemas.microsoft.com/office/drawing/2014/main" id="{778C697B-4246-1E77-7EE2-5BB4DB89676A}"/>
+              </a:ext>
+            </a:extLst>
+          </p:cNvPr>
+          <p:cNvCxnSpPr>
+            <a:cxnSpLocks/>
+            <a:stCxn id="65" idx="3"/>
+            <a:endCxn id="274" idx="3"/>
+          </p:cNvCxnSpPr>
+          <p:nvPr/>
+        </p:nvCxnSpPr>
+        <p:spPr>
+          <a:xfrm rot="16200000" flipH="1">
+            <a:off x="4929106" y="873017"/>
+            <a:ext cx="355543" cy="6342478"/>
+          </a:xfrm>
+          <a:prstGeom prst="bentConnector3">
+            <a:avLst>
+              <a:gd name="adj1" fmla="val 397481"/>
+            </a:avLst>
+          </a:prstGeom>
+          <a:ln>
+            <a:tailEnd type="triangle"/>
+          </a:ln>
+        </p:spPr>
+        <p:style>
+          <a:lnRef idx="2">
+            <a:schemeClr val="dk1"/>
+          </a:lnRef>
+          <a:fillRef idx="0">
+            <a:schemeClr val="dk1"/>
+          </a:fillRef>
+          <a:effectRef idx="1">
+            <a:schemeClr val="dk1"/>
+          </a:effectRef>
+          <a:fontRef idx="minor">
+            <a:schemeClr val="tx1"/>
+          </a:fontRef>
+        </p:style>
+      </p:cxnSp>
+      <p:sp>
+        <p:nvSpPr>
+          <p:cNvPr id="285" name="Rettangolo 284">
+            <a:extLst>
+              <a:ext uri="{FF2B5EF4-FFF2-40B4-BE49-F238E27FC236}">
+                <a16:creationId xmlns:a16="http://schemas.microsoft.com/office/drawing/2014/main" id="{D506AA45-5D9E-F5BF-6CEA-2C97B12A0E7A}"/>
+              </a:ext>
+            </a:extLst>
+          </p:cNvPr>
+          <p:cNvSpPr/>
+          <p:nvPr/>
+        </p:nvSpPr>
+        <p:spPr>
+          <a:xfrm rot="5400000">
+            <a:off x="8130500" y="3156417"/>
+            <a:ext cx="1543185" cy="306098"/>
+          </a:xfrm>
+          <a:prstGeom prst="rect">
+            <a:avLst/>
+          </a:prstGeom>
+          <a:solidFill>
+            <a:schemeClr val="accent2"/>
+          </a:solidFill>
+        </p:spPr>
+        <p:style>
+          <a:lnRef idx="2">
+            <a:schemeClr val="accent1">
+              <a:shade val="15000"/>
+            </a:schemeClr>
+          </a:lnRef>
+          <a:fillRef idx="1">
+            <a:schemeClr val="accent1"/>
+          </a:fillRef>
+          <a:effectRef idx="0">
+            <a:schemeClr val="accent1"/>
+          </a:effectRef>
+          <a:fontRef idx="minor">
+            <a:schemeClr val="lt1"/>
+          </a:fontRef>
+        </p:style>
+        <p:txBody>
+          <a:bodyPr rtlCol="0" anchor="ctr"/>
+          <a:lstStyle/>
+          <a:p>
+            <a:pPr algn="ctr"/>
+            <a:r>
+              <a:rPr lang="it-IT" sz="2500" b="1" dirty="0">
+                <a:solidFill>
+                  <a:schemeClr val="tx1"/>
+                </a:solidFill>
+              </a:rPr>
+              <a:t>Conv2D</a:t>
+            </a:r>
+          </a:p>
+        </p:txBody>
+      </p:sp>
+      <p:cxnSp>
+        <p:nvCxnSpPr>
+          <p:cNvPr id="287" name="Connettore 2 286">
+            <a:extLst>
+              <a:ext uri="{FF2B5EF4-FFF2-40B4-BE49-F238E27FC236}">
+                <a16:creationId xmlns:a16="http://schemas.microsoft.com/office/drawing/2014/main" id="{0855B4C3-75FB-3662-E34F-4E1B7D815769}"/>
+              </a:ext>
+            </a:extLst>
+          </p:cNvPr>
+          <p:cNvCxnSpPr>
+            <a:cxnSpLocks/>
+            <a:stCxn id="274" idx="0"/>
+            <a:endCxn id="285" idx="2"/>
+          </p:cNvCxnSpPr>
+          <p:nvPr/>
+        </p:nvCxnSpPr>
+        <p:spPr>
+          <a:xfrm>
+            <a:off x="8394817" y="3278129"/>
+            <a:ext cx="354227" cy="31338"/>
+          </a:xfrm>
+          <a:prstGeom prst="straightConnector1">
+            <a:avLst/>
+          </a:prstGeom>
+          <a:ln w="25400" cmpd="sng">
+            <a:tailEnd type="triangle"/>
+          </a:ln>
+        </p:spPr>
+        <p:style>
+          <a:lnRef idx="2">
+            <a:schemeClr val="dk1"/>
+          </a:lnRef>
+          <a:fillRef idx="0">
+            <a:schemeClr val="dk1"/>
+          </a:fillRef>
+          <a:effectRef idx="1">
+            <a:schemeClr val="dk1"/>
+          </a:effectRef>
+          <a:fontRef idx="minor">
+            <a:schemeClr val="tx1"/>
+          </a:fontRef>
+        </p:style>
+      </p:cxnSp>
+      <p:cxnSp>
+        <p:nvCxnSpPr>
+          <p:cNvPr id="290" name="Connettore 2 289">
+            <a:extLst>
+              <a:ext uri="{FF2B5EF4-FFF2-40B4-BE49-F238E27FC236}">
+                <a16:creationId xmlns:a16="http://schemas.microsoft.com/office/drawing/2014/main" id="{A538F6FD-FA92-F311-4D37-BC17D654A36F}"/>
+              </a:ext>
+            </a:extLst>
+          </p:cNvPr>
+          <p:cNvCxnSpPr>
+            <a:cxnSpLocks/>
+            <a:endCxn id="254" idx="1"/>
+          </p:cNvCxnSpPr>
+          <p:nvPr/>
+        </p:nvCxnSpPr>
+        <p:spPr>
+          <a:xfrm flipH="1">
+            <a:off x="6331567" y="1364378"/>
+            <a:ext cx="595444" cy="987201"/>
+          </a:xfrm>
+          <a:prstGeom prst="straightConnector1">
+            <a:avLst/>
+          </a:prstGeom>
+          <a:ln w="25400" cmpd="sng">
+            <a:tailEnd type="triangle"/>
+          </a:ln>
+        </p:spPr>
+        <p:style>
+          <a:lnRef idx="2">
+            <a:schemeClr val="dk1"/>
+          </a:lnRef>
+          <a:fillRef idx="0">
+            <a:schemeClr val="dk1"/>
+          </a:fillRef>
+          <a:effectRef idx="1">
+            <a:schemeClr val="dk1"/>
+          </a:effectRef>
+          <a:fontRef idx="minor">
+            <a:schemeClr val="tx1"/>
+          </a:fontRef>
+        </p:style>
+      </p:cxnSp>
+      <p:cxnSp>
+        <p:nvCxnSpPr>
+          <p:cNvPr id="294" name="Connettore 2 293">
+            <a:extLst>
+              <a:ext uri="{FF2B5EF4-FFF2-40B4-BE49-F238E27FC236}">
+                <a16:creationId xmlns:a16="http://schemas.microsoft.com/office/drawing/2014/main" id="{D490FB52-639D-2282-CEA4-C117C6DDF3D7}"/>
+              </a:ext>
+            </a:extLst>
+          </p:cNvPr>
+          <p:cNvCxnSpPr>
+            <a:cxnSpLocks/>
+            <a:endCxn id="256" idx="1"/>
+          </p:cNvCxnSpPr>
+          <p:nvPr/>
+        </p:nvCxnSpPr>
+        <p:spPr>
+          <a:xfrm>
+            <a:off x="6927011" y="1374236"/>
+            <a:ext cx="401643" cy="977344"/>
+          </a:xfrm>
+          <a:prstGeom prst="straightConnector1">
+            <a:avLst/>
+          </a:prstGeom>
+          <a:ln w="25400" cmpd="sng">
+            <a:tailEnd type="triangle"/>
+          </a:ln>
+        </p:spPr>
+        <p:style>
+          <a:lnRef idx="2">
+            <a:schemeClr val="dk1"/>
+          </a:lnRef>
+          <a:fillRef idx="0">
+            <a:schemeClr val="dk1"/>
+          </a:fillRef>
+          <a:effectRef idx="1">
+            <a:schemeClr val="dk1"/>
+          </a:effectRef>
+          <a:fontRef idx="minor">
+            <a:schemeClr val="tx1"/>
+          </a:fontRef>
+        </p:style>
+      </p:cxnSp>
+      <p:cxnSp>
+        <p:nvCxnSpPr>
+          <p:cNvPr id="297" name="Connettore 2 296">
+            <a:extLst>
+              <a:ext uri="{FF2B5EF4-FFF2-40B4-BE49-F238E27FC236}">
+                <a16:creationId xmlns:a16="http://schemas.microsoft.com/office/drawing/2014/main" id="{AEE8018D-F7C2-83AB-09D1-4F75E9493CF4}"/>
+              </a:ext>
+            </a:extLst>
+          </p:cNvPr>
+          <p:cNvCxnSpPr>
+            <a:cxnSpLocks/>
+            <a:endCxn id="274" idx="1"/>
+          </p:cNvCxnSpPr>
+          <p:nvPr/>
+        </p:nvCxnSpPr>
+        <p:spPr>
+          <a:xfrm>
+            <a:off x="6927010" y="1374235"/>
+            <a:ext cx="1351106" cy="959994"/>
+          </a:xfrm>
+          <a:prstGeom prst="straightConnector1">
+            <a:avLst/>
+          </a:prstGeom>
+          <a:ln w="25400" cmpd="sng">
+            <a:tailEnd type="triangle"/>
+          </a:ln>
+        </p:spPr>
+        <p:style>
+          <a:lnRef idx="2">
+            <a:schemeClr val="dk1"/>
+          </a:lnRef>
+          <a:fillRef idx="0">
+            <a:schemeClr val="dk1"/>
+          </a:fillRef>
+          <a:effectRef idx="1">
+            <a:schemeClr val="dk1"/>
           </a:effectRef>
           <a:fontRef idx="minor">
             <a:schemeClr val="tx1"/>
@@ -21510,7 +23889,7 @@
     </p:spTree>
     <p:extLst>
       <p:ext uri="{BB962C8B-B14F-4D97-AF65-F5344CB8AC3E}">
-        <p14:creationId xmlns:p14="http://schemas.microsoft.com/office/powerpoint/2010/main" val="744063254"/>
+        <p14:creationId xmlns:p14="http://schemas.microsoft.com/office/powerpoint/2010/main" val="3609558353"/>
       </p:ext>
     </p:extLst>
   </p:cSld>
@@ -21539,60 +23918,953 @@
       </p:grpSpPr>
       <p:sp>
         <p:nvSpPr>
-          <p:cNvPr id="2" name="Titolo 1">
-            <a:extLst>
-              <a:ext uri="{FF2B5EF4-FFF2-40B4-BE49-F238E27FC236}">
-                <a16:creationId xmlns:a16="http://schemas.microsoft.com/office/drawing/2014/main" id="{564C5D72-7CA8-B368-4244-34147DF00AE9}"/>
-              </a:ext>
-            </a:extLst>
-          </p:cNvPr>
-          <p:cNvSpPr>
-            <a:spLocks noGrp="1"/>
-          </p:cNvSpPr>
-          <p:nvPr>
-            <p:ph type="ctrTitle"/>
-          </p:nvPr>
-        </p:nvSpPr>
-        <p:spPr/>
-        <p:txBody>
-          <a:bodyPr>
-            <a:normAutofit/>
-          </a:bodyPr>
-          <a:lstStyle/>
-          <a:p>
-            <a:r>
-              <a:rPr lang="it-IT" dirty="0" err="1"/>
-              <a:t>UNet</a:t>
-            </a:r>
-            <a:r>
-              <a:rPr lang="it-IT" dirty="0"/>
-              <a:t> for SAR_TO_NDVI (</a:t>
-            </a:r>
-            <a:r>
-              <a:rPr lang="it-IT" dirty="0" err="1"/>
-              <a:t>Residual-Attention</a:t>
-            </a:r>
-            <a:r>
-              <a:rPr lang="it-IT" dirty="0"/>
+          <p:cNvPr id="9" name="Rettangolo 8">
+            <a:extLst>
+              <a:ext uri="{FF2B5EF4-FFF2-40B4-BE49-F238E27FC236}">
+                <a16:creationId xmlns:a16="http://schemas.microsoft.com/office/drawing/2014/main" id="{1F79E3C4-0694-4233-553F-8AA9C00D5D4C}"/>
+              </a:ext>
+            </a:extLst>
+          </p:cNvPr>
+          <p:cNvSpPr/>
+          <p:nvPr/>
+        </p:nvSpPr>
+        <p:spPr>
+          <a:xfrm>
+            <a:off x="4444691" y="2318897"/>
+            <a:ext cx="2563951" cy="2220206"/>
+          </a:xfrm>
+          <a:prstGeom prst="rect">
+            <a:avLst/>
+          </a:prstGeom>
+          <a:solidFill>
+            <a:srgbClr val="FFC000"/>
+          </a:solidFill>
+          <a:ln>
+            <a:solidFill>
+              <a:schemeClr val="accent2">
+                <a:lumMod val="50000"/>
+              </a:schemeClr>
+            </a:solidFill>
+          </a:ln>
+        </p:spPr>
+        <p:style>
+          <a:lnRef idx="2">
+            <a:schemeClr val="accent1">
+              <a:shade val="15000"/>
+            </a:schemeClr>
+          </a:lnRef>
+          <a:fillRef idx="1">
+            <a:schemeClr val="accent1"/>
+          </a:fillRef>
+          <a:effectRef idx="0">
+            <a:schemeClr val="accent1"/>
+          </a:effectRef>
+          <a:fontRef idx="minor">
+            <a:schemeClr val="lt1"/>
+          </a:fontRef>
+        </p:style>
+        <p:txBody>
+          <a:bodyPr rtlCol="0" anchor="ctr"/>
+          <a:lstStyle/>
+          <a:p>
+            <a:pPr algn="ctr"/>
+            <a:endParaRPr lang="it-IT" dirty="0"/>
+          </a:p>
+        </p:txBody>
+      </p:sp>
+      <p:cxnSp>
+        <p:nvCxnSpPr>
+          <p:cNvPr id="10" name="Connettore 2 9">
+            <a:extLst>
+              <a:ext uri="{FF2B5EF4-FFF2-40B4-BE49-F238E27FC236}">
+                <a16:creationId xmlns:a16="http://schemas.microsoft.com/office/drawing/2014/main" id="{E963D25B-1255-D8DB-6A0D-08B72930DD88}"/>
+              </a:ext>
+            </a:extLst>
+          </p:cNvPr>
+          <p:cNvCxnSpPr>
+            <a:cxnSpLocks/>
+          </p:cNvCxnSpPr>
+          <p:nvPr/>
+        </p:nvCxnSpPr>
+        <p:spPr>
+          <a:xfrm flipV="1">
+            <a:off x="4471413" y="2788864"/>
+            <a:ext cx="415132" cy="1184814"/>
+          </a:xfrm>
+          <a:prstGeom prst="straightConnector1">
+            <a:avLst/>
+          </a:prstGeom>
+          <a:ln w="25400" cmpd="sng">
+            <a:tailEnd type="triangle"/>
+          </a:ln>
+        </p:spPr>
+        <p:style>
+          <a:lnRef idx="2">
+            <a:schemeClr val="dk1"/>
+          </a:lnRef>
+          <a:fillRef idx="0">
+            <a:schemeClr val="dk1"/>
+          </a:fillRef>
+          <a:effectRef idx="1">
+            <a:schemeClr val="dk1"/>
+          </a:effectRef>
+          <a:fontRef idx="minor">
+            <a:schemeClr val="tx1"/>
+          </a:fontRef>
+        </p:style>
+      </p:cxnSp>
+      <p:cxnSp>
+        <p:nvCxnSpPr>
+          <p:cNvPr id="12" name="Connettore 2 11">
+            <a:extLst>
+              <a:ext uri="{FF2B5EF4-FFF2-40B4-BE49-F238E27FC236}">
+                <a16:creationId xmlns:a16="http://schemas.microsoft.com/office/drawing/2014/main" id="{00BD0531-E873-5F28-C06D-2E82CFE1F8C6}"/>
+              </a:ext>
+            </a:extLst>
+          </p:cNvPr>
+          <p:cNvCxnSpPr>
+            <a:cxnSpLocks/>
+            <a:endCxn id="13" idx="2"/>
+          </p:cNvCxnSpPr>
+          <p:nvPr/>
+        </p:nvCxnSpPr>
+        <p:spPr>
+          <a:xfrm>
+            <a:off x="4444691" y="3981016"/>
+            <a:ext cx="749357" cy="0"/>
+          </a:xfrm>
+          <a:prstGeom prst="straightConnector1">
+            <a:avLst/>
+          </a:prstGeom>
+          <a:ln w="25400" cmpd="sng">
+            <a:tailEnd type="triangle"/>
+          </a:ln>
+        </p:spPr>
+        <p:style>
+          <a:lnRef idx="2">
+            <a:schemeClr val="dk1"/>
+          </a:lnRef>
+          <a:fillRef idx="0">
+            <a:schemeClr val="dk1"/>
+          </a:fillRef>
+          <a:effectRef idx="1">
+            <a:schemeClr val="dk1"/>
+          </a:effectRef>
+          <a:fontRef idx="minor">
+            <a:schemeClr val="tx1"/>
+          </a:fontRef>
+        </p:style>
+      </p:cxnSp>
+      <p:sp>
+        <p:nvSpPr>
+          <p:cNvPr id="13" name="Rettangolo 12">
+            <a:extLst>
+              <a:ext uri="{FF2B5EF4-FFF2-40B4-BE49-F238E27FC236}">
+                <a16:creationId xmlns:a16="http://schemas.microsoft.com/office/drawing/2014/main" id="{D70295F4-0A2E-1DF5-923D-37BB5EBE640E}"/>
+              </a:ext>
+            </a:extLst>
+          </p:cNvPr>
+          <p:cNvSpPr/>
+          <p:nvPr/>
+        </p:nvSpPr>
+        <p:spPr>
+          <a:xfrm rot="5400000">
+            <a:off x="4987716" y="3846652"/>
+            <a:ext cx="681389" cy="268726"/>
+          </a:xfrm>
+          <a:prstGeom prst="rect">
+            <a:avLst/>
+          </a:prstGeom>
+          <a:solidFill>
+            <a:schemeClr val="accent2"/>
+          </a:solidFill>
+        </p:spPr>
+        <p:style>
+          <a:lnRef idx="2">
+            <a:schemeClr val="accent1">
+              <a:shade val="15000"/>
+            </a:schemeClr>
+          </a:lnRef>
+          <a:fillRef idx="1">
+            <a:schemeClr val="accent1"/>
+          </a:fillRef>
+          <a:effectRef idx="0">
+            <a:schemeClr val="accent1"/>
+          </a:effectRef>
+          <a:fontRef idx="minor">
+            <a:schemeClr val="lt1"/>
+          </a:fontRef>
+        </p:style>
+        <p:txBody>
+          <a:bodyPr rtlCol="0" anchor="ctr"/>
+          <a:lstStyle/>
+          <a:p>
+            <a:pPr algn="ctr"/>
+            <a:r>
+              <a:rPr lang="it-IT" sz="1000" b="1" dirty="0">
+                <a:solidFill>
+                  <a:schemeClr val="tx1"/>
+                </a:solidFill>
+              </a:rPr>
+              <a:t>Conv2D</a:t>
+            </a:r>
+          </a:p>
+        </p:txBody>
+      </p:sp>
+      <p:sp>
+        <p:nvSpPr>
+          <p:cNvPr id="28" name="Rettangolo 27">
+            <a:extLst>
+              <a:ext uri="{FF2B5EF4-FFF2-40B4-BE49-F238E27FC236}">
+                <a16:creationId xmlns:a16="http://schemas.microsoft.com/office/drawing/2014/main" id="{44F1B633-FD00-5301-3E57-72D2DD5317BF}"/>
+              </a:ext>
+            </a:extLst>
+          </p:cNvPr>
+          <p:cNvSpPr/>
+          <p:nvPr/>
+        </p:nvSpPr>
+        <p:spPr>
+          <a:xfrm rot="5400000">
+            <a:off x="4728416" y="2601975"/>
+            <a:ext cx="690035" cy="373778"/>
+          </a:xfrm>
+          <a:prstGeom prst="rect">
+            <a:avLst/>
+          </a:prstGeom>
+          <a:solidFill>
+            <a:srgbClr val="0096FF"/>
+          </a:solidFill>
+        </p:spPr>
+        <p:style>
+          <a:lnRef idx="2">
+            <a:schemeClr val="accent1">
+              <a:shade val="15000"/>
+            </a:schemeClr>
+          </a:lnRef>
+          <a:fillRef idx="1">
+            <a:schemeClr val="accent1"/>
+          </a:fillRef>
+          <a:effectRef idx="0">
+            <a:schemeClr val="accent1"/>
+          </a:effectRef>
+          <a:fontRef idx="minor">
+            <a:schemeClr val="lt1"/>
+          </a:fontRef>
+        </p:style>
+        <p:txBody>
+          <a:bodyPr rtlCol="0" anchor="ctr"/>
+          <a:lstStyle/>
+          <a:p>
+            <a:pPr algn="ctr"/>
+            <a:r>
+              <a:rPr lang="it-IT" sz="1300" b="1" dirty="0">
+                <a:solidFill>
+                  <a:schemeClr val="tx1"/>
+                </a:solidFill>
+              </a:rPr>
+              <a:t>Group Norm</a:t>
+            </a:r>
+          </a:p>
+        </p:txBody>
+      </p:sp>
+      <p:sp>
+        <p:nvSpPr>
+          <p:cNvPr id="29" name="Rettangolo 28">
+            <a:extLst>
+              <a:ext uri="{FF2B5EF4-FFF2-40B4-BE49-F238E27FC236}">
+                <a16:creationId xmlns:a16="http://schemas.microsoft.com/office/drawing/2014/main" id="{F488E94F-842C-B21F-F8AB-CB61FBAA759E}"/>
+              </a:ext>
+            </a:extLst>
+          </p:cNvPr>
+          <p:cNvSpPr/>
+          <p:nvPr/>
+        </p:nvSpPr>
+        <p:spPr>
+          <a:xfrm rot="5400000">
+            <a:off x="5241774" y="2658825"/>
+            <a:ext cx="681389" cy="268726"/>
+          </a:xfrm>
+          <a:prstGeom prst="rect">
+            <a:avLst/>
+          </a:prstGeom>
+          <a:solidFill>
+            <a:schemeClr val="accent2"/>
+          </a:solidFill>
+        </p:spPr>
+        <p:style>
+          <a:lnRef idx="2">
+            <a:schemeClr val="accent1">
+              <a:shade val="15000"/>
+            </a:schemeClr>
+          </a:lnRef>
+          <a:fillRef idx="1">
+            <a:schemeClr val="accent1"/>
+          </a:fillRef>
+          <a:effectRef idx="0">
+            <a:schemeClr val="accent1"/>
+          </a:effectRef>
+          <a:fontRef idx="minor">
+            <a:schemeClr val="lt1"/>
+          </a:fontRef>
+        </p:style>
+        <p:txBody>
+          <a:bodyPr rtlCol="0" anchor="ctr"/>
+          <a:lstStyle/>
+          <a:p>
+            <a:pPr algn="ctr"/>
+            <a:r>
+              <a:rPr lang="it-IT" sz="1000" b="1" dirty="0">
+                <a:solidFill>
+                  <a:schemeClr val="tx1"/>
+                </a:solidFill>
+              </a:rPr>
+              <a:t>Conv2D</a:t>
+            </a:r>
+          </a:p>
+        </p:txBody>
+      </p:sp>
+      <p:sp>
+        <p:nvSpPr>
+          <p:cNvPr id="33" name="Rettangolo 32">
+            <a:extLst>
+              <a:ext uri="{FF2B5EF4-FFF2-40B4-BE49-F238E27FC236}">
+                <a16:creationId xmlns:a16="http://schemas.microsoft.com/office/drawing/2014/main" id="{352BBAF9-B1DF-3321-77CE-285961C599FC}"/>
+              </a:ext>
+            </a:extLst>
+          </p:cNvPr>
+          <p:cNvSpPr/>
+          <p:nvPr/>
+        </p:nvSpPr>
+        <p:spPr>
+          <a:xfrm rot="5400000">
+            <a:off x="5740627" y="2615663"/>
+            <a:ext cx="632785" cy="306098"/>
+          </a:xfrm>
+          <a:prstGeom prst="rect">
+            <a:avLst/>
+          </a:prstGeom>
+          <a:solidFill>
+            <a:srgbClr val="FFFD78"/>
+          </a:solidFill>
+        </p:spPr>
+        <p:style>
+          <a:lnRef idx="2">
+            <a:schemeClr val="accent1">
+              <a:shade val="15000"/>
+            </a:schemeClr>
+          </a:lnRef>
+          <a:fillRef idx="1">
+            <a:schemeClr val="accent1"/>
+          </a:fillRef>
+          <a:effectRef idx="0">
+            <a:schemeClr val="accent1"/>
+          </a:effectRef>
+          <a:fontRef idx="minor">
+            <a:schemeClr val="lt1"/>
+          </a:fontRef>
+        </p:style>
+        <p:txBody>
+          <a:bodyPr rtlCol="0" anchor="ctr"/>
+          <a:lstStyle/>
+          <a:p>
+            <a:pPr algn="ctr"/>
+            <a:r>
+              <a:rPr lang="it-IT" sz="1100" b="1" dirty="0" err="1">
+                <a:solidFill>
+                  <a:schemeClr val="tx1"/>
+                </a:solidFill>
+              </a:rPr>
+              <a:t>Swish</a:t>
+            </a:r>
+            <a:endParaRPr lang="it-IT" sz="1100" b="1" dirty="0">
+              <a:solidFill>
+                <a:schemeClr val="tx1"/>
+              </a:solidFill>
+            </a:endParaRPr>
+          </a:p>
+        </p:txBody>
+      </p:sp>
+      <p:cxnSp>
+        <p:nvCxnSpPr>
+          <p:cNvPr id="34" name="Connettore 2 33">
+            <a:extLst>
+              <a:ext uri="{FF2B5EF4-FFF2-40B4-BE49-F238E27FC236}">
+                <a16:creationId xmlns:a16="http://schemas.microsoft.com/office/drawing/2014/main" id="{CCF31081-7111-8C7E-DACD-FBE206FDD083}"/>
+              </a:ext>
+            </a:extLst>
+          </p:cNvPr>
+          <p:cNvCxnSpPr>
+            <a:cxnSpLocks/>
+            <a:stCxn id="28" idx="0"/>
+            <a:endCxn id="29" idx="2"/>
+          </p:cNvCxnSpPr>
+          <p:nvPr/>
+        </p:nvCxnSpPr>
+        <p:spPr>
+          <a:xfrm>
+            <a:off x="5260323" y="2788865"/>
+            <a:ext cx="187783" cy="4324"/>
+          </a:xfrm>
+          <a:prstGeom prst="straightConnector1">
+            <a:avLst/>
+          </a:prstGeom>
+          <a:ln w="25400" cmpd="sng">
+            <a:tailEnd type="triangle"/>
+          </a:ln>
+        </p:spPr>
+        <p:style>
+          <a:lnRef idx="2">
+            <a:schemeClr val="dk1"/>
+          </a:lnRef>
+          <a:fillRef idx="0">
+            <a:schemeClr val="dk1"/>
+          </a:fillRef>
+          <a:effectRef idx="1">
+            <a:schemeClr val="dk1"/>
+          </a:effectRef>
+          <a:fontRef idx="minor">
+            <a:schemeClr val="tx1"/>
+          </a:fontRef>
+        </p:style>
+      </p:cxnSp>
+      <p:cxnSp>
+        <p:nvCxnSpPr>
+          <p:cNvPr id="37" name="Connettore 2 36">
+            <a:extLst>
+              <a:ext uri="{FF2B5EF4-FFF2-40B4-BE49-F238E27FC236}">
+                <a16:creationId xmlns:a16="http://schemas.microsoft.com/office/drawing/2014/main" id="{0DA0B5C3-D40D-DFBB-D07D-AF964863BE55}"/>
+              </a:ext>
+            </a:extLst>
+          </p:cNvPr>
+          <p:cNvCxnSpPr>
+            <a:cxnSpLocks/>
+          </p:cNvCxnSpPr>
+          <p:nvPr/>
+        </p:nvCxnSpPr>
+        <p:spPr>
+          <a:xfrm>
+            <a:off x="5716832" y="2800856"/>
+            <a:ext cx="170893" cy="16709"/>
+          </a:xfrm>
+          <a:prstGeom prst="straightConnector1">
+            <a:avLst/>
+          </a:prstGeom>
+          <a:ln w="25400" cmpd="sng">
+            <a:tailEnd type="triangle"/>
+          </a:ln>
+        </p:spPr>
+        <p:style>
+          <a:lnRef idx="2">
+            <a:schemeClr val="dk1"/>
+          </a:lnRef>
+          <a:fillRef idx="0">
+            <a:schemeClr val="dk1"/>
+          </a:fillRef>
+          <a:effectRef idx="1">
+            <a:schemeClr val="dk1"/>
+          </a:effectRef>
+          <a:fontRef idx="minor">
+            <a:schemeClr val="tx1"/>
+          </a:fontRef>
+        </p:style>
+      </p:cxnSp>
+      <p:sp>
+        <p:nvSpPr>
+          <p:cNvPr id="40" name="OR 31">
+            <a:extLst>
+              <a:ext uri="{FF2B5EF4-FFF2-40B4-BE49-F238E27FC236}">
+                <a16:creationId xmlns:a16="http://schemas.microsoft.com/office/drawing/2014/main" id="{014D121D-400C-32C0-1046-CA17EF0CAB17}"/>
+              </a:ext>
+            </a:extLst>
+          </p:cNvPr>
+          <p:cNvSpPr/>
+          <p:nvPr/>
+        </p:nvSpPr>
+        <p:spPr>
+          <a:xfrm>
+            <a:off x="6401762" y="3879250"/>
+            <a:ext cx="180936" cy="188858"/>
+          </a:xfrm>
+          <a:prstGeom prst="flowChartOr">
+            <a:avLst/>
+          </a:prstGeom>
+          <a:ln/>
+        </p:spPr>
+        <p:style>
+          <a:lnRef idx="2">
+            <a:schemeClr val="dk1"/>
+          </a:lnRef>
+          <a:fillRef idx="1">
+            <a:schemeClr val="lt1"/>
+          </a:fillRef>
+          <a:effectRef idx="0">
+            <a:schemeClr val="dk1"/>
+          </a:effectRef>
+          <a:fontRef idx="minor">
+            <a:schemeClr val="dk1"/>
+          </a:fontRef>
+        </p:style>
+        <p:txBody>
+          <a:bodyPr rtlCol="0" anchor="ctr"/>
+          <a:lstStyle/>
+          <a:p>
+            <a:pPr algn="ctr"/>
+            <a:endParaRPr lang="it-IT"/>
+          </a:p>
+        </p:txBody>
+      </p:sp>
+      <p:cxnSp>
+        <p:nvCxnSpPr>
+          <p:cNvPr id="41" name="Connettore 2 40">
+            <a:extLst>
+              <a:ext uri="{FF2B5EF4-FFF2-40B4-BE49-F238E27FC236}">
+                <a16:creationId xmlns:a16="http://schemas.microsoft.com/office/drawing/2014/main" id="{24BB175A-970A-A7CF-7712-B6D72893E2D2}"/>
+              </a:ext>
+            </a:extLst>
+          </p:cNvPr>
+          <p:cNvCxnSpPr>
+            <a:cxnSpLocks/>
+            <a:stCxn id="13" idx="0"/>
+            <a:endCxn id="40" idx="2"/>
+          </p:cNvCxnSpPr>
+          <p:nvPr/>
+        </p:nvCxnSpPr>
+        <p:spPr>
+          <a:xfrm flipV="1">
+            <a:off x="5462774" y="3973679"/>
+            <a:ext cx="938988" cy="7337"/>
+          </a:xfrm>
+          <a:prstGeom prst="straightConnector1">
+            <a:avLst/>
+          </a:prstGeom>
+          <a:ln w="25400" cmpd="sng">
+            <a:tailEnd type="triangle"/>
+          </a:ln>
+        </p:spPr>
+        <p:style>
+          <a:lnRef idx="2">
+            <a:schemeClr val="dk1"/>
+          </a:lnRef>
+          <a:fillRef idx="0">
+            <a:schemeClr val="dk1"/>
+          </a:fillRef>
+          <a:effectRef idx="1">
+            <a:schemeClr val="dk1"/>
+          </a:effectRef>
+          <a:fontRef idx="minor">
+            <a:schemeClr val="tx1"/>
+          </a:fontRef>
+        </p:style>
+      </p:cxnSp>
+      <p:cxnSp>
+        <p:nvCxnSpPr>
+          <p:cNvPr id="45" name="Connettore 2 44">
+            <a:extLst>
+              <a:ext uri="{FF2B5EF4-FFF2-40B4-BE49-F238E27FC236}">
+                <a16:creationId xmlns:a16="http://schemas.microsoft.com/office/drawing/2014/main" id="{1A73E941-BAF3-E23F-C4EE-E477F974EB4B}"/>
+              </a:ext>
+            </a:extLst>
+          </p:cNvPr>
+          <p:cNvCxnSpPr>
+            <a:cxnSpLocks/>
+            <a:stCxn id="50" idx="3"/>
+            <a:endCxn id="40" idx="0"/>
+          </p:cNvCxnSpPr>
+          <p:nvPr/>
+        </p:nvCxnSpPr>
+        <p:spPr>
+          <a:xfrm flipH="1">
+            <a:off x="6492230" y="3466035"/>
+            <a:ext cx="68719" cy="413215"/>
+          </a:xfrm>
+          <a:prstGeom prst="straightConnector1">
+            <a:avLst/>
+          </a:prstGeom>
+          <a:ln w="25400" cmpd="sng">
+            <a:tailEnd type="triangle"/>
+          </a:ln>
+        </p:spPr>
+        <p:style>
+          <a:lnRef idx="2">
+            <a:schemeClr val="dk1"/>
+          </a:lnRef>
+          <a:fillRef idx="0">
+            <a:schemeClr val="dk1"/>
+          </a:fillRef>
+          <a:effectRef idx="1">
+            <a:schemeClr val="dk1"/>
+          </a:effectRef>
+          <a:fontRef idx="minor">
+            <a:schemeClr val="tx1"/>
+          </a:fontRef>
+        </p:style>
+      </p:cxnSp>
+      <p:sp>
+        <p:nvSpPr>
+          <p:cNvPr id="50" name="Rettangolo 49">
+            <a:extLst>
+              <a:ext uri="{FF2B5EF4-FFF2-40B4-BE49-F238E27FC236}">
+                <a16:creationId xmlns:a16="http://schemas.microsoft.com/office/drawing/2014/main" id="{BAF54556-5D1C-2185-4CF6-7DBD6AA19B6E}"/>
+              </a:ext>
+            </a:extLst>
+          </p:cNvPr>
+          <p:cNvSpPr/>
+          <p:nvPr/>
+        </p:nvSpPr>
+        <p:spPr>
+          <a:xfrm rot="5400000">
+            <a:off x="6062532" y="2780729"/>
+            <a:ext cx="996833" cy="373778"/>
+          </a:xfrm>
+          <a:prstGeom prst="rect">
+            <a:avLst/>
+          </a:prstGeom>
+          <a:solidFill>
+            <a:srgbClr val="92D050"/>
+          </a:solidFill>
+        </p:spPr>
+        <p:style>
+          <a:lnRef idx="2">
+            <a:schemeClr val="accent1">
+              <a:shade val="15000"/>
+            </a:schemeClr>
+          </a:lnRef>
+          <a:fillRef idx="1">
+            <a:schemeClr val="accent1"/>
+          </a:fillRef>
+          <a:effectRef idx="0">
+            <a:schemeClr val="accent1"/>
+          </a:effectRef>
+          <a:fontRef idx="minor">
+            <a:schemeClr val="lt1"/>
+          </a:fontRef>
+        </p:style>
+        <p:txBody>
+          <a:bodyPr rtlCol="0" anchor="ctr"/>
+          <a:lstStyle/>
+          <a:p>
+            <a:pPr algn="ctr"/>
+            <a:r>
+              <a:rPr lang="it-IT" sz="1200" b="1" dirty="0">
+                <a:solidFill>
+                  <a:schemeClr val="tx1"/>
+                </a:solidFill>
+              </a:rPr>
+              <a:t>ATTENTION</a:t>
+            </a:r>
+          </a:p>
+          <a:p>
+            <a:pPr algn="ctr"/>
+            <a:r>
+              <a:rPr lang="it-IT" sz="1200" b="1" dirty="0">
+                <a:solidFill>
+                  <a:schemeClr val="tx1"/>
+                </a:solidFill>
+              </a:rPr>
+              <a:t>BLOCK</a:t>
+            </a:r>
+          </a:p>
+        </p:txBody>
+      </p:sp>
+      <p:cxnSp>
+        <p:nvCxnSpPr>
+          <p:cNvPr id="54" name="Connettore 2 53">
+            <a:extLst>
+              <a:ext uri="{FF2B5EF4-FFF2-40B4-BE49-F238E27FC236}">
+                <a16:creationId xmlns:a16="http://schemas.microsoft.com/office/drawing/2014/main" id="{EC112AA5-85F0-12D9-2CBD-E8C0BBB4DDDB}"/>
+              </a:ext>
+            </a:extLst>
+          </p:cNvPr>
+          <p:cNvCxnSpPr>
+            <a:cxnSpLocks/>
+            <a:stCxn id="33" idx="0"/>
+            <a:endCxn id="50" idx="2"/>
+          </p:cNvCxnSpPr>
+          <p:nvPr/>
+        </p:nvCxnSpPr>
+        <p:spPr>
+          <a:xfrm>
+            <a:off x="6210069" y="2768713"/>
+            <a:ext cx="163991" cy="198906"/>
+          </a:xfrm>
+          <a:prstGeom prst="straightConnector1">
+            <a:avLst/>
+          </a:prstGeom>
+          <a:ln w="25400" cmpd="sng">
+            <a:tailEnd type="triangle"/>
+          </a:ln>
+        </p:spPr>
+        <p:style>
+          <a:lnRef idx="2">
+            <a:schemeClr val="dk1"/>
+          </a:lnRef>
+          <a:fillRef idx="0">
+            <a:schemeClr val="dk1"/>
+          </a:fillRef>
+          <a:effectRef idx="1">
+            <a:schemeClr val="dk1"/>
+          </a:effectRef>
+          <a:fontRef idx="minor">
+            <a:schemeClr val="tx1"/>
+          </a:fontRef>
+        </p:style>
+      </p:cxnSp>
+      <p:cxnSp>
+        <p:nvCxnSpPr>
+          <p:cNvPr id="57" name="Connettore 2 56">
+            <a:extLst>
+              <a:ext uri="{FF2B5EF4-FFF2-40B4-BE49-F238E27FC236}">
+                <a16:creationId xmlns:a16="http://schemas.microsoft.com/office/drawing/2014/main" id="{1A1E8664-BEA3-59E4-B4F3-6A29E480F82E}"/>
+              </a:ext>
+            </a:extLst>
+          </p:cNvPr>
+          <p:cNvCxnSpPr>
+            <a:cxnSpLocks/>
+            <a:stCxn id="40" idx="7"/>
+            <a:endCxn id="9" idx="3"/>
+          </p:cNvCxnSpPr>
+          <p:nvPr/>
+        </p:nvCxnSpPr>
+        <p:spPr>
+          <a:xfrm flipV="1">
+            <a:off x="6556201" y="3429000"/>
+            <a:ext cx="452441" cy="477908"/>
+          </a:xfrm>
+          <a:prstGeom prst="straightConnector1">
+            <a:avLst/>
+          </a:prstGeom>
+          <a:ln w="25400" cmpd="sng">
+            <a:tailEnd type="triangle"/>
+          </a:ln>
+        </p:spPr>
+        <p:style>
+          <a:lnRef idx="2">
+            <a:schemeClr val="dk1"/>
+          </a:lnRef>
+          <a:fillRef idx="0">
+            <a:schemeClr val="dk1"/>
+          </a:fillRef>
+          <a:effectRef idx="1">
+            <a:schemeClr val="dk1"/>
+          </a:effectRef>
+          <a:fontRef idx="minor">
+            <a:schemeClr val="tx1"/>
+          </a:fontRef>
+        </p:style>
+      </p:cxnSp>
+      <p:sp>
+        <p:nvSpPr>
+          <p:cNvPr id="64" name="Rettangolo 63">
+            <a:extLst>
+              <a:ext uri="{FF2B5EF4-FFF2-40B4-BE49-F238E27FC236}">
+                <a16:creationId xmlns:a16="http://schemas.microsoft.com/office/drawing/2014/main" id="{6D6A24FD-F300-856A-E806-E6A079A50E4A}"/>
+              </a:ext>
+            </a:extLst>
+          </p:cNvPr>
+          <p:cNvSpPr/>
+          <p:nvPr/>
+        </p:nvSpPr>
+        <p:spPr>
+          <a:xfrm>
+            <a:off x="4998739" y="4200148"/>
+            <a:ext cx="659342" cy="267065"/>
+          </a:xfrm>
+          <a:prstGeom prst="rect">
+            <a:avLst/>
+          </a:prstGeom>
+        </p:spPr>
+        <p:style>
+          <a:lnRef idx="2">
+            <a:schemeClr val="accent1">
+              <a:shade val="15000"/>
+            </a:schemeClr>
+          </a:lnRef>
+          <a:fillRef idx="1">
+            <a:schemeClr val="accent1"/>
+          </a:fillRef>
+          <a:effectRef idx="0">
+            <a:schemeClr val="accent1"/>
+          </a:effectRef>
+          <a:fontRef idx="minor">
+            <a:schemeClr val="lt1"/>
+          </a:fontRef>
+        </p:style>
+        <p:txBody>
+          <a:bodyPr rtlCol="0" anchor="ctr"/>
+          <a:lstStyle/>
+          <a:p>
+            <a:pPr algn="ctr"/>
+            <a:r>
+              <a:rPr lang="it-IT" sz="900" dirty="0" err="1">
+                <a:solidFill>
+                  <a:srgbClr val="FFFF00"/>
+                </a:solidFill>
+              </a:rPr>
+              <a:t>If</a:t>
+            </a:r>
+            <a:r>
+              <a:rPr lang="it-IT" sz="900" dirty="0">
+                <a:solidFill>
+                  <a:srgbClr val="FFFF00"/>
+                </a:solidFill>
+              </a:rPr>
               <a:t> </a:t>
             </a:r>
             <a:r>
-              <a:rPr lang="it-IT" dirty="0" err="1"/>
-              <a:t>Unet</a:t>
-            </a:r>
-            <a:r>
-              <a:rPr lang="it-IT" dirty="0"/>
-              <a:t>)</a:t>
-            </a:r>
-          </a:p>
-        </p:txBody>
-      </p:sp>
-      <p:sp>
-        <p:nvSpPr>
-          <p:cNvPr id="3" name="CasellaDiTesto 2">
-            <a:extLst>
-              <a:ext uri="{FF2B5EF4-FFF2-40B4-BE49-F238E27FC236}">
-                <a16:creationId xmlns:a16="http://schemas.microsoft.com/office/drawing/2014/main" id="{9738B5C7-4709-D65B-CAF7-7FC9C36A9BF4}"/>
+              <a:rPr lang="it-IT" sz="900" dirty="0" err="1">
+                <a:solidFill>
+                  <a:srgbClr val="FFFF00"/>
+                </a:solidFill>
+              </a:rPr>
+              <a:t>shape</a:t>
+            </a:r>
+            <a:r>
+              <a:rPr lang="it-IT" sz="900" dirty="0">
+                <a:solidFill>
+                  <a:srgbClr val="FFFF00"/>
+                </a:solidFill>
+              </a:rPr>
+              <a:t> </a:t>
+            </a:r>
+            <a:r>
+              <a:rPr lang="it-IT" sz="900" dirty="0" err="1">
+                <a:solidFill>
+                  <a:srgbClr val="FFFF00"/>
+                </a:solidFill>
+              </a:rPr>
+              <a:t>different</a:t>
+            </a:r>
+            <a:endParaRPr lang="it-IT" sz="900" dirty="0">
+              <a:solidFill>
+                <a:srgbClr val="FFFF00"/>
+              </a:solidFill>
+            </a:endParaRPr>
+          </a:p>
+        </p:txBody>
+      </p:sp>
+      <p:sp>
+        <p:nvSpPr>
+          <p:cNvPr id="25" name="Rettangolo 24">
+            <a:extLst>
+              <a:ext uri="{FF2B5EF4-FFF2-40B4-BE49-F238E27FC236}">
+                <a16:creationId xmlns:a16="http://schemas.microsoft.com/office/drawing/2014/main" id="{7A5EE884-26BF-23E2-1DC6-3E951CE8ED9F}"/>
+              </a:ext>
+            </a:extLst>
+          </p:cNvPr>
+          <p:cNvSpPr/>
+          <p:nvPr/>
+        </p:nvSpPr>
+        <p:spPr>
+          <a:xfrm rot="5400000">
+            <a:off x="590723" y="3150609"/>
+            <a:ext cx="1684276" cy="234610"/>
+          </a:xfrm>
+          <a:prstGeom prst="rect">
+            <a:avLst/>
+          </a:prstGeom>
+          <a:solidFill>
+            <a:schemeClr val="bg1">
+              <a:lumMod val="75000"/>
+            </a:schemeClr>
+          </a:solidFill>
+        </p:spPr>
+        <p:style>
+          <a:lnRef idx="2">
+            <a:schemeClr val="accent1">
+              <a:shade val="15000"/>
+            </a:schemeClr>
+          </a:lnRef>
+          <a:fillRef idx="1">
+            <a:schemeClr val="accent1"/>
+          </a:fillRef>
+          <a:effectRef idx="0">
+            <a:schemeClr val="accent1"/>
+          </a:effectRef>
+          <a:fontRef idx="minor">
+            <a:schemeClr val="lt1"/>
+          </a:fontRef>
+        </p:style>
+        <p:txBody>
+          <a:bodyPr rtlCol="0" anchor="ctr"/>
+          <a:lstStyle/>
+          <a:p>
+            <a:pPr algn="ctr"/>
+            <a:r>
+              <a:rPr lang="it-IT" dirty="0">
+                <a:solidFill>
+                  <a:schemeClr val="tx1"/>
+                </a:solidFill>
+              </a:rPr>
+              <a:t>ENCODER</a:t>
+            </a:r>
+          </a:p>
+        </p:txBody>
+      </p:sp>
+      <p:sp>
+        <p:nvSpPr>
+          <p:cNvPr id="26" name="Rettangolo 25">
+            <a:extLst>
+              <a:ext uri="{FF2B5EF4-FFF2-40B4-BE49-F238E27FC236}">
+                <a16:creationId xmlns:a16="http://schemas.microsoft.com/office/drawing/2014/main" id="{CF2D406C-ECCA-EED4-CC86-26005926D66D}"/>
+              </a:ext>
+            </a:extLst>
+          </p:cNvPr>
+          <p:cNvSpPr/>
+          <p:nvPr/>
+        </p:nvSpPr>
+        <p:spPr>
+          <a:xfrm rot="5400000">
+            <a:off x="2483812" y="3173651"/>
+            <a:ext cx="1887799" cy="233402"/>
+          </a:xfrm>
+          <a:prstGeom prst="rect">
+            <a:avLst/>
+          </a:prstGeom>
+          <a:solidFill>
+            <a:schemeClr val="accent4">
+              <a:lumMod val="40000"/>
+              <a:lumOff val="60000"/>
+            </a:schemeClr>
+          </a:solidFill>
+        </p:spPr>
+        <p:style>
+          <a:lnRef idx="2">
+            <a:schemeClr val="accent1">
+              <a:shade val="15000"/>
+            </a:schemeClr>
+          </a:lnRef>
+          <a:fillRef idx="1">
+            <a:schemeClr val="accent1"/>
+          </a:fillRef>
+          <a:effectRef idx="0">
+            <a:schemeClr val="accent1"/>
+          </a:effectRef>
+          <a:fontRef idx="minor">
+            <a:schemeClr val="lt1"/>
+          </a:fontRef>
+        </p:style>
+        <p:txBody>
+          <a:bodyPr rtlCol="0" anchor="ctr"/>
+          <a:lstStyle/>
+          <a:p>
+            <a:pPr algn="ctr"/>
+            <a:r>
+              <a:rPr lang="it-IT" dirty="0">
+                <a:solidFill>
+                  <a:schemeClr val="tx1"/>
+                </a:solidFill>
+              </a:rPr>
+              <a:t>DECODER</a:t>
+            </a:r>
+          </a:p>
+        </p:txBody>
+      </p:sp>
+      <p:sp>
+        <p:nvSpPr>
+          <p:cNvPr id="31" name="CasellaDiTesto 30">
+            <a:extLst>
+              <a:ext uri="{FF2B5EF4-FFF2-40B4-BE49-F238E27FC236}">
+                <a16:creationId xmlns:a16="http://schemas.microsoft.com/office/drawing/2014/main" id="{93168254-6D8B-EBD4-0CA7-38D81E004EA5}"/>
               </a:ext>
             </a:extLst>
           </p:cNvPr>
@@ -21601,36 +24873,469 @@
         </p:nvSpPr>
         <p:spPr>
           <a:xfrm>
-            <a:off x="2910509" y="937697"/>
-            <a:ext cx="6097656" cy="707886"/>
+            <a:off x="4693080" y="140364"/>
+            <a:ext cx="2315562" cy="369332"/>
           </a:xfrm>
           <a:prstGeom prst="rect">
             <a:avLst/>
           </a:prstGeom>
-          <a:noFill/>
-        </p:spPr>
-        <p:txBody>
-          <a:bodyPr wrap="square">
+          <a:solidFill>
+            <a:srgbClr val="FFC000"/>
+          </a:solidFill>
+          <a:ln w="19050">
+            <a:solidFill>
+              <a:schemeClr val="accent2">
+                <a:lumMod val="50000"/>
+              </a:schemeClr>
+            </a:solidFill>
+          </a:ln>
+        </p:spPr>
+        <p:txBody>
+          <a:bodyPr wrap="square" rtlCol="0">
             <a:spAutoFit/>
           </a:bodyPr>
           <a:lstStyle/>
           <a:p>
             <a:pPr algn="ctr"/>
             <a:r>
-              <a:rPr lang="it-IT" sz="4000" b="1" dirty="0">
+              <a:rPr lang="it-IT" b="1" i="1" dirty="0" err="1"/>
+              <a:t>DiffiT</a:t>
+            </a:r>
+            <a:r>
+              <a:rPr lang="it-IT" b="1" i="1" dirty="0"/>
+              <a:t> </a:t>
+            </a:r>
+            <a:r>
+              <a:rPr lang="it-IT" b="1" i="1" dirty="0" err="1"/>
+              <a:t>residual</a:t>
+            </a:r>
+            <a:r>
+              <a:rPr lang="it-IT" b="1" i="1" dirty="0"/>
+              <a:t> </a:t>
+            </a:r>
+            <a:r>
+              <a:rPr lang="it-IT" b="1" i="1" dirty="0" err="1"/>
+              <a:t>block</a:t>
+            </a:r>
+            <a:endParaRPr lang="it-IT" b="1" i="1" dirty="0"/>
+          </a:p>
+        </p:txBody>
+      </p:sp>
+      <p:sp>
+        <p:nvSpPr>
+          <p:cNvPr id="35" name="Uguale a 34">
+            <a:extLst>
+              <a:ext uri="{FF2B5EF4-FFF2-40B4-BE49-F238E27FC236}">
+                <a16:creationId xmlns:a16="http://schemas.microsoft.com/office/drawing/2014/main" id="{1229CE66-9D57-7FEE-0305-C5B1987B9AA1}"/>
+              </a:ext>
+            </a:extLst>
+          </p:cNvPr>
+          <p:cNvSpPr/>
+          <p:nvPr/>
+        </p:nvSpPr>
+        <p:spPr>
+          <a:xfrm>
+            <a:off x="1727982" y="3137377"/>
+            <a:ext cx="438124" cy="395987"/>
+          </a:xfrm>
+          <a:prstGeom prst="mathEqual">
+            <a:avLst/>
+          </a:prstGeom>
+        </p:spPr>
+        <p:style>
+          <a:lnRef idx="2">
+            <a:schemeClr val="dk1">
+              <a:shade val="15000"/>
+            </a:schemeClr>
+          </a:lnRef>
+          <a:fillRef idx="1">
+            <a:schemeClr val="dk1"/>
+          </a:fillRef>
+          <a:effectRef idx="0">
+            <a:schemeClr val="dk1"/>
+          </a:effectRef>
+          <a:fontRef idx="minor">
+            <a:schemeClr val="lt1"/>
+          </a:fontRef>
+        </p:style>
+        <p:txBody>
+          <a:bodyPr rtlCol="0" anchor="ctr"/>
+          <a:lstStyle/>
+          <a:p>
+            <a:pPr algn="ctr"/>
+            <a:endParaRPr lang="it-IT" dirty="0">
+              <a:solidFill>
+                <a:schemeClr val="tx1"/>
+              </a:solidFill>
+            </a:endParaRPr>
+          </a:p>
+        </p:txBody>
+      </p:sp>
+      <p:sp>
+        <p:nvSpPr>
+          <p:cNvPr id="38" name="Uguale a 37">
+            <a:extLst>
+              <a:ext uri="{FF2B5EF4-FFF2-40B4-BE49-F238E27FC236}">
+                <a16:creationId xmlns:a16="http://schemas.microsoft.com/office/drawing/2014/main" id="{6BFB8E37-512D-DD1C-E0B1-6C57A0DEDC54}"/>
+              </a:ext>
+            </a:extLst>
+          </p:cNvPr>
+          <p:cNvSpPr/>
+          <p:nvPr/>
+        </p:nvSpPr>
+        <p:spPr>
+          <a:xfrm>
+            <a:off x="3761613" y="3148641"/>
+            <a:ext cx="438124" cy="395987"/>
+          </a:xfrm>
+          <a:prstGeom prst="mathEqual">
+            <a:avLst/>
+          </a:prstGeom>
+        </p:spPr>
+        <p:style>
+          <a:lnRef idx="2">
+            <a:schemeClr val="dk1">
+              <a:shade val="15000"/>
+            </a:schemeClr>
+          </a:lnRef>
+          <a:fillRef idx="1">
+            <a:schemeClr val="dk1"/>
+          </a:fillRef>
+          <a:effectRef idx="0">
+            <a:schemeClr val="dk1"/>
+          </a:effectRef>
+          <a:fontRef idx="minor">
+            <a:schemeClr val="lt1"/>
+          </a:fontRef>
+        </p:style>
+        <p:txBody>
+          <a:bodyPr rtlCol="0" anchor="ctr"/>
+          <a:lstStyle/>
+          <a:p>
+            <a:pPr algn="ctr"/>
+            <a:endParaRPr lang="it-IT" dirty="0">
+              <a:solidFill>
+                <a:schemeClr val="tx1"/>
+              </a:solidFill>
+            </a:endParaRPr>
+          </a:p>
+        </p:txBody>
+      </p:sp>
+      <p:sp>
+        <p:nvSpPr>
+          <p:cNvPr id="42" name="Rettangolo 41">
+            <a:extLst>
+              <a:ext uri="{FF2B5EF4-FFF2-40B4-BE49-F238E27FC236}">
+                <a16:creationId xmlns:a16="http://schemas.microsoft.com/office/drawing/2014/main" id="{F5A66DA0-89FF-2395-EFBB-30EA19E93DD6}"/>
+              </a:ext>
+            </a:extLst>
+          </p:cNvPr>
+          <p:cNvSpPr/>
+          <p:nvPr/>
+        </p:nvSpPr>
+        <p:spPr>
+          <a:xfrm>
+            <a:off x="5077173" y="1371578"/>
+            <a:ext cx="879238" cy="468002"/>
+          </a:xfrm>
+          <a:prstGeom prst="rect">
+            <a:avLst/>
+          </a:prstGeom>
+          <a:solidFill>
+            <a:schemeClr val="accent5">
+              <a:lumMod val="60000"/>
+              <a:lumOff val="40000"/>
+            </a:schemeClr>
+          </a:solidFill>
+        </p:spPr>
+        <p:style>
+          <a:lnRef idx="2">
+            <a:schemeClr val="accent1">
+              <a:shade val="15000"/>
+            </a:schemeClr>
+          </a:lnRef>
+          <a:fillRef idx="1">
+            <a:schemeClr val="accent1"/>
+          </a:fillRef>
+          <a:effectRef idx="0">
+            <a:schemeClr val="accent1"/>
+          </a:effectRef>
+          <a:fontRef idx="minor">
+            <a:schemeClr val="lt1"/>
+          </a:fontRef>
+        </p:style>
+        <p:txBody>
+          <a:bodyPr rtlCol="0" anchor="ctr"/>
+          <a:lstStyle/>
+          <a:p>
+            <a:pPr algn="ctr"/>
+            <a:r>
+              <a:rPr lang="it-IT" sz="1300" dirty="0">
                 <a:solidFill>
-                  <a:schemeClr val="accent6"/>
+                  <a:schemeClr val="tx1"/>
                 </a:solidFill>
               </a:rPr>
-              <a:t>BEST</a:t>
-            </a:r>
+              <a:t>Time MLP</a:t>
+            </a:r>
+          </a:p>
+        </p:txBody>
+      </p:sp>
+      <p:sp>
+        <p:nvSpPr>
+          <p:cNvPr id="43" name="Rettangolo 42">
+            <a:extLst>
+              <a:ext uri="{FF2B5EF4-FFF2-40B4-BE49-F238E27FC236}">
+                <a16:creationId xmlns:a16="http://schemas.microsoft.com/office/drawing/2014/main" id="{518313E2-0829-5288-21CE-98BCD4E9F234}"/>
+              </a:ext>
+            </a:extLst>
+          </p:cNvPr>
+          <p:cNvSpPr/>
+          <p:nvPr/>
+        </p:nvSpPr>
+        <p:spPr>
+          <a:xfrm rot="5400000">
+            <a:off x="6092005" y="1363257"/>
+            <a:ext cx="632785" cy="306098"/>
+          </a:xfrm>
+          <a:prstGeom prst="rect">
+            <a:avLst/>
+          </a:prstGeom>
+          <a:solidFill>
+            <a:srgbClr val="FFFD78"/>
+          </a:solidFill>
+        </p:spPr>
+        <p:style>
+          <a:lnRef idx="2">
+            <a:schemeClr val="accent1">
+              <a:shade val="15000"/>
+            </a:schemeClr>
+          </a:lnRef>
+          <a:fillRef idx="1">
+            <a:schemeClr val="accent1"/>
+          </a:fillRef>
+          <a:effectRef idx="0">
+            <a:schemeClr val="accent1"/>
+          </a:effectRef>
+          <a:fontRef idx="minor">
+            <a:schemeClr val="lt1"/>
+          </a:fontRef>
+        </p:style>
+        <p:txBody>
+          <a:bodyPr rtlCol="0" anchor="ctr"/>
+          <a:lstStyle/>
+          <a:p>
+            <a:pPr algn="ctr"/>
+            <a:r>
+              <a:rPr lang="it-IT" sz="1100" b="1" dirty="0" err="1">
+                <a:solidFill>
+                  <a:schemeClr val="tx1"/>
+                </a:solidFill>
+              </a:rPr>
+              <a:t>Swish</a:t>
+            </a:r>
+            <a:endParaRPr lang="it-IT" sz="1100" b="1" dirty="0">
+              <a:solidFill>
+                <a:schemeClr val="tx1"/>
+              </a:solidFill>
+            </a:endParaRPr>
+          </a:p>
+        </p:txBody>
+      </p:sp>
+      <p:cxnSp>
+        <p:nvCxnSpPr>
+          <p:cNvPr id="44" name="Connettore 2 43">
+            <a:extLst>
+              <a:ext uri="{FF2B5EF4-FFF2-40B4-BE49-F238E27FC236}">
+                <a16:creationId xmlns:a16="http://schemas.microsoft.com/office/drawing/2014/main" id="{04A5CE97-3015-71D9-738F-16BE680A386A}"/>
+              </a:ext>
+            </a:extLst>
+          </p:cNvPr>
+          <p:cNvCxnSpPr>
+            <a:cxnSpLocks/>
+            <a:endCxn id="43" idx="2"/>
+          </p:cNvCxnSpPr>
+          <p:nvPr/>
+        </p:nvCxnSpPr>
+        <p:spPr>
+          <a:xfrm flipV="1">
+            <a:off x="5956411" y="1516307"/>
+            <a:ext cx="298938" cy="79414"/>
+          </a:xfrm>
+          <a:prstGeom prst="straightConnector1">
+            <a:avLst/>
+          </a:prstGeom>
+          <a:ln w="25400" cmpd="sng">
+            <a:tailEnd type="triangle"/>
+          </a:ln>
+        </p:spPr>
+        <p:style>
+          <a:lnRef idx="2">
+            <a:schemeClr val="dk1"/>
+          </a:lnRef>
+          <a:fillRef idx="0">
+            <a:schemeClr val="dk1"/>
+          </a:fillRef>
+          <a:effectRef idx="1">
+            <a:schemeClr val="dk1"/>
+          </a:effectRef>
+          <a:fontRef idx="minor">
+            <a:schemeClr val="tx1"/>
+          </a:fontRef>
+        </p:style>
+      </p:cxnSp>
+      <p:cxnSp>
+        <p:nvCxnSpPr>
+          <p:cNvPr id="46" name="Connettore 2 45">
+            <a:extLst>
+              <a:ext uri="{FF2B5EF4-FFF2-40B4-BE49-F238E27FC236}">
+                <a16:creationId xmlns:a16="http://schemas.microsoft.com/office/drawing/2014/main" id="{39DD8AEC-1859-BE7B-5B50-126A38148B62}"/>
+              </a:ext>
+            </a:extLst>
+          </p:cNvPr>
+          <p:cNvCxnSpPr>
+            <a:cxnSpLocks/>
+            <a:stCxn id="43" idx="3"/>
+            <a:endCxn id="50" idx="1"/>
+          </p:cNvCxnSpPr>
+          <p:nvPr/>
+        </p:nvCxnSpPr>
+        <p:spPr>
+          <a:xfrm>
+            <a:off x="6408398" y="1832699"/>
+            <a:ext cx="152551" cy="636503"/>
+          </a:xfrm>
+          <a:prstGeom prst="straightConnector1">
+            <a:avLst/>
+          </a:prstGeom>
+          <a:ln w="25400" cmpd="sng">
+            <a:tailEnd type="triangle"/>
+          </a:ln>
+        </p:spPr>
+        <p:style>
+          <a:lnRef idx="2">
+            <a:schemeClr val="dk1"/>
+          </a:lnRef>
+          <a:fillRef idx="0">
+            <a:schemeClr val="dk1"/>
+          </a:fillRef>
+          <a:effectRef idx="1">
+            <a:schemeClr val="dk1"/>
+          </a:effectRef>
+          <a:fontRef idx="minor">
+            <a:schemeClr val="tx1"/>
+          </a:fontRef>
+        </p:style>
+      </p:cxnSp>
+      <p:sp>
+        <p:nvSpPr>
+          <p:cNvPr id="49" name="Rettangolo 48">
+            <a:extLst>
+              <a:ext uri="{FF2B5EF4-FFF2-40B4-BE49-F238E27FC236}">
+                <a16:creationId xmlns:a16="http://schemas.microsoft.com/office/drawing/2014/main" id="{D1F2BEEA-5E0C-A764-8DF2-D1EF70C4D92E}"/>
+              </a:ext>
+            </a:extLst>
+          </p:cNvPr>
+          <p:cNvSpPr/>
+          <p:nvPr/>
+        </p:nvSpPr>
+        <p:spPr>
+          <a:xfrm rot="5400000">
+            <a:off x="1654095" y="3150609"/>
+            <a:ext cx="1684276" cy="234610"/>
+          </a:xfrm>
+          <a:prstGeom prst="rect">
+            <a:avLst/>
+          </a:prstGeom>
+          <a:solidFill>
+            <a:schemeClr val="tx2"/>
+          </a:solidFill>
+        </p:spPr>
+        <p:style>
+          <a:lnRef idx="2">
+            <a:schemeClr val="accent1">
+              <a:shade val="15000"/>
+            </a:schemeClr>
+          </a:lnRef>
+          <a:fillRef idx="1">
+            <a:schemeClr val="accent1"/>
+          </a:fillRef>
+          <a:effectRef idx="0">
+            <a:schemeClr val="accent1"/>
+          </a:effectRef>
+          <a:fontRef idx="minor">
+            <a:schemeClr val="lt1"/>
+          </a:fontRef>
+        </p:style>
+        <p:txBody>
+          <a:bodyPr rtlCol="0" anchor="ctr"/>
+          <a:lstStyle/>
+          <a:p>
+            <a:pPr algn="ctr"/>
+            <a:r>
+              <a:rPr lang="it-IT" dirty="0">
+                <a:solidFill>
+                  <a:schemeClr val="bg1"/>
+                </a:solidFill>
+              </a:rPr>
+              <a:t>BOTTLENECK</a:t>
+            </a:r>
+          </a:p>
+        </p:txBody>
+      </p:sp>
+      <p:sp>
+        <p:nvSpPr>
+          <p:cNvPr id="51" name="Uguale a 50">
+            <a:extLst>
+              <a:ext uri="{FF2B5EF4-FFF2-40B4-BE49-F238E27FC236}">
+                <a16:creationId xmlns:a16="http://schemas.microsoft.com/office/drawing/2014/main" id="{AB7C5AC2-D81D-6B3E-A694-C4AF0944A280}"/>
+              </a:ext>
+            </a:extLst>
+          </p:cNvPr>
+          <p:cNvSpPr/>
+          <p:nvPr/>
+        </p:nvSpPr>
+        <p:spPr>
+          <a:xfrm>
+            <a:off x="2799174" y="3155978"/>
+            <a:ext cx="438124" cy="395987"/>
+          </a:xfrm>
+          <a:prstGeom prst="mathEqual">
+            <a:avLst/>
+          </a:prstGeom>
+        </p:spPr>
+        <p:style>
+          <a:lnRef idx="2">
+            <a:schemeClr val="dk1">
+              <a:shade val="15000"/>
+            </a:schemeClr>
+          </a:lnRef>
+          <a:fillRef idx="1">
+            <a:schemeClr val="dk1"/>
+          </a:fillRef>
+          <a:effectRef idx="0">
+            <a:schemeClr val="dk1"/>
+          </a:effectRef>
+          <a:fontRef idx="minor">
+            <a:schemeClr val="lt1"/>
+          </a:fontRef>
+        </p:style>
+        <p:txBody>
+          <a:bodyPr rtlCol="0" anchor="ctr"/>
+          <a:lstStyle/>
+          <a:p>
+            <a:pPr algn="ctr"/>
+            <a:endParaRPr lang="it-IT" dirty="0">
+              <a:solidFill>
+                <a:schemeClr val="tx1"/>
+              </a:solidFill>
+            </a:endParaRPr>
           </a:p>
         </p:txBody>
       </p:sp>
     </p:spTree>
     <p:extLst>
       <p:ext uri="{BB962C8B-B14F-4D97-AF65-F5344CB8AC3E}">
-        <p14:creationId xmlns:p14="http://schemas.microsoft.com/office/powerpoint/2010/main" val="2403364864"/>
+        <p14:creationId xmlns:p14="http://schemas.microsoft.com/office/powerpoint/2010/main" val="332580586"/>
       </p:ext>
     </p:extLst>
   </p:cSld>
@@ -26038,6 +29743,2623 @@
 </file>
 
 <file path=ppt/slides/slide20.xml><?xml version="1.0" encoding="utf-8"?>
+<p:sld xmlns:a="http://schemas.openxmlformats.org/drawingml/2006/main" xmlns:r="http://schemas.openxmlformats.org/officeDocument/2006/relationships" xmlns:p="http://schemas.openxmlformats.org/presentationml/2006/main">
+  <p:cSld>
+    <p:spTree>
+      <p:nvGrpSpPr>
+        <p:cNvPr id="1" name=""/>
+        <p:cNvGrpSpPr/>
+        <p:nvPr/>
+      </p:nvGrpSpPr>
+      <p:grpSpPr>
+        <a:xfrm>
+          <a:off x="0" y="0"/>
+          <a:ext cx="0" cy="0"/>
+          <a:chOff x="0" y="0"/>
+          <a:chExt cx="0" cy="0"/>
+        </a:xfrm>
+      </p:grpSpPr>
+      <p:sp>
+        <p:nvSpPr>
+          <p:cNvPr id="173" name="Rettangolo 172">
+            <a:extLst>
+              <a:ext uri="{FF2B5EF4-FFF2-40B4-BE49-F238E27FC236}">
+                <a16:creationId xmlns:a16="http://schemas.microsoft.com/office/drawing/2014/main" id="{C33ECDBE-F4DB-7722-ADA4-35A2F988F082}"/>
+              </a:ext>
+            </a:extLst>
+          </p:cNvPr>
+          <p:cNvSpPr/>
+          <p:nvPr/>
+        </p:nvSpPr>
+        <p:spPr>
+          <a:xfrm>
+            <a:off x="635632" y="1795202"/>
+            <a:ext cx="3815750" cy="2136932"/>
+          </a:xfrm>
+          <a:prstGeom prst="rect">
+            <a:avLst/>
+          </a:prstGeom>
+          <a:solidFill>
+            <a:srgbClr val="92D050"/>
+          </a:solidFill>
+        </p:spPr>
+        <p:style>
+          <a:lnRef idx="2">
+            <a:schemeClr val="accent1">
+              <a:shade val="15000"/>
+            </a:schemeClr>
+          </a:lnRef>
+          <a:fillRef idx="1">
+            <a:schemeClr val="accent1"/>
+          </a:fillRef>
+          <a:effectRef idx="0">
+            <a:schemeClr val="accent1"/>
+          </a:effectRef>
+          <a:fontRef idx="minor">
+            <a:schemeClr val="lt1"/>
+          </a:fontRef>
+        </p:style>
+        <p:txBody>
+          <a:bodyPr rtlCol="0" anchor="ctr"/>
+          <a:lstStyle/>
+          <a:p>
+            <a:pPr algn="ctr"/>
+            <a:endParaRPr lang="it-IT" sz="2000" b="1" dirty="0">
+              <a:solidFill>
+                <a:schemeClr val="tx1"/>
+              </a:solidFill>
+            </a:endParaRPr>
+          </a:p>
+        </p:txBody>
+      </p:sp>
+      <p:sp>
+        <p:nvSpPr>
+          <p:cNvPr id="147" name="Rettangolo 146">
+            <a:extLst>
+              <a:ext uri="{FF2B5EF4-FFF2-40B4-BE49-F238E27FC236}">
+                <a16:creationId xmlns:a16="http://schemas.microsoft.com/office/drawing/2014/main" id="{1991EBDB-3150-D563-FA1D-62CA08EB73BE}"/>
+              </a:ext>
+            </a:extLst>
+          </p:cNvPr>
+          <p:cNvSpPr/>
+          <p:nvPr/>
+        </p:nvSpPr>
+        <p:spPr>
+          <a:xfrm>
+            <a:off x="5611849" y="848154"/>
+            <a:ext cx="6396121" cy="3758352"/>
+          </a:xfrm>
+          <a:prstGeom prst="rect">
+            <a:avLst/>
+          </a:prstGeom>
+          <a:solidFill>
+            <a:schemeClr val="accent6">
+              <a:lumMod val="75000"/>
+            </a:schemeClr>
+          </a:solidFill>
+        </p:spPr>
+        <p:style>
+          <a:lnRef idx="2">
+            <a:schemeClr val="accent1">
+              <a:shade val="15000"/>
+            </a:schemeClr>
+          </a:lnRef>
+          <a:fillRef idx="1">
+            <a:schemeClr val="accent1"/>
+          </a:fillRef>
+          <a:effectRef idx="0">
+            <a:schemeClr val="accent1"/>
+          </a:effectRef>
+          <a:fontRef idx="minor">
+            <a:schemeClr val="lt1"/>
+          </a:fontRef>
+        </p:style>
+        <p:txBody>
+          <a:bodyPr rtlCol="0" anchor="ctr"/>
+          <a:lstStyle/>
+          <a:p>
+            <a:pPr algn="ctr"/>
+            <a:endParaRPr lang="it-IT" dirty="0"/>
+          </a:p>
+        </p:txBody>
+      </p:sp>
+      <p:sp>
+        <p:nvSpPr>
+          <p:cNvPr id="4" name="Rettangolo 3">
+            <a:extLst>
+              <a:ext uri="{FF2B5EF4-FFF2-40B4-BE49-F238E27FC236}">
+                <a16:creationId xmlns:a16="http://schemas.microsoft.com/office/drawing/2014/main" id="{9BE99B8C-A605-0A80-1DC4-E4F0ECA059EF}"/>
+              </a:ext>
+            </a:extLst>
+          </p:cNvPr>
+          <p:cNvSpPr/>
+          <p:nvPr/>
+        </p:nvSpPr>
+        <p:spPr>
+          <a:xfrm>
+            <a:off x="1060273" y="65336"/>
+            <a:ext cx="2967486" cy="512292"/>
+          </a:xfrm>
+          <a:prstGeom prst="rect">
+            <a:avLst/>
+          </a:prstGeom>
+          <a:solidFill>
+            <a:srgbClr val="92D050"/>
+          </a:solidFill>
+        </p:spPr>
+        <p:style>
+          <a:lnRef idx="2">
+            <a:schemeClr val="accent1">
+              <a:shade val="15000"/>
+            </a:schemeClr>
+          </a:lnRef>
+          <a:fillRef idx="1">
+            <a:schemeClr val="accent1"/>
+          </a:fillRef>
+          <a:effectRef idx="0">
+            <a:schemeClr val="accent1"/>
+          </a:effectRef>
+          <a:fontRef idx="minor">
+            <a:schemeClr val="lt1"/>
+          </a:fontRef>
+        </p:style>
+        <p:txBody>
+          <a:bodyPr rtlCol="0" anchor="ctr"/>
+          <a:lstStyle/>
+          <a:p>
+            <a:pPr algn="ctr"/>
+            <a:r>
+              <a:rPr lang="it-IT" sz="2000" b="1" dirty="0">
+                <a:solidFill>
+                  <a:schemeClr val="tx1"/>
+                </a:solidFill>
+              </a:rPr>
+              <a:t>ATTENTION BLOCK</a:t>
+            </a:r>
+          </a:p>
+        </p:txBody>
+      </p:sp>
+      <p:sp>
+        <p:nvSpPr>
+          <p:cNvPr id="13" name="Rettangolo 12">
+            <a:extLst>
+              <a:ext uri="{FF2B5EF4-FFF2-40B4-BE49-F238E27FC236}">
+                <a16:creationId xmlns:a16="http://schemas.microsoft.com/office/drawing/2014/main" id="{05EEDF34-8023-2DC1-B79D-4835F3B9A220}"/>
+              </a:ext>
+            </a:extLst>
+          </p:cNvPr>
+          <p:cNvSpPr/>
+          <p:nvPr/>
+        </p:nvSpPr>
+        <p:spPr>
+          <a:xfrm>
+            <a:off x="829308" y="1097103"/>
+            <a:ext cx="879238" cy="468002"/>
+          </a:xfrm>
+          <a:prstGeom prst="rect">
+            <a:avLst/>
+          </a:prstGeom>
+          <a:solidFill>
+            <a:schemeClr val="accent5">
+              <a:lumMod val="60000"/>
+              <a:lumOff val="40000"/>
+            </a:schemeClr>
+          </a:solidFill>
+        </p:spPr>
+        <p:style>
+          <a:lnRef idx="2">
+            <a:schemeClr val="accent1">
+              <a:shade val="15000"/>
+            </a:schemeClr>
+          </a:lnRef>
+          <a:fillRef idx="1">
+            <a:schemeClr val="accent1"/>
+          </a:fillRef>
+          <a:effectRef idx="0">
+            <a:schemeClr val="accent1"/>
+          </a:effectRef>
+          <a:fontRef idx="minor">
+            <a:schemeClr val="lt1"/>
+          </a:fontRef>
+        </p:style>
+        <p:txBody>
+          <a:bodyPr rtlCol="0" anchor="ctr"/>
+          <a:lstStyle/>
+          <a:p>
+            <a:pPr algn="ctr"/>
+            <a:r>
+              <a:rPr lang="it-IT" sz="1300" dirty="0">
+                <a:solidFill>
+                  <a:schemeClr val="tx1"/>
+                </a:solidFill>
+              </a:rPr>
+              <a:t>Time MLP</a:t>
+            </a:r>
+          </a:p>
+        </p:txBody>
+      </p:sp>
+      <p:sp>
+        <p:nvSpPr>
+          <p:cNvPr id="14" name="Rettangolo 13">
+            <a:extLst>
+              <a:ext uri="{FF2B5EF4-FFF2-40B4-BE49-F238E27FC236}">
+                <a16:creationId xmlns:a16="http://schemas.microsoft.com/office/drawing/2014/main" id="{02767200-4E0A-01BA-2126-B811522482B5}"/>
+              </a:ext>
+            </a:extLst>
+          </p:cNvPr>
+          <p:cNvSpPr/>
+          <p:nvPr/>
+        </p:nvSpPr>
+        <p:spPr>
+          <a:xfrm rot="5400000">
+            <a:off x="1844140" y="1088782"/>
+            <a:ext cx="632785" cy="306098"/>
+          </a:xfrm>
+          <a:prstGeom prst="rect">
+            <a:avLst/>
+          </a:prstGeom>
+          <a:solidFill>
+            <a:srgbClr val="FFFD78"/>
+          </a:solidFill>
+        </p:spPr>
+        <p:style>
+          <a:lnRef idx="2">
+            <a:schemeClr val="accent1">
+              <a:shade val="15000"/>
+            </a:schemeClr>
+          </a:lnRef>
+          <a:fillRef idx="1">
+            <a:schemeClr val="accent1"/>
+          </a:fillRef>
+          <a:effectRef idx="0">
+            <a:schemeClr val="accent1"/>
+          </a:effectRef>
+          <a:fontRef idx="minor">
+            <a:schemeClr val="lt1"/>
+          </a:fontRef>
+        </p:style>
+        <p:txBody>
+          <a:bodyPr rtlCol="0" anchor="ctr"/>
+          <a:lstStyle/>
+          <a:p>
+            <a:pPr algn="ctr"/>
+            <a:r>
+              <a:rPr lang="it-IT" sz="1100" b="1" dirty="0" err="1">
+                <a:solidFill>
+                  <a:schemeClr val="tx1"/>
+                </a:solidFill>
+              </a:rPr>
+              <a:t>Swish</a:t>
+            </a:r>
+            <a:endParaRPr lang="it-IT" sz="1100" b="1" dirty="0">
+              <a:solidFill>
+                <a:schemeClr val="tx1"/>
+              </a:solidFill>
+            </a:endParaRPr>
+          </a:p>
+        </p:txBody>
+      </p:sp>
+      <p:cxnSp>
+        <p:nvCxnSpPr>
+          <p:cNvPr id="15" name="Connettore 2 14">
+            <a:extLst>
+              <a:ext uri="{FF2B5EF4-FFF2-40B4-BE49-F238E27FC236}">
+                <a16:creationId xmlns:a16="http://schemas.microsoft.com/office/drawing/2014/main" id="{9E0FE766-BDC8-AA5C-EF69-0F9E47A5B717}"/>
+              </a:ext>
+            </a:extLst>
+          </p:cNvPr>
+          <p:cNvCxnSpPr>
+            <a:cxnSpLocks/>
+            <a:endCxn id="14" idx="2"/>
+          </p:cNvCxnSpPr>
+          <p:nvPr/>
+        </p:nvCxnSpPr>
+        <p:spPr>
+          <a:xfrm flipV="1">
+            <a:off x="1708546" y="1241832"/>
+            <a:ext cx="298938" cy="79414"/>
+          </a:xfrm>
+          <a:prstGeom prst="straightConnector1">
+            <a:avLst/>
+          </a:prstGeom>
+          <a:ln w="19050" cmpd="sng">
+            <a:tailEnd type="triangle"/>
+          </a:ln>
+        </p:spPr>
+        <p:style>
+          <a:lnRef idx="2">
+            <a:schemeClr val="dk1"/>
+          </a:lnRef>
+          <a:fillRef idx="0">
+            <a:schemeClr val="dk1"/>
+          </a:fillRef>
+          <a:effectRef idx="1">
+            <a:schemeClr val="dk1"/>
+          </a:effectRef>
+          <a:fontRef idx="minor">
+            <a:schemeClr val="tx1"/>
+          </a:fontRef>
+        </p:style>
+      </p:cxnSp>
+      <p:cxnSp>
+        <p:nvCxnSpPr>
+          <p:cNvPr id="38" name="Connettore 2 37">
+            <a:extLst>
+              <a:ext uri="{FF2B5EF4-FFF2-40B4-BE49-F238E27FC236}">
+                <a16:creationId xmlns:a16="http://schemas.microsoft.com/office/drawing/2014/main" id="{7AC254E6-F2DB-353C-7383-98DE5E54FD28}"/>
+              </a:ext>
+            </a:extLst>
+          </p:cNvPr>
+          <p:cNvCxnSpPr>
+            <a:cxnSpLocks/>
+            <a:stCxn id="14" idx="3"/>
+            <a:endCxn id="180" idx="1"/>
+          </p:cNvCxnSpPr>
+          <p:nvPr/>
+        </p:nvCxnSpPr>
+        <p:spPr>
+          <a:xfrm flipH="1">
+            <a:off x="1745105" y="1558224"/>
+            <a:ext cx="415428" cy="452109"/>
+          </a:xfrm>
+          <a:prstGeom prst="straightConnector1">
+            <a:avLst/>
+          </a:prstGeom>
+          <a:ln w="19050" cmpd="sng">
+            <a:tailEnd type="triangle"/>
+          </a:ln>
+        </p:spPr>
+        <p:style>
+          <a:lnRef idx="2">
+            <a:schemeClr val="dk1"/>
+          </a:lnRef>
+          <a:fillRef idx="0">
+            <a:schemeClr val="dk1"/>
+          </a:fillRef>
+          <a:effectRef idx="1">
+            <a:schemeClr val="dk1"/>
+          </a:effectRef>
+          <a:fontRef idx="minor">
+            <a:schemeClr val="tx1"/>
+          </a:fontRef>
+        </p:style>
+      </p:cxnSp>
+      <p:sp>
+        <p:nvSpPr>
+          <p:cNvPr id="70" name="Rettangolo 69">
+            <a:extLst>
+              <a:ext uri="{FF2B5EF4-FFF2-40B4-BE49-F238E27FC236}">
+                <a16:creationId xmlns:a16="http://schemas.microsoft.com/office/drawing/2014/main" id="{E957EBCF-9587-24BC-0A1D-CD5E966F582E}"/>
+              </a:ext>
+            </a:extLst>
+          </p:cNvPr>
+          <p:cNvSpPr/>
+          <p:nvPr/>
+        </p:nvSpPr>
+        <p:spPr>
+          <a:xfrm>
+            <a:off x="8043386" y="160807"/>
+            <a:ext cx="2237479" cy="381703"/>
+          </a:xfrm>
+          <a:prstGeom prst="rect">
+            <a:avLst/>
+          </a:prstGeom>
+          <a:solidFill>
+            <a:schemeClr val="accent6">
+              <a:lumMod val="75000"/>
+            </a:schemeClr>
+          </a:solidFill>
+        </p:spPr>
+        <p:style>
+          <a:lnRef idx="2">
+            <a:schemeClr val="accent1">
+              <a:shade val="15000"/>
+            </a:schemeClr>
+          </a:lnRef>
+          <a:fillRef idx="1">
+            <a:schemeClr val="accent1"/>
+          </a:fillRef>
+          <a:effectRef idx="0">
+            <a:schemeClr val="accent1"/>
+          </a:effectRef>
+          <a:fontRef idx="minor">
+            <a:schemeClr val="lt1"/>
+          </a:fontRef>
+        </p:style>
+        <p:txBody>
+          <a:bodyPr rtlCol="0" anchor="ctr"/>
+          <a:lstStyle/>
+          <a:p>
+            <a:pPr algn="ctr"/>
+            <a:r>
+              <a:rPr lang="it-IT" dirty="0"/>
+              <a:t>Self </a:t>
+            </a:r>
+            <a:r>
+              <a:rPr lang="it-IT" dirty="0" err="1"/>
+              <a:t>Attention</a:t>
+            </a:r>
+            <a:endParaRPr lang="it-IT" dirty="0"/>
+          </a:p>
+        </p:txBody>
+      </p:sp>
+      <p:sp>
+        <p:nvSpPr>
+          <p:cNvPr id="96" name="Rettangolo 95">
+            <a:extLst>
+              <a:ext uri="{FF2B5EF4-FFF2-40B4-BE49-F238E27FC236}">
+                <a16:creationId xmlns:a16="http://schemas.microsoft.com/office/drawing/2014/main" id="{F5B01975-0074-9C07-5C7F-3CE580AD92C8}"/>
+              </a:ext>
+            </a:extLst>
+          </p:cNvPr>
+          <p:cNvSpPr/>
+          <p:nvPr/>
+        </p:nvSpPr>
+        <p:spPr>
+          <a:xfrm rot="5400000">
+            <a:off x="7904041" y="2202071"/>
+            <a:ext cx="570498" cy="306098"/>
+          </a:xfrm>
+          <a:prstGeom prst="rect">
+            <a:avLst/>
+          </a:prstGeom>
+          <a:solidFill>
+            <a:srgbClr val="FFFD78"/>
+          </a:solidFill>
+        </p:spPr>
+        <p:style>
+          <a:lnRef idx="2">
+            <a:schemeClr val="accent1">
+              <a:shade val="15000"/>
+            </a:schemeClr>
+          </a:lnRef>
+          <a:fillRef idx="1">
+            <a:schemeClr val="accent1"/>
+          </a:fillRef>
+          <a:effectRef idx="0">
+            <a:schemeClr val="accent1"/>
+          </a:effectRef>
+          <a:fontRef idx="minor">
+            <a:schemeClr val="lt1"/>
+          </a:fontRef>
+        </p:style>
+        <p:txBody>
+          <a:bodyPr rtlCol="0" anchor="ctr"/>
+          <a:lstStyle/>
+          <a:p>
+            <a:pPr algn="ctr"/>
+            <a:r>
+              <a:rPr lang="it-IT" sz="1100" b="1" dirty="0" err="1">
+                <a:solidFill>
+                  <a:schemeClr val="tx1"/>
+                </a:solidFill>
+              </a:rPr>
+              <a:t>Swish</a:t>
+            </a:r>
+            <a:endParaRPr lang="it-IT" sz="1100" b="1" dirty="0">
+              <a:solidFill>
+                <a:schemeClr val="tx1"/>
+              </a:solidFill>
+            </a:endParaRPr>
+          </a:p>
+        </p:txBody>
+      </p:sp>
+      <p:sp>
+        <p:nvSpPr>
+          <p:cNvPr id="97" name="OR 9">
+            <a:extLst>
+              <a:ext uri="{FF2B5EF4-FFF2-40B4-BE49-F238E27FC236}">
+                <a16:creationId xmlns:a16="http://schemas.microsoft.com/office/drawing/2014/main" id="{2DB6974D-9860-558B-3FC4-ECDBBD0A4E41}"/>
+              </a:ext>
+            </a:extLst>
+          </p:cNvPr>
+          <p:cNvSpPr/>
+          <p:nvPr/>
+        </p:nvSpPr>
+        <p:spPr>
+          <a:xfrm>
+            <a:off x="7235168" y="2157232"/>
+            <a:ext cx="436338" cy="395776"/>
+          </a:xfrm>
+          <a:prstGeom prst="flowChartOr">
+            <a:avLst/>
+          </a:prstGeom>
+          <a:ln/>
+        </p:spPr>
+        <p:style>
+          <a:lnRef idx="2">
+            <a:schemeClr val="dk1"/>
+          </a:lnRef>
+          <a:fillRef idx="1">
+            <a:schemeClr val="lt1"/>
+          </a:fillRef>
+          <a:effectRef idx="0">
+            <a:schemeClr val="dk1"/>
+          </a:effectRef>
+          <a:fontRef idx="minor">
+            <a:schemeClr val="dk1"/>
+          </a:fontRef>
+        </p:style>
+        <p:txBody>
+          <a:bodyPr rtlCol="0" anchor="ctr"/>
+          <a:lstStyle/>
+          <a:p>
+            <a:pPr algn="ctr"/>
+            <a:endParaRPr lang="it-IT" dirty="0"/>
+          </a:p>
+        </p:txBody>
+      </p:sp>
+      <p:cxnSp>
+        <p:nvCxnSpPr>
+          <p:cNvPr id="98" name="Connettore 2 97">
+            <a:extLst>
+              <a:ext uri="{FF2B5EF4-FFF2-40B4-BE49-F238E27FC236}">
+                <a16:creationId xmlns:a16="http://schemas.microsoft.com/office/drawing/2014/main" id="{B1008335-9230-B6E2-EC32-77E7E1418C2C}"/>
+              </a:ext>
+            </a:extLst>
+          </p:cNvPr>
+          <p:cNvCxnSpPr>
+            <a:cxnSpLocks/>
+            <a:endCxn id="105" idx="2"/>
+          </p:cNvCxnSpPr>
+          <p:nvPr/>
+        </p:nvCxnSpPr>
+        <p:spPr>
+          <a:xfrm>
+            <a:off x="5809258" y="1321246"/>
+            <a:ext cx="527169" cy="1"/>
+          </a:xfrm>
+          <a:prstGeom prst="straightConnector1">
+            <a:avLst/>
+          </a:prstGeom>
+          <a:ln>
+            <a:tailEnd type="triangle"/>
+          </a:ln>
+        </p:spPr>
+        <p:style>
+          <a:lnRef idx="2">
+            <a:schemeClr val="dk1"/>
+          </a:lnRef>
+          <a:fillRef idx="0">
+            <a:schemeClr val="dk1"/>
+          </a:fillRef>
+          <a:effectRef idx="1">
+            <a:schemeClr val="dk1"/>
+          </a:effectRef>
+          <a:fontRef idx="minor">
+            <a:schemeClr val="tx1"/>
+          </a:fontRef>
+        </p:style>
+      </p:cxnSp>
+      <p:sp>
+        <p:nvSpPr>
+          <p:cNvPr id="99" name="CasellaDiTesto 98">
+            <a:extLst>
+              <a:ext uri="{FF2B5EF4-FFF2-40B4-BE49-F238E27FC236}">
+                <a16:creationId xmlns:a16="http://schemas.microsoft.com/office/drawing/2014/main" id="{BB816A0A-9C4C-8A44-6E98-60E9161E7EF6}"/>
+              </a:ext>
+            </a:extLst>
+          </p:cNvPr>
+          <p:cNvSpPr txBox="1"/>
+          <p:nvPr/>
+        </p:nvSpPr>
+        <p:spPr>
+          <a:xfrm>
+            <a:off x="5919217" y="986639"/>
+            <a:ext cx="272067" cy="369332"/>
+          </a:xfrm>
+          <a:prstGeom prst="rect">
+            <a:avLst/>
+          </a:prstGeom>
+          <a:noFill/>
+        </p:spPr>
+        <p:txBody>
+          <a:bodyPr wrap="square" rtlCol="0">
+            <a:spAutoFit/>
+          </a:bodyPr>
+          <a:lstStyle/>
+          <a:p>
+            <a:r>
+              <a:rPr lang="it-IT" dirty="0"/>
+              <a:t>g</a:t>
+            </a:r>
+          </a:p>
+        </p:txBody>
+      </p:sp>
+      <p:cxnSp>
+        <p:nvCxnSpPr>
+          <p:cNvPr id="102" name="Connettore 4 23">
+            <a:extLst>
+              <a:ext uri="{FF2B5EF4-FFF2-40B4-BE49-F238E27FC236}">
+                <a16:creationId xmlns:a16="http://schemas.microsoft.com/office/drawing/2014/main" id="{C8A1CEEB-740B-F643-2943-1A8DFA78FA6C}"/>
+              </a:ext>
+            </a:extLst>
+          </p:cNvPr>
+          <p:cNvCxnSpPr>
+            <a:cxnSpLocks/>
+            <a:endCxn id="97" idx="0"/>
+          </p:cNvCxnSpPr>
+          <p:nvPr/>
+        </p:nvCxnSpPr>
+        <p:spPr>
+          <a:xfrm>
+            <a:off x="6608840" y="1324254"/>
+            <a:ext cx="844497" cy="832978"/>
+          </a:xfrm>
+          <a:prstGeom prst="bentConnector2">
+            <a:avLst/>
+          </a:prstGeom>
+          <a:ln>
+            <a:tailEnd type="triangle"/>
+          </a:ln>
+        </p:spPr>
+        <p:style>
+          <a:lnRef idx="2">
+            <a:schemeClr val="dk1"/>
+          </a:lnRef>
+          <a:fillRef idx="0">
+            <a:schemeClr val="dk1"/>
+          </a:fillRef>
+          <a:effectRef idx="1">
+            <a:schemeClr val="dk1"/>
+          </a:effectRef>
+          <a:fontRef idx="minor">
+            <a:schemeClr val="tx1"/>
+          </a:fontRef>
+        </p:style>
+      </p:cxnSp>
+      <p:cxnSp>
+        <p:nvCxnSpPr>
+          <p:cNvPr id="103" name="Connettore 4 25">
+            <a:extLst>
+              <a:ext uri="{FF2B5EF4-FFF2-40B4-BE49-F238E27FC236}">
+                <a16:creationId xmlns:a16="http://schemas.microsoft.com/office/drawing/2014/main" id="{4606E7AA-CD07-C1E8-874D-79FC32AB6D4F}"/>
+              </a:ext>
+            </a:extLst>
+          </p:cNvPr>
+          <p:cNvCxnSpPr>
+            <a:cxnSpLocks/>
+            <a:endCxn id="97" idx="4"/>
+          </p:cNvCxnSpPr>
+          <p:nvPr/>
+        </p:nvCxnSpPr>
+        <p:spPr>
+          <a:xfrm flipV="1">
+            <a:off x="6608839" y="2553008"/>
+            <a:ext cx="844498" cy="888676"/>
+          </a:xfrm>
+          <a:prstGeom prst="bentConnector2">
+            <a:avLst/>
+          </a:prstGeom>
+          <a:ln>
+            <a:tailEnd type="triangle"/>
+          </a:ln>
+        </p:spPr>
+        <p:style>
+          <a:lnRef idx="2">
+            <a:schemeClr val="dk1"/>
+          </a:lnRef>
+          <a:fillRef idx="0">
+            <a:schemeClr val="dk1"/>
+          </a:fillRef>
+          <a:effectRef idx="1">
+            <a:schemeClr val="dk1"/>
+          </a:effectRef>
+          <a:fontRef idx="minor">
+            <a:schemeClr val="tx1"/>
+          </a:fontRef>
+        </p:style>
+      </p:cxnSp>
+      <p:cxnSp>
+        <p:nvCxnSpPr>
+          <p:cNvPr id="104" name="Connettore 2 103">
+            <a:extLst>
+              <a:ext uri="{FF2B5EF4-FFF2-40B4-BE49-F238E27FC236}">
+                <a16:creationId xmlns:a16="http://schemas.microsoft.com/office/drawing/2014/main" id="{42E71E5A-55DD-57C4-422D-25381B596023}"/>
+              </a:ext>
+            </a:extLst>
+          </p:cNvPr>
+          <p:cNvCxnSpPr>
+            <a:cxnSpLocks/>
+            <a:stCxn id="97" idx="6"/>
+          </p:cNvCxnSpPr>
+          <p:nvPr/>
+        </p:nvCxnSpPr>
+        <p:spPr>
+          <a:xfrm>
+            <a:off x="7671506" y="2355120"/>
+            <a:ext cx="371880" cy="0"/>
+          </a:xfrm>
+          <a:prstGeom prst="straightConnector1">
+            <a:avLst/>
+          </a:prstGeom>
+          <a:ln>
+            <a:tailEnd type="triangle"/>
+          </a:ln>
+        </p:spPr>
+        <p:style>
+          <a:lnRef idx="2">
+            <a:schemeClr val="dk1"/>
+          </a:lnRef>
+          <a:fillRef idx="0">
+            <a:schemeClr val="dk1"/>
+          </a:fillRef>
+          <a:effectRef idx="1">
+            <a:schemeClr val="dk1"/>
+          </a:effectRef>
+          <a:fontRef idx="minor">
+            <a:schemeClr val="tx1"/>
+          </a:fontRef>
+        </p:style>
+      </p:cxnSp>
+      <p:sp>
+        <p:nvSpPr>
+          <p:cNvPr id="105" name="Rettangolo 104">
+            <a:extLst>
+              <a:ext uri="{FF2B5EF4-FFF2-40B4-BE49-F238E27FC236}">
+                <a16:creationId xmlns:a16="http://schemas.microsoft.com/office/drawing/2014/main" id="{33D72722-0AA6-0A30-429F-3668A3343DA2}"/>
+              </a:ext>
+            </a:extLst>
+          </p:cNvPr>
+          <p:cNvSpPr/>
+          <p:nvPr/>
+        </p:nvSpPr>
+        <p:spPr>
+          <a:xfrm rot="5400000">
+            <a:off x="6130095" y="1186883"/>
+            <a:ext cx="681389" cy="268726"/>
+          </a:xfrm>
+          <a:prstGeom prst="rect">
+            <a:avLst/>
+          </a:prstGeom>
+          <a:solidFill>
+            <a:schemeClr val="accent2"/>
+          </a:solidFill>
+        </p:spPr>
+        <p:style>
+          <a:lnRef idx="2">
+            <a:schemeClr val="accent1">
+              <a:shade val="15000"/>
+            </a:schemeClr>
+          </a:lnRef>
+          <a:fillRef idx="1">
+            <a:schemeClr val="accent1"/>
+          </a:fillRef>
+          <a:effectRef idx="0">
+            <a:schemeClr val="accent1"/>
+          </a:effectRef>
+          <a:fontRef idx="minor">
+            <a:schemeClr val="lt1"/>
+          </a:fontRef>
+        </p:style>
+        <p:txBody>
+          <a:bodyPr rtlCol="0" anchor="ctr"/>
+          <a:lstStyle/>
+          <a:p>
+            <a:pPr algn="ctr"/>
+            <a:r>
+              <a:rPr lang="it-IT" sz="1000" b="1" dirty="0">
+                <a:solidFill>
+                  <a:schemeClr val="tx1"/>
+                </a:solidFill>
+              </a:rPr>
+              <a:t>Conv2D</a:t>
+            </a:r>
+          </a:p>
+        </p:txBody>
+      </p:sp>
+      <p:cxnSp>
+        <p:nvCxnSpPr>
+          <p:cNvPr id="107" name="Connettore 2 106">
+            <a:extLst>
+              <a:ext uri="{FF2B5EF4-FFF2-40B4-BE49-F238E27FC236}">
+                <a16:creationId xmlns:a16="http://schemas.microsoft.com/office/drawing/2014/main" id="{FA44E92D-8BB2-4A4A-A3B1-F67F72C4667F}"/>
+              </a:ext>
+            </a:extLst>
+          </p:cNvPr>
+          <p:cNvCxnSpPr>
+            <a:cxnSpLocks/>
+            <a:endCxn id="109" idx="2"/>
+          </p:cNvCxnSpPr>
+          <p:nvPr/>
+        </p:nvCxnSpPr>
+        <p:spPr>
+          <a:xfrm>
+            <a:off x="5809258" y="3429000"/>
+            <a:ext cx="527169" cy="1"/>
+          </a:xfrm>
+          <a:prstGeom prst="straightConnector1">
+            <a:avLst/>
+          </a:prstGeom>
+          <a:ln>
+            <a:tailEnd type="triangle"/>
+          </a:ln>
+        </p:spPr>
+        <p:style>
+          <a:lnRef idx="2">
+            <a:schemeClr val="dk1"/>
+          </a:lnRef>
+          <a:fillRef idx="0">
+            <a:schemeClr val="dk1"/>
+          </a:fillRef>
+          <a:effectRef idx="1">
+            <a:schemeClr val="dk1"/>
+          </a:effectRef>
+          <a:fontRef idx="minor">
+            <a:schemeClr val="tx1"/>
+          </a:fontRef>
+        </p:style>
+      </p:cxnSp>
+      <p:sp>
+        <p:nvSpPr>
+          <p:cNvPr id="108" name="CasellaDiTesto 107">
+            <a:extLst>
+              <a:ext uri="{FF2B5EF4-FFF2-40B4-BE49-F238E27FC236}">
+                <a16:creationId xmlns:a16="http://schemas.microsoft.com/office/drawing/2014/main" id="{A5192E46-122F-2106-3A6B-8F53FFC86000}"/>
+              </a:ext>
+            </a:extLst>
+          </p:cNvPr>
+          <p:cNvSpPr txBox="1"/>
+          <p:nvPr/>
+        </p:nvSpPr>
+        <p:spPr>
+          <a:xfrm>
+            <a:off x="5919217" y="3094393"/>
+            <a:ext cx="272067" cy="369332"/>
+          </a:xfrm>
+          <a:prstGeom prst="rect">
+            <a:avLst/>
+          </a:prstGeom>
+          <a:noFill/>
+        </p:spPr>
+        <p:txBody>
+          <a:bodyPr wrap="square" rtlCol="0">
+            <a:spAutoFit/>
+          </a:bodyPr>
+          <a:lstStyle/>
+          <a:p>
+            <a:r>
+              <a:rPr lang="it-IT" dirty="0"/>
+              <a:t>x</a:t>
+            </a:r>
+          </a:p>
+        </p:txBody>
+      </p:sp>
+      <p:sp>
+        <p:nvSpPr>
+          <p:cNvPr id="109" name="Rettangolo 108">
+            <a:extLst>
+              <a:ext uri="{FF2B5EF4-FFF2-40B4-BE49-F238E27FC236}">
+                <a16:creationId xmlns:a16="http://schemas.microsoft.com/office/drawing/2014/main" id="{37630F72-7E1B-3E79-833F-DCABC9E11966}"/>
+              </a:ext>
+            </a:extLst>
+          </p:cNvPr>
+          <p:cNvSpPr/>
+          <p:nvPr/>
+        </p:nvSpPr>
+        <p:spPr>
+          <a:xfrm rot="5400000">
+            <a:off x="6130095" y="3294637"/>
+            <a:ext cx="681389" cy="268726"/>
+          </a:xfrm>
+          <a:prstGeom prst="rect">
+            <a:avLst/>
+          </a:prstGeom>
+          <a:solidFill>
+            <a:schemeClr val="accent2"/>
+          </a:solidFill>
+        </p:spPr>
+        <p:style>
+          <a:lnRef idx="2">
+            <a:schemeClr val="accent1">
+              <a:shade val="15000"/>
+            </a:schemeClr>
+          </a:lnRef>
+          <a:fillRef idx="1">
+            <a:schemeClr val="accent1"/>
+          </a:fillRef>
+          <a:effectRef idx="0">
+            <a:schemeClr val="accent1"/>
+          </a:effectRef>
+          <a:fontRef idx="minor">
+            <a:schemeClr val="lt1"/>
+          </a:fontRef>
+        </p:style>
+        <p:txBody>
+          <a:bodyPr rtlCol="0" anchor="ctr"/>
+          <a:lstStyle/>
+          <a:p>
+            <a:pPr algn="ctr"/>
+            <a:r>
+              <a:rPr lang="it-IT" sz="1000" b="1" dirty="0">
+                <a:solidFill>
+                  <a:schemeClr val="tx1"/>
+                </a:solidFill>
+              </a:rPr>
+              <a:t>Conv2D</a:t>
+            </a:r>
+          </a:p>
+        </p:txBody>
+      </p:sp>
+      <p:sp>
+        <p:nvSpPr>
+          <p:cNvPr id="112" name="Rettangolo 111">
+            <a:extLst>
+              <a:ext uri="{FF2B5EF4-FFF2-40B4-BE49-F238E27FC236}">
+                <a16:creationId xmlns:a16="http://schemas.microsoft.com/office/drawing/2014/main" id="{AB2A9D12-37C5-7D2D-FBE8-D24E6E1191A9}"/>
+              </a:ext>
+            </a:extLst>
+          </p:cNvPr>
+          <p:cNvSpPr/>
+          <p:nvPr/>
+        </p:nvSpPr>
+        <p:spPr>
+          <a:xfrm rot="5400000">
+            <a:off x="8455586" y="2226534"/>
+            <a:ext cx="681389" cy="268726"/>
+          </a:xfrm>
+          <a:prstGeom prst="rect">
+            <a:avLst/>
+          </a:prstGeom>
+          <a:solidFill>
+            <a:schemeClr val="accent2"/>
+          </a:solidFill>
+        </p:spPr>
+        <p:style>
+          <a:lnRef idx="2">
+            <a:schemeClr val="accent1">
+              <a:shade val="15000"/>
+            </a:schemeClr>
+          </a:lnRef>
+          <a:fillRef idx="1">
+            <a:schemeClr val="accent1"/>
+          </a:fillRef>
+          <a:effectRef idx="0">
+            <a:schemeClr val="accent1"/>
+          </a:effectRef>
+          <a:fontRef idx="minor">
+            <a:schemeClr val="lt1"/>
+          </a:fontRef>
+        </p:style>
+        <p:txBody>
+          <a:bodyPr rtlCol="0" anchor="ctr"/>
+          <a:lstStyle/>
+          <a:p>
+            <a:pPr algn="ctr"/>
+            <a:r>
+              <a:rPr lang="it-IT" sz="1000" b="1" dirty="0">
+                <a:solidFill>
+                  <a:schemeClr val="tx1"/>
+                </a:solidFill>
+              </a:rPr>
+              <a:t>Conv2D</a:t>
+            </a:r>
+          </a:p>
+        </p:txBody>
+      </p:sp>
+      <p:sp>
+        <p:nvSpPr>
+          <p:cNvPr id="113" name="Rettangolo 112">
+            <a:extLst>
+              <a:ext uri="{FF2B5EF4-FFF2-40B4-BE49-F238E27FC236}">
+                <a16:creationId xmlns:a16="http://schemas.microsoft.com/office/drawing/2014/main" id="{84196C08-5F32-002B-7627-0A3A052C8F46}"/>
+              </a:ext>
+            </a:extLst>
+          </p:cNvPr>
+          <p:cNvSpPr/>
+          <p:nvPr/>
+        </p:nvSpPr>
+        <p:spPr>
+          <a:xfrm rot="5400000">
+            <a:off x="8991551" y="2228967"/>
+            <a:ext cx="723627" cy="306098"/>
+          </a:xfrm>
+          <a:prstGeom prst="rect">
+            <a:avLst/>
+          </a:prstGeom>
+          <a:solidFill>
+            <a:srgbClr val="FFFD78"/>
+          </a:solidFill>
+        </p:spPr>
+        <p:style>
+          <a:lnRef idx="2">
+            <a:schemeClr val="accent1">
+              <a:shade val="15000"/>
+            </a:schemeClr>
+          </a:lnRef>
+          <a:fillRef idx="1">
+            <a:schemeClr val="accent1"/>
+          </a:fillRef>
+          <a:effectRef idx="0">
+            <a:schemeClr val="accent1"/>
+          </a:effectRef>
+          <a:fontRef idx="minor">
+            <a:schemeClr val="lt1"/>
+          </a:fontRef>
+        </p:style>
+        <p:txBody>
+          <a:bodyPr rtlCol="0" anchor="ctr"/>
+          <a:lstStyle/>
+          <a:p>
+            <a:pPr algn="ctr"/>
+            <a:r>
+              <a:rPr lang="it-IT" sz="1100" b="1" dirty="0" err="1">
+                <a:solidFill>
+                  <a:schemeClr val="tx1"/>
+                </a:solidFill>
+              </a:rPr>
+              <a:t>Sigmoid</a:t>
+            </a:r>
+            <a:endParaRPr lang="it-IT" sz="1100" b="1" dirty="0">
+              <a:solidFill>
+                <a:schemeClr val="tx1"/>
+              </a:solidFill>
+            </a:endParaRPr>
+          </a:p>
+        </p:txBody>
+      </p:sp>
+      <p:sp>
+        <p:nvSpPr>
+          <p:cNvPr id="114" name="Rettangolo 113">
+            <a:extLst>
+              <a:ext uri="{FF2B5EF4-FFF2-40B4-BE49-F238E27FC236}">
+                <a16:creationId xmlns:a16="http://schemas.microsoft.com/office/drawing/2014/main" id="{AC2CB245-A372-BE12-594B-CFAB9566BFCD}"/>
+              </a:ext>
+            </a:extLst>
+          </p:cNvPr>
+          <p:cNvSpPr/>
+          <p:nvPr/>
+        </p:nvSpPr>
+        <p:spPr>
+          <a:xfrm rot="5400000">
+            <a:off x="9407113" y="2181388"/>
+            <a:ext cx="1235400" cy="414083"/>
+          </a:xfrm>
+          <a:prstGeom prst="rect">
+            <a:avLst/>
+          </a:prstGeom>
+          <a:solidFill>
+            <a:schemeClr val="accent5">
+              <a:lumMod val="60000"/>
+              <a:lumOff val="40000"/>
+            </a:schemeClr>
+          </a:solidFill>
+        </p:spPr>
+        <p:style>
+          <a:lnRef idx="2">
+            <a:schemeClr val="accent1">
+              <a:shade val="15000"/>
+            </a:schemeClr>
+          </a:lnRef>
+          <a:fillRef idx="1">
+            <a:schemeClr val="accent1"/>
+          </a:fillRef>
+          <a:effectRef idx="0">
+            <a:schemeClr val="accent1"/>
+          </a:effectRef>
+          <a:fontRef idx="minor">
+            <a:schemeClr val="lt1"/>
+          </a:fontRef>
+        </p:style>
+        <p:txBody>
+          <a:bodyPr rtlCol="0" anchor="ctr"/>
+          <a:lstStyle/>
+          <a:p>
+            <a:pPr algn="ctr"/>
+            <a:r>
+              <a:rPr lang="it-IT" sz="1300" dirty="0">
+                <a:solidFill>
+                  <a:schemeClr val="tx1"/>
+                </a:solidFill>
+              </a:rPr>
+              <a:t>Channel </a:t>
+            </a:r>
+            <a:r>
+              <a:rPr lang="it-IT" sz="1300" dirty="0" err="1">
+                <a:solidFill>
+                  <a:schemeClr val="tx1"/>
+                </a:solidFill>
+              </a:rPr>
+              <a:t>Repetition</a:t>
+            </a:r>
+            <a:endParaRPr lang="it-IT" sz="1300" dirty="0">
+              <a:solidFill>
+                <a:schemeClr val="tx1"/>
+              </a:solidFill>
+            </a:endParaRPr>
+          </a:p>
+        </p:txBody>
+      </p:sp>
+      <p:sp>
+        <p:nvSpPr>
+          <p:cNvPr id="115" name="CasellaDiTesto 114">
+            <a:extLst>
+              <a:ext uri="{FF2B5EF4-FFF2-40B4-BE49-F238E27FC236}">
+                <a16:creationId xmlns:a16="http://schemas.microsoft.com/office/drawing/2014/main" id="{274E2979-55B7-C370-9568-85574867A415}"/>
+              </a:ext>
+            </a:extLst>
+          </p:cNvPr>
+          <p:cNvSpPr txBox="1"/>
+          <p:nvPr/>
+        </p:nvSpPr>
+        <p:spPr>
+          <a:xfrm>
+            <a:off x="5919216" y="3786504"/>
+            <a:ext cx="272067" cy="369332"/>
+          </a:xfrm>
+          <a:prstGeom prst="rect">
+            <a:avLst/>
+          </a:prstGeom>
+          <a:noFill/>
+        </p:spPr>
+        <p:txBody>
+          <a:bodyPr wrap="square" rtlCol="0">
+            <a:spAutoFit/>
+          </a:bodyPr>
+          <a:lstStyle/>
+          <a:p>
+            <a:r>
+              <a:rPr lang="it-IT" dirty="0"/>
+              <a:t>x</a:t>
+            </a:r>
+          </a:p>
+        </p:txBody>
+      </p:sp>
+      <p:cxnSp>
+        <p:nvCxnSpPr>
+          <p:cNvPr id="117" name="Connettore a gomito 116">
+            <a:extLst>
+              <a:ext uri="{FF2B5EF4-FFF2-40B4-BE49-F238E27FC236}">
+                <a16:creationId xmlns:a16="http://schemas.microsoft.com/office/drawing/2014/main" id="{1EDA2718-404A-79D8-9BA8-5D805E6CCF80}"/>
+              </a:ext>
+            </a:extLst>
+          </p:cNvPr>
+          <p:cNvCxnSpPr>
+            <a:cxnSpLocks/>
+            <a:endCxn id="119" idx="4"/>
+          </p:cNvCxnSpPr>
+          <p:nvPr/>
+        </p:nvCxnSpPr>
+        <p:spPr>
+          <a:xfrm flipV="1">
+            <a:off x="5809258" y="3769695"/>
+            <a:ext cx="4468256" cy="375549"/>
+          </a:xfrm>
+          <a:prstGeom prst="bentConnector2">
+            <a:avLst/>
+          </a:prstGeom>
+          <a:ln>
+            <a:tailEnd type="triangle"/>
+          </a:ln>
+        </p:spPr>
+        <p:style>
+          <a:lnRef idx="2">
+            <a:schemeClr val="dk1"/>
+          </a:lnRef>
+          <a:fillRef idx="0">
+            <a:schemeClr val="dk1"/>
+          </a:fillRef>
+          <a:effectRef idx="1">
+            <a:schemeClr val="dk1"/>
+          </a:effectRef>
+          <a:fontRef idx="minor">
+            <a:schemeClr val="tx1"/>
+          </a:fontRef>
+        </p:style>
+      </p:cxnSp>
+      <p:sp>
+        <p:nvSpPr>
+          <p:cNvPr id="119" name="Somma 118">
+            <a:extLst>
+              <a:ext uri="{FF2B5EF4-FFF2-40B4-BE49-F238E27FC236}">
+                <a16:creationId xmlns:a16="http://schemas.microsoft.com/office/drawing/2014/main" id="{3D081A1D-B93F-81E9-043D-2683DF3654AE}"/>
+              </a:ext>
+            </a:extLst>
+          </p:cNvPr>
+          <p:cNvSpPr/>
+          <p:nvPr/>
+        </p:nvSpPr>
+        <p:spPr>
+          <a:xfrm>
+            <a:off x="10116745" y="3477962"/>
+            <a:ext cx="321537" cy="291733"/>
+          </a:xfrm>
+          <a:prstGeom prst="flowChartSummingJunction">
+            <a:avLst/>
+          </a:prstGeom>
+          <a:solidFill>
+            <a:schemeClr val="bg1"/>
+          </a:solidFill>
+        </p:spPr>
+        <p:style>
+          <a:lnRef idx="2">
+            <a:schemeClr val="accent1">
+              <a:shade val="15000"/>
+            </a:schemeClr>
+          </a:lnRef>
+          <a:fillRef idx="1">
+            <a:schemeClr val="accent1"/>
+          </a:fillRef>
+          <a:effectRef idx="0">
+            <a:schemeClr val="accent1"/>
+          </a:effectRef>
+          <a:fontRef idx="minor">
+            <a:schemeClr val="lt1"/>
+          </a:fontRef>
+        </p:style>
+        <p:txBody>
+          <a:bodyPr rtlCol="0" anchor="ctr"/>
+          <a:lstStyle/>
+          <a:p>
+            <a:pPr algn="ctr"/>
+            <a:endParaRPr lang="it-IT" dirty="0">
+              <a:solidFill>
+                <a:schemeClr val="tx1"/>
+              </a:solidFill>
+            </a:endParaRPr>
+          </a:p>
+        </p:txBody>
+      </p:sp>
+      <p:cxnSp>
+        <p:nvCxnSpPr>
+          <p:cNvPr id="125" name="Connettore 2 124">
+            <a:extLst>
+              <a:ext uri="{FF2B5EF4-FFF2-40B4-BE49-F238E27FC236}">
+                <a16:creationId xmlns:a16="http://schemas.microsoft.com/office/drawing/2014/main" id="{E63C6D7D-B800-B7A0-5CDD-901178F664AD}"/>
+              </a:ext>
+            </a:extLst>
+          </p:cNvPr>
+          <p:cNvCxnSpPr>
+            <a:cxnSpLocks/>
+            <a:stCxn id="96" idx="0"/>
+            <a:endCxn id="112" idx="2"/>
+          </p:cNvCxnSpPr>
+          <p:nvPr/>
+        </p:nvCxnSpPr>
+        <p:spPr>
+          <a:xfrm>
+            <a:off x="8342339" y="2355120"/>
+            <a:ext cx="319579" cy="5778"/>
+          </a:xfrm>
+          <a:prstGeom prst="straightConnector1">
+            <a:avLst/>
+          </a:prstGeom>
+          <a:ln>
+            <a:tailEnd type="triangle"/>
+          </a:ln>
+        </p:spPr>
+        <p:style>
+          <a:lnRef idx="2">
+            <a:schemeClr val="dk1"/>
+          </a:lnRef>
+          <a:fillRef idx="0">
+            <a:schemeClr val="dk1"/>
+          </a:fillRef>
+          <a:effectRef idx="1">
+            <a:schemeClr val="dk1"/>
+          </a:effectRef>
+          <a:fontRef idx="minor">
+            <a:schemeClr val="tx1"/>
+          </a:fontRef>
+        </p:style>
+      </p:cxnSp>
+      <p:cxnSp>
+        <p:nvCxnSpPr>
+          <p:cNvPr id="128" name="Connettore 2 127">
+            <a:extLst>
+              <a:ext uri="{FF2B5EF4-FFF2-40B4-BE49-F238E27FC236}">
+                <a16:creationId xmlns:a16="http://schemas.microsoft.com/office/drawing/2014/main" id="{C695245B-560C-C7BE-019D-A9147F5D8F2C}"/>
+              </a:ext>
+            </a:extLst>
+          </p:cNvPr>
+          <p:cNvCxnSpPr>
+            <a:cxnSpLocks/>
+            <a:stCxn id="112" idx="0"/>
+            <a:endCxn id="113" idx="2"/>
+          </p:cNvCxnSpPr>
+          <p:nvPr/>
+        </p:nvCxnSpPr>
+        <p:spPr>
+          <a:xfrm>
+            <a:off x="8930644" y="2360898"/>
+            <a:ext cx="269672" cy="21119"/>
+          </a:xfrm>
+          <a:prstGeom prst="straightConnector1">
+            <a:avLst/>
+          </a:prstGeom>
+          <a:ln>
+            <a:tailEnd type="triangle"/>
+          </a:ln>
+        </p:spPr>
+        <p:style>
+          <a:lnRef idx="2">
+            <a:schemeClr val="dk1"/>
+          </a:lnRef>
+          <a:fillRef idx="0">
+            <a:schemeClr val="dk1"/>
+          </a:fillRef>
+          <a:effectRef idx="1">
+            <a:schemeClr val="dk1"/>
+          </a:effectRef>
+          <a:fontRef idx="minor">
+            <a:schemeClr val="tx1"/>
+          </a:fontRef>
+        </p:style>
+      </p:cxnSp>
+      <p:cxnSp>
+        <p:nvCxnSpPr>
+          <p:cNvPr id="131" name="Connettore 2 130">
+            <a:extLst>
+              <a:ext uri="{FF2B5EF4-FFF2-40B4-BE49-F238E27FC236}">
+                <a16:creationId xmlns:a16="http://schemas.microsoft.com/office/drawing/2014/main" id="{8C32E540-13D6-42C0-8AD5-7642F15956B6}"/>
+              </a:ext>
+            </a:extLst>
+          </p:cNvPr>
+          <p:cNvCxnSpPr>
+            <a:cxnSpLocks/>
+            <a:stCxn id="113" idx="0"/>
+            <a:endCxn id="114" idx="2"/>
+          </p:cNvCxnSpPr>
+          <p:nvPr/>
+        </p:nvCxnSpPr>
+        <p:spPr>
+          <a:xfrm>
+            <a:off x="9506414" y="2382017"/>
+            <a:ext cx="311358" cy="6413"/>
+          </a:xfrm>
+          <a:prstGeom prst="straightConnector1">
+            <a:avLst/>
+          </a:prstGeom>
+          <a:ln>
+            <a:tailEnd type="triangle"/>
+          </a:ln>
+        </p:spPr>
+        <p:style>
+          <a:lnRef idx="2">
+            <a:schemeClr val="dk1"/>
+          </a:lnRef>
+          <a:fillRef idx="0">
+            <a:schemeClr val="dk1"/>
+          </a:fillRef>
+          <a:effectRef idx="1">
+            <a:schemeClr val="dk1"/>
+          </a:effectRef>
+          <a:fontRef idx="minor">
+            <a:schemeClr val="tx1"/>
+          </a:fontRef>
+        </p:style>
+      </p:cxnSp>
+      <p:cxnSp>
+        <p:nvCxnSpPr>
+          <p:cNvPr id="134" name="Connettore 2 133">
+            <a:extLst>
+              <a:ext uri="{FF2B5EF4-FFF2-40B4-BE49-F238E27FC236}">
+                <a16:creationId xmlns:a16="http://schemas.microsoft.com/office/drawing/2014/main" id="{616EC0FC-08DE-186F-0709-3636C4F978B0}"/>
+              </a:ext>
+            </a:extLst>
+          </p:cNvPr>
+          <p:cNvCxnSpPr>
+            <a:cxnSpLocks/>
+            <a:stCxn id="114" idx="3"/>
+            <a:endCxn id="119" idx="0"/>
+          </p:cNvCxnSpPr>
+          <p:nvPr/>
+        </p:nvCxnSpPr>
+        <p:spPr>
+          <a:xfrm>
+            <a:off x="10024813" y="3006130"/>
+            <a:ext cx="252701" cy="471832"/>
+          </a:xfrm>
+          <a:prstGeom prst="straightConnector1">
+            <a:avLst/>
+          </a:prstGeom>
+          <a:ln>
+            <a:tailEnd type="triangle"/>
+          </a:ln>
+        </p:spPr>
+        <p:style>
+          <a:lnRef idx="2">
+            <a:schemeClr val="dk1"/>
+          </a:lnRef>
+          <a:fillRef idx="0">
+            <a:schemeClr val="dk1"/>
+          </a:fillRef>
+          <a:effectRef idx="1">
+            <a:schemeClr val="dk1"/>
+          </a:effectRef>
+          <a:fontRef idx="minor">
+            <a:schemeClr val="tx1"/>
+          </a:fontRef>
+        </p:style>
+      </p:cxnSp>
+      <p:sp>
+        <p:nvSpPr>
+          <p:cNvPr id="137" name="Rettangolo 136">
+            <a:extLst>
+              <a:ext uri="{FF2B5EF4-FFF2-40B4-BE49-F238E27FC236}">
+                <a16:creationId xmlns:a16="http://schemas.microsoft.com/office/drawing/2014/main" id="{25885D2E-B46C-A87E-A65A-3786D3B49296}"/>
+              </a:ext>
+            </a:extLst>
+          </p:cNvPr>
+          <p:cNvSpPr/>
+          <p:nvPr/>
+        </p:nvSpPr>
+        <p:spPr>
+          <a:xfrm rot="5400000">
+            <a:off x="10489871" y="3329362"/>
+            <a:ext cx="681389" cy="268726"/>
+          </a:xfrm>
+          <a:prstGeom prst="rect">
+            <a:avLst/>
+          </a:prstGeom>
+          <a:solidFill>
+            <a:schemeClr val="accent2"/>
+          </a:solidFill>
+        </p:spPr>
+        <p:style>
+          <a:lnRef idx="2">
+            <a:schemeClr val="accent1">
+              <a:shade val="15000"/>
+            </a:schemeClr>
+          </a:lnRef>
+          <a:fillRef idx="1">
+            <a:schemeClr val="accent1"/>
+          </a:fillRef>
+          <a:effectRef idx="0">
+            <a:schemeClr val="accent1"/>
+          </a:effectRef>
+          <a:fontRef idx="minor">
+            <a:schemeClr val="lt1"/>
+          </a:fontRef>
+        </p:style>
+        <p:txBody>
+          <a:bodyPr rtlCol="0" anchor="ctr"/>
+          <a:lstStyle/>
+          <a:p>
+            <a:pPr algn="ctr"/>
+            <a:r>
+              <a:rPr lang="it-IT" sz="1000" b="1" dirty="0">
+                <a:solidFill>
+                  <a:schemeClr val="tx1"/>
+                </a:solidFill>
+              </a:rPr>
+              <a:t>Conv2D</a:t>
+            </a:r>
+          </a:p>
+        </p:txBody>
+      </p:sp>
+      <p:sp>
+        <p:nvSpPr>
+          <p:cNvPr id="138" name="Rettangolo 137">
+            <a:extLst>
+              <a:ext uri="{FF2B5EF4-FFF2-40B4-BE49-F238E27FC236}">
+                <a16:creationId xmlns:a16="http://schemas.microsoft.com/office/drawing/2014/main" id="{DCEE5075-B5C0-20E8-A7B8-B57C300471E3}"/>
+              </a:ext>
+            </a:extLst>
+          </p:cNvPr>
+          <p:cNvSpPr/>
+          <p:nvPr/>
+        </p:nvSpPr>
+        <p:spPr>
+          <a:xfrm rot="5400000">
+            <a:off x="11140589" y="3206491"/>
+            <a:ext cx="733015" cy="393394"/>
+          </a:xfrm>
+          <a:prstGeom prst="rect">
+            <a:avLst/>
+          </a:prstGeom>
+          <a:solidFill>
+            <a:srgbClr val="0096FF"/>
+          </a:solidFill>
+        </p:spPr>
+        <p:style>
+          <a:lnRef idx="2">
+            <a:schemeClr val="accent1">
+              <a:shade val="15000"/>
+            </a:schemeClr>
+          </a:lnRef>
+          <a:fillRef idx="1">
+            <a:schemeClr val="accent1"/>
+          </a:fillRef>
+          <a:effectRef idx="0">
+            <a:schemeClr val="accent1"/>
+          </a:effectRef>
+          <a:fontRef idx="minor">
+            <a:schemeClr val="lt1"/>
+          </a:fontRef>
+        </p:style>
+        <p:txBody>
+          <a:bodyPr rtlCol="0" anchor="ctr"/>
+          <a:lstStyle/>
+          <a:p>
+            <a:pPr algn="ctr"/>
+            <a:r>
+              <a:rPr lang="it-IT" sz="1300" b="1" dirty="0">
+                <a:solidFill>
+                  <a:schemeClr val="tx1"/>
+                </a:solidFill>
+              </a:rPr>
+              <a:t>Batch Norm</a:t>
+            </a:r>
+          </a:p>
+        </p:txBody>
+      </p:sp>
+      <p:cxnSp>
+        <p:nvCxnSpPr>
+          <p:cNvPr id="139" name="Connettore 2 138">
+            <a:extLst>
+              <a:ext uri="{FF2B5EF4-FFF2-40B4-BE49-F238E27FC236}">
+                <a16:creationId xmlns:a16="http://schemas.microsoft.com/office/drawing/2014/main" id="{C510A0E9-D45E-33C5-5732-D2C0497436AA}"/>
+              </a:ext>
+            </a:extLst>
+          </p:cNvPr>
+          <p:cNvCxnSpPr>
+            <a:cxnSpLocks/>
+            <a:stCxn id="119" idx="6"/>
+            <a:endCxn id="137" idx="2"/>
+          </p:cNvCxnSpPr>
+          <p:nvPr/>
+        </p:nvCxnSpPr>
+        <p:spPr>
+          <a:xfrm flipV="1">
+            <a:off x="10438282" y="3463726"/>
+            <a:ext cx="257921" cy="160103"/>
+          </a:xfrm>
+          <a:prstGeom prst="straightConnector1">
+            <a:avLst/>
+          </a:prstGeom>
+          <a:ln>
+            <a:tailEnd type="triangle"/>
+          </a:ln>
+        </p:spPr>
+        <p:style>
+          <a:lnRef idx="2">
+            <a:schemeClr val="dk1"/>
+          </a:lnRef>
+          <a:fillRef idx="0">
+            <a:schemeClr val="dk1"/>
+          </a:fillRef>
+          <a:effectRef idx="1">
+            <a:schemeClr val="dk1"/>
+          </a:effectRef>
+          <a:fontRef idx="minor">
+            <a:schemeClr val="tx1"/>
+          </a:fontRef>
+        </p:style>
+      </p:cxnSp>
+      <p:cxnSp>
+        <p:nvCxnSpPr>
+          <p:cNvPr id="142" name="Connettore 2 141">
+            <a:extLst>
+              <a:ext uri="{FF2B5EF4-FFF2-40B4-BE49-F238E27FC236}">
+                <a16:creationId xmlns:a16="http://schemas.microsoft.com/office/drawing/2014/main" id="{9A33AAD3-3030-9449-85F3-31B8037B21C9}"/>
+              </a:ext>
+            </a:extLst>
+          </p:cNvPr>
+          <p:cNvCxnSpPr>
+            <a:cxnSpLocks/>
+            <a:stCxn id="137" idx="0"/>
+            <a:endCxn id="138" idx="2"/>
+          </p:cNvCxnSpPr>
+          <p:nvPr/>
+        </p:nvCxnSpPr>
+        <p:spPr>
+          <a:xfrm flipV="1">
+            <a:off x="10964929" y="3403189"/>
+            <a:ext cx="345471" cy="60537"/>
+          </a:xfrm>
+          <a:prstGeom prst="straightConnector1">
+            <a:avLst/>
+          </a:prstGeom>
+          <a:ln>
+            <a:tailEnd type="triangle"/>
+          </a:ln>
+        </p:spPr>
+        <p:style>
+          <a:lnRef idx="2">
+            <a:schemeClr val="dk1"/>
+          </a:lnRef>
+          <a:fillRef idx="0">
+            <a:schemeClr val="dk1"/>
+          </a:fillRef>
+          <a:effectRef idx="1">
+            <a:schemeClr val="dk1"/>
+          </a:effectRef>
+          <a:fontRef idx="minor">
+            <a:schemeClr val="tx1"/>
+          </a:fontRef>
+        </p:style>
+      </p:cxnSp>
+      <p:cxnSp>
+        <p:nvCxnSpPr>
+          <p:cNvPr id="148" name="Connettore 2 147">
+            <a:extLst>
+              <a:ext uri="{FF2B5EF4-FFF2-40B4-BE49-F238E27FC236}">
+                <a16:creationId xmlns:a16="http://schemas.microsoft.com/office/drawing/2014/main" id="{ED8A4958-3665-B897-F970-70FF84BFCB3F}"/>
+              </a:ext>
+            </a:extLst>
+          </p:cNvPr>
+          <p:cNvCxnSpPr>
+            <a:cxnSpLocks/>
+            <a:stCxn id="138" idx="0"/>
+            <a:endCxn id="147" idx="3"/>
+          </p:cNvCxnSpPr>
+          <p:nvPr/>
+        </p:nvCxnSpPr>
+        <p:spPr>
+          <a:xfrm flipV="1">
+            <a:off x="11703794" y="2727330"/>
+            <a:ext cx="304176" cy="675859"/>
+          </a:xfrm>
+          <a:prstGeom prst="straightConnector1">
+            <a:avLst/>
+          </a:prstGeom>
+          <a:ln>
+            <a:tailEnd type="triangle"/>
+          </a:ln>
+        </p:spPr>
+        <p:style>
+          <a:lnRef idx="2">
+            <a:schemeClr val="dk1"/>
+          </a:lnRef>
+          <a:fillRef idx="0">
+            <a:schemeClr val="dk1"/>
+          </a:fillRef>
+          <a:effectRef idx="1">
+            <a:schemeClr val="dk1"/>
+          </a:effectRef>
+          <a:fontRef idx="minor">
+            <a:schemeClr val="tx1"/>
+          </a:fontRef>
+        </p:style>
+      </p:cxnSp>
+      <p:sp>
+        <p:nvSpPr>
+          <p:cNvPr id="174" name="Rettangolo 173">
+            <a:extLst>
+              <a:ext uri="{FF2B5EF4-FFF2-40B4-BE49-F238E27FC236}">
+                <a16:creationId xmlns:a16="http://schemas.microsoft.com/office/drawing/2014/main" id="{50566C82-2FFA-DF3A-DED5-1E514CEF1734}"/>
+              </a:ext>
+            </a:extLst>
+          </p:cNvPr>
+          <p:cNvSpPr/>
+          <p:nvPr/>
+        </p:nvSpPr>
+        <p:spPr>
+          <a:xfrm rot="5400000">
+            <a:off x="752592" y="2416052"/>
+            <a:ext cx="733015" cy="393394"/>
+          </a:xfrm>
+          <a:prstGeom prst="rect">
+            <a:avLst/>
+          </a:prstGeom>
+          <a:solidFill>
+            <a:srgbClr val="0096FF"/>
+          </a:solidFill>
+        </p:spPr>
+        <p:style>
+          <a:lnRef idx="2">
+            <a:schemeClr val="accent1">
+              <a:shade val="15000"/>
+            </a:schemeClr>
+          </a:lnRef>
+          <a:fillRef idx="1">
+            <a:schemeClr val="accent1"/>
+          </a:fillRef>
+          <a:effectRef idx="0">
+            <a:schemeClr val="accent1"/>
+          </a:effectRef>
+          <a:fontRef idx="minor">
+            <a:schemeClr val="lt1"/>
+          </a:fontRef>
+        </p:style>
+        <p:txBody>
+          <a:bodyPr rtlCol="0" anchor="ctr"/>
+          <a:lstStyle/>
+          <a:p>
+            <a:pPr algn="ctr"/>
+            <a:r>
+              <a:rPr lang="it-IT" sz="1300" b="1" dirty="0">
+                <a:solidFill>
+                  <a:schemeClr val="tx1"/>
+                </a:solidFill>
+              </a:rPr>
+              <a:t>Batch Norm</a:t>
+            </a:r>
+          </a:p>
+        </p:txBody>
+      </p:sp>
+      <p:sp>
+        <p:nvSpPr>
+          <p:cNvPr id="175" name="Rettangolo 174">
+            <a:extLst>
+              <a:ext uri="{FF2B5EF4-FFF2-40B4-BE49-F238E27FC236}">
+                <a16:creationId xmlns:a16="http://schemas.microsoft.com/office/drawing/2014/main" id="{0F7CA951-6E94-ADFD-DC2E-5ECC9963FBB9}"/>
+              </a:ext>
+            </a:extLst>
+          </p:cNvPr>
+          <p:cNvSpPr/>
+          <p:nvPr/>
+        </p:nvSpPr>
+        <p:spPr>
+          <a:xfrm rot="5400000">
+            <a:off x="3317807" y="2459701"/>
+            <a:ext cx="632785" cy="306098"/>
+          </a:xfrm>
+          <a:prstGeom prst="rect">
+            <a:avLst/>
+          </a:prstGeom>
+          <a:solidFill>
+            <a:srgbClr val="FFFD78"/>
+          </a:solidFill>
+        </p:spPr>
+        <p:style>
+          <a:lnRef idx="2">
+            <a:schemeClr val="accent1">
+              <a:shade val="15000"/>
+            </a:schemeClr>
+          </a:lnRef>
+          <a:fillRef idx="1">
+            <a:schemeClr val="accent1"/>
+          </a:fillRef>
+          <a:effectRef idx="0">
+            <a:schemeClr val="accent1"/>
+          </a:effectRef>
+          <a:fontRef idx="minor">
+            <a:schemeClr val="lt1"/>
+          </a:fontRef>
+        </p:style>
+        <p:txBody>
+          <a:bodyPr rtlCol="0" anchor="ctr"/>
+          <a:lstStyle/>
+          <a:p>
+            <a:pPr algn="ctr"/>
+            <a:r>
+              <a:rPr lang="it-IT" sz="1100" b="1" dirty="0" err="1">
+                <a:solidFill>
+                  <a:schemeClr val="tx1"/>
+                </a:solidFill>
+              </a:rPr>
+              <a:t>Swish</a:t>
+            </a:r>
+            <a:endParaRPr lang="it-IT" sz="1100" b="1" dirty="0">
+              <a:solidFill>
+                <a:schemeClr val="tx1"/>
+              </a:solidFill>
+            </a:endParaRPr>
+          </a:p>
+        </p:txBody>
+      </p:sp>
+      <p:sp>
+        <p:nvSpPr>
+          <p:cNvPr id="176" name="Rettangolo 175">
+            <a:extLst>
+              <a:ext uri="{FF2B5EF4-FFF2-40B4-BE49-F238E27FC236}">
+                <a16:creationId xmlns:a16="http://schemas.microsoft.com/office/drawing/2014/main" id="{59869ED9-BE9B-E474-20CA-0FA461D9A737}"/>
+              </a:ext>
+            </a:extLst>
+          </p:cNvPr>
+          <p:cNvSpPr/>
+          <p:nvPr/>
+        </p:nvSpPr>
+        <p:spPr>
+          <a:xfrm rot="5400000">
+            <a:off x="2799044" y="2478937"/>
+            <a:ext cx="681389" cy="268726"/>
+          </a:xfrm>
+          <a:prstGeom prst="rect">
+            <a:avLst/>
+          </a:prstGeom>
+          <a:solidFill>
+            <a:schemeClr val="accent2"/>
+          </a:solidFill>
+        </p:spPr>
+        <p:style>
+          <a:lnRef idx="2">
+            <a:schemeClr val="accent1">
+              <a:shade val="15000"/>
+            </a:schemeClr>
+          </a:lnRef>
+          <a:fillRef idx="1">
+            <a:schemeClr val="accent1"/>
+          </a:fillRef>
+          <a:effectRef idx="0">
+            <a:schemeClr val="accent1"/>
+          </a:effectRef>
+          <a:fontRef idx="minor">
+            <a:schemeClr val="lt1"/>
+          </a:fontRef>
+        </p:style>
+        <p:txBody>
+          <a:bodyPr rtlCol="0" anchor="ctr"/>
+          <a:lstStyle/>
+          <a:p>
+            <a:pPr algn="ctr"/>
+            <a:r>
+              <a:rPr lang="it-IT" sz="1000" b="1" dirty="0">
+                <a:solidFill>
+                  <a:schemeClr val="tx1"/>
+                </a:solidFill>
+              </a:rPr>
+              <a:t>Conv2D</a:t>
+            </a:r>
+          </a:p>
+        </p:txBody>
+      </p:sp>
+      <p:cxnSp>
+        <p:nvCxnSpPr>
+          <p:cNvPr id="177" name="Connettore 2 176">
+            <a:extLst>
+              <a:ext uri="{FF2B5EF4-FFF2-40B4-BE49-F238E27FC236}">
+                <a16:creationId xmlns:a16="http://schemas.microsoft.com/office/drawing/2014/main" id="{9CD16168-DFF8-874C-D1AE-EDE2F9ED5EC5}"/>
+              </a:ext>
+            </a:extLst>
+          </p:cNvPr>
+          <p:cNvCxnSpPr>
+            <a:cxnSpLocks/>
+            <a:endCxn id="174" idx="2"/>
+          </p:cNvCxnSpPr>
+          <p:nvPr/>
+        </p:nvCxnSpPr>
+        <p:spPr>
+          <a:xfrm flipV="1">
+            <a:off x="647631" y="2612750"/>
+            <a:ext cx="274772" cy="741216"/>
+          </a:xfrm>
+          <a:prstGeom prst="straightConnector1">
+            <a:avLst/>
+          </a:prstGeom>
+          <a:ln w="19050">
+            <a:tailEnd type="triangle"/>
+          </a:ln>
+        </p:spPr>
+        <p:style>
+          <a:lnRef idx="1">
+            <a:schemeClr val="dk1"/>
+          </a:lnRef>
+          <a:fillRef idx="0">
+            <a:schemeClr val="dk1"/>
+          </a:fillRef>
+          <a:effectRef idx="0">
+            <a:schemeClr val="dk1"/>
+          </a:effectRef>
+          <a:fontRef idx="minor">
+            <a:schemeClr val="tx1"/>
+          </a:fontRef>
+        </p:style>
+      </p:cxnSp>
+      <p:cxnSp>
+        <p:nvCxnSpPr>
+          <p:cNvPr id="179" name="Connettore 2 178">
+            <a:extLst>
+              <a:ext uri="{FF2B5EF4-FFF2-40B4-BE49-F238E27FC236}">
+                <a16:creationId xmlns:a16="http://schemas.microsoft.com/office/drawing/2014/main" id="{A7F5037C-0399-4E02-3FE3-FFDA24AD94BF}"/>
+              </a:ext>
+            </a:extLst>
+          </p:cNvPr>
+          <p:cNvCxnSpPr>
+            <a:cxnSpLocks/>
+            <a:stCxn id="174" idx="0"/>
+            <a:endCxn id="180" idx="2"/>
+          </p:cNvCxnSpPr>
+          <p:nvPr/>
+        </p:nvCxnSpPr>
+        <p:spPr>
+          <a:xfrm flipV="1">
+            <a:off x="1315797" y="2483916"/>
+            <a:ext cx="238457" cy="128834"/>
+          </a:xfrm>
+          <a:prstGeom prst="straightConnector1">
+            <a:avLst/>
+          </a:prstGeom>
+          <a:ln w="19050">
+            <a:tailEnd type="triangle"/>
+          </a:ln>
+        </p:spPr>
+        <p:style>
+          <a:lnRef idx="1">
+            <a:schemeClr val="dk1"/>
+          </a:lnRef>
+          <a:fillRef idx="0">
+            <a:schemeClr val="dk1"/>
+          </a:fillRef>
+          <a:effectRef idx="0">
+            <a:schemeClr val="dk1"/>
+          </a:effectRef>
+          <a:fontRef idx="minor">
+            <a:schemeClr val="tx1"/>
+          </a:fontRef>
+        </p:style>
+      </p:cxnSp>
+      <p:sp>
+        <p:nvSpPr>
+          <p:cNvPr id="180" name="Rettangolo 179">
+            <a:extLst>
+              <a:ext uri="{FF2B5EF4-FFF2-40B4-BE49-F238E27FC236}">
+                <a16:creationId xmlns:a16="http://schemas.microsoft.com/office/drawing/2014/main" id="{4C10F8FC-6ADF-83FD-99AB-AB703A325B48}"/>
+              </a:ext>
+            </a:extLst>
+          </p:cNvPr>
+          <p:cNvSpPr/>
+          <p:nvPr/>
+        </p:nvSpPr>
+        <p:spPr>
+          <a:xfrm rot="5400000">
+            <a:off x="1271522" y="2293064"/>
+            <a:ext cx="947165" cy="381702"/>
+          </a:xfrm>
+          <a:prstGeom prst="rect">
+            <a:avLst/>
+          </a:prstGeom>
+          <a:solidFill>
+            <a:schemeClr val="accent6">
+              <a:lumMod val="75000"/>
+            </a:schemeClr>
+          </a:solidFill>
+        </p:spPr>
+        <p:style>
+          <a:lnRef idx="2">
+            <a:schemeClr val="accent1">
+              <a:shade val="15000"/>
+            </a:schemeClr>
+          </a:lnRef>
+          <a:fillRef idx="1">
+            <a:schemeClr val="accent1"/>
+          </a:fillRef>
+          <a:effectRef idx="0">
+            <a:schemeClr val="accent1"/>
+          </a:effectRef>
+          <a:fontRef idx="minor">
+            <a:schemeClr val="lt1"/>
+          </a:fontRef>
+        </p:style>
+        <p:txBody>
+          <a:bodyPr rtlCol="0" anchor="ctr"/>
+          <a:lstStyle/>
+          <a:p>
+            <a:pPr algn="ctr"/>
+            <a:r>
+              <a:rPr lang="it-IT" sz="1300" b="1" dirty="0"/>
+              <a:t>Self</a:t>
+            </a:r>
+          </a:p>
+          <a:p>
+            <a:pPr algn="ctr"/>
+            <a:r>
+              <a:rPr lang="it-IT" sz="1300" b="1" dirty="0"/>
+              <a:t> </a:t>
+            </a:r>
+            <a:r>
+              <a:rPr lang="it-IT" sz="1300" b="1" dirty="0" err="1"/>
+              <a:t>Attention</a:t>
+            </a:r>
+            <a:endParaRPr lang="it-IT" sz="1300" b="1" dirty="0"/>
+          </a:p>
+        </p:txBody>
+      </p:sp>
+      <p:sp>
+        <p:nvSpPr>
+          <p:cNvPr id="181" name="OR 31">
+            <a:extLst>
+              <a:ext uri="{FF2B5EF4-FFF2-40B4-BE49-F238E27FC236}">
+                <a16:creationId xmlns:a16="http://schemas.microsoft.com/office/drawing/2014/main" id="{62FFEA35-3F87-DF63-83A2-B70382C538D6}"/>
+              </a:ext>
+            </a:extLst>
+          </p:cNvPr>
+          <p:cNvSpPr/>
+          <p:nvPr/>
+        </p:nvSpPr>
+        <p:spPr>
+          <a:xfrm>
+            <a:off x="1654637" y="3260807"/>
+            <a:ext cx="180936" cy="188858"/>
+          </a:xfrm>
+          <a:prstGeom prst="flowChartOr">
+            <a:avLst/>
+          </a:prstGeom>
+          <a:ln/>
+        </p:spPr>
+        <p:style>
+          <a:lnRef idx="2">
+            <a:schemeClr val="dk1"/>
+          </a:lnRef>
+          <a:fillRef idx="1">
+            <a:schemeClr val="lt1"/>
+          </a:fillRef>
+          <a:effectRef idx="0">
+            <a:schemeClr val="dk1"/>
+          </a:effectRef>
+          <a:fontRef idx="minor">
+            <a:schemeClr val="dk1"/>
+          </a:fontRef>
+        </p:style>
+        <p:txBody>
+          <a:bodyPr rtlCol="0" anchor="ctr"/>
+          <a:lstStyle/>
+          <a:p>
+            <a:pPr algn="ctr"/>
+            <a:endParaRPr lang="it-IT"/>
+          </a:p>
+        </p:txBody>
+      </p:sp>
+      <p:cxnSp>
+        <p:nvCxnSpPr>
+          <p:cNvPr id="182" name="Connettore 2 181">
+            <a:extLst>
+              <a:ext uri="{FF2B5EF4-FFF2-40B4-BE49-F238E27FC236}">
+                <a16:creationId xmlns:a16="http://schemas.microsoft.com/office/drawing/2014/main" id="{B7D20DB5-D2BE-8D87-E231-6F128F4E1BAD}"/>
+              </a:ext>
+            </a:extLst>
+          </p:cNvPr>
+          <p:cNvCxnSpPr>
+            <a:cxnSpLocks/>
+            <a:stCxn id="180" idx="3"/>
+            <a:endCxn id="181" idx="0"/>
+          </p:cNvCxnSpPr>
+          <p:nvPr/>
+        </p:nvCxnSpPr>
+        <p:spPr>
+          <a:xfrm>
+            <a:off x="1745105" y="2957498"/>
+            <a:ext cx="0" cy="303309"/>
+          </a:xfrm>
+          <a:prstGeom prst="straightConnector1">
+            <a:avLst/>
+          </a:prstGeom>
+          <a:ln w="19050">
+            <a:tailEnd type="triangle"/>
+          </a:ln>
+        </p:spPr>
+        <p:style>
+          <a:lnRef idx="1">
+            <a:schemeClr val="dk1"/>
+          </a:lnRef>
+          <a:fillRef idx="0">
+            <a:schemeClr val="dk1"/>
+          </a:fillRef>
+          <a:effectRef idx="0">
+            <a:schemeClr val="dk1"/>
+          </a:effectRef>
+          <a:fontRef idx="minor">
+            <a:schemeClr val="tx1"/>
+          </a:fontRef>
+        </p:style>
+      </p:cxnSp>
+      <p:sp>
+        <p:nvSpPr>
+          <p:cNvPr id="184" name="Rettangolo 183">
+            <a:extLst>
+              <a:ext uri="{FF2B5EF4-FFF2-40B4-BE49-F238E27FC236}">
+                <a16:creationId xmlns:a16="http://schemas.microsoft.com/office/drawing/2014/main" id="{5726EC23-DAB4-5009-1BE1-B9B605CC9C79}"/>
+              </a:ext>
+            </a:extLst>
+          </p:cNvPr>
+          <p:cNvSpPr/>
+          <p:nvPr/>
+        </p:nvSpPr>
+        <p:spPr>
+          <a:xfrm rot="5400000">
+            <a:off x="2198704" y="2416053"/>
+            <a:ext cx="733015" cy="393394"/>
+          </a:xfrm>
+          <a:prstGeom prst="rect">
+            <a:avLst/>
+          </a:prstGeom>
+          <a:solidFill>
+            <a:srgbClr val="0096FF"/>
+          </a:solidFill>
+        </p:spPr>
+        <p:style>
+          <a:lnRef idx="2">
+            <a:schemeClr val="accent1">
+              <a:shade val="15000"/>
+            </a:schemeClr>
+          </a:lnRef>
+          <a:fillRef idx="1">
+            <a:schemeClr val="accent1"/>
+          </a:fillRef>
+          <a:effectRef idx="0">
+            <a:schemeClr val="accent1"/>
+          </a:effectRef>
+          <a:fontRef idx="minor">
+            <a:schemeClr val="lt1"/>
+          </a:fontRef>
+        </p:style>
+        <p:txBody>
+          <a:bodyPr rtlCol="0" anchor="ctr"/>
+          <a:lstStyle/>
+          <a:p>
+            <a:pPr algn="ctr"/>
+            <a:r>
+              <a:rPr lang="it-IT" sz="1300" b="1" dirty="0">
+                <a:solidFill>
+                  <a:schemeClr val="tx1"/>
+                </a:solidFill>
+              </a:rPr>
+              <a:t>Batch Norm</a:t>
+            </a:r>
+          </a:p>
+        </p:txBody>
+      </p:sp>
+      <p:cxnSp>
+        <p:nvCxnSpPr>
+          <p:cNvPr id="186" name="Connettore 2 185">
+            <a:extLst>
+              <a:ext uri="{FF2B5EF4-FFF2-40B4-BE49-F238E27FC236}">
+                <a16:creationId xmlns:a16="http://schemas.microsoft.com/office/drawing/2014/main" id="{11B3900E-5BB3-B93A-8F63-EC3631479958}"/>
+              </a:ext>
+            </a:extLst>
+          </p:cNvPr>
+          <p:cNvCxnSpPr>
+            <a:cxnSpLocks/>
+            <a:stCxn id="184" idx="0"/>
+            <a:endCxn id="176" idx="2"/>
+          </p:cNvCxnSpPr>
+          <p:nvPr/>
+        </p:nvCxnSpPr>
+        <p:spPr>
+          <a:xfrm>
+            <a:off x="2761909" y="2612751"/>
+            <a:ext cx="243467" cy="550"/>
+          </a:xfrm>
+          <a:prstGeom prst="straightConnector1">
+            <a:avLst/>
+          </a:prstGeom>
+          <a:ln w="19050">
+            <a:tailEnd type="triangle"/>
+          </a:ln>
+        </p:spPr>
+        <p:style>
+          <a:lnRef idx="1">
+            <a:schemeClr val="dk1"/>
+          </a:lnRef>
+          <a:fillRef idx="0">
+            <a:schemeClr val="dk1"/>
+          </a:fillRef>
+          <a:effectRef idx="0">
+            <a:schemeClr val="dk1"/>
+          </a:effectRef>
+          <a:fontRef idx="minor">
+            <a:schemeClr val="tx1"/>
+          </a:fontRef>
+        </p:style>
+      </p:cxnSp>
+      <p:cxnSp>
+        <p:nvCxnSpPr>
+          <p:cNvPr id="187" name="Connettore 2 186">
+            <a:extLst>
+              <a:ext uri="{FF2B5EF4-FFF2-40B4-BE49-F238E27FC236}">
+                <a16:creationId xmlns:a16="http://schemas.microsoft.com/office/drawing/2014/main" id="{EC03FD2E-C9E4-BB31-5507-EE7BE3FF5136}"/>
+              </a:ext>
+            </a:extLst>
+          </p:cNvPr>
+          <p:cNvCxnSpPr>
+            <a:cxnSpLocks/>
+            <a:stCxn id="176" idx="0"/>
+            <a:endCxn id="175" idx="2"/>
+          </p:cNvCxnSpPr>
+          <p:nvPr/>
+        </p:nvCxnSpPr>
+        <p:spPr>
+          <a:xfrm flipV="1">
+            <a:off x="3274102" y="2612751"/>
+            <a:ext cx="207049" cy="550"/>
+          </a:xfrm>
+          <a:prstGeom prst="straightConnector1">
+            <a:avLst/>
+          </a:prstGeom>
+          <a:ln w="19050">
+            <a:tailEnd type="triangle"/>
+          </a:ln>
+        </p:spPr>
+        <p:style>
+          <a:lnRef idx="1">
+            <a:schemeClr val="dk1"/>
+          </a:lnRef>
+          <a:fillRef idx="0">
+            <a:schemeClr val="dk1"/>
+          </a:fillRef>
+          <a:effectRef idx="0">
+            <a:schemeClr val="dk1"/>
+          </a:effectRef>
+          <a:fontRef idx="minor">
+            <a:schemeClr val="tx1"/>
+          </a:fontRef>
+        </p:style>
+      </p:cxnSp>
+      <p:cxnSp>
+        <p:nvCxnSpPr>
+          <p:cNvPr id="198" name="Connettore 2 197">
+            <a:extLst>
+              <a:ext uri="{FF2B5EF4-FFF2-40B4-BE49-F238E27FC236}">
+                <a16:creationId xmlns:a16="http://schemas.microsoft.com/office/drawing/2014/main" id="{BAC03A6B-FA3D-969B-4142-40117052DA57}"/>
+              </a:ext>
+            </a:extLst>
+          </p:cNvPr>
+          <p:cNvCxnSpPr>
+            <a:cxnSpLocks/>
+            <a:endCxn id="181" idx="2"/>
+          </p:cNvCxnSpPr>
+          <p:nvPr/>
+        </p:nvCxnSpPr>
+        <p:spPr>
+          <a:xfrm>
+            <a:off x="649983" y="3353966"/>
+            <a:ext cx="1004654" cy="1270"/>
+          </a:xfrm>
+          <a:prstGeom prst="straightConnector1">
+            <a:avLst/>
+          </a:prstGeom>
+          <a:ln w="19050">
+            <a:tailEnd type="triangle"/>
+          </a:ln>
+        </p:spPr>
+        <p:style>
+          <a:lnRef idx="1">
+            <a:schemeClr val="dk1"/>
+          </a:lnRef>
+          <a:fillRef idx="0">
+            <a:schemeClr val="dk1"/>
+          </a:fillRef>
+          <a:effectRef idx="0">
+            <a:schemeClr val="dk1"/>
+          </a:effectRef>
+          <a:fontRef idx="minor">
+            <a:schemeClr val="tx1"/>
+          </a:fontRef>
+        </p:style>
+      </p:cxnSp>
+      <p:cxnSp>
+        <p:nvCxnSpPr>
+          <p:cNvPr id="208" name="Connettore 2 207">
+            <a:extLst>
+              <a:ext uri="{FF2B5EF4-FFF2-40B4-BE49-F238E27FC236}">
+                <a16:creationId xmlns:a16="http://schemas.microsoft.com/office/drawing/2014/main" id="{A94AF62B-8E13-D446-99DD-75A46BDDCF07}"/>
+              </a:ext>
+            </a:extLst>
+          </p:cNvPr>
+          <p:cNvCxnSpPr>
+            <a:cxnSpLocks/>
+            <a:stCxn id="181" idx="7"/>
+            <a:endCxn id="184" idx="2"/>
+          </p:cNvCxnSpPr>
+          <p:nvPr/>
+        </p:nvCxnSpPr>
+        <p:spPr>
+          <a:xfrm flipV="1">
+            <a:off x="1809076" y="2612751"/>
+            <a:ext cx="559439" cy="675714"/>
+          </a:xfrm>
+          <a:prstGeom prst="straightConnector1">
+            <a:avLst/>
+          </a:prstGeom>
+          <a:ln w="19050">
+            <a:tailEnd type="triangle"/>
+          </a:ln>
+        </p:spPr>
+        <p:style>
+          <a:lnRef idx="1">
+            <a:schemeClr val="dk1"/>
+          </a:lnRef>
+          <a:fillRef idx="0">
+            <a:schemeClr val="dk1"/>
+          </a:fillRef>
+          <a:effectRef idx="0">
+            <a:schemeClr val="dk1"/>
+          </a:effectRef>
+          <a:fontRef idx="minor">
+            <a:schemeClr val="tx1"/>
+          </a:fontRef>
+        </p:style>
+      </p:cxnSp>
+      <p:cxnSp>
+        <p:nvCxnSpPr>
+          <p:cNvPr id="215" name="Connettore 2 214">
+            <a:extLst>
+              <a:ext uri="{FF2B5EF4-FFF2-40B4-BE49-F238E27FC236}">
+                <a16:creationId xmlns:a16="http://schemas.microsoft.com/office/drawing/2014/main" id="{02A71EAB-E568-7556-F9E6-2209FE85FE14}"/>
+              </a:ext>
+            </a:extLst>
+          </p:cNvPr>
+          <p:cNvCxnSpPr>
+            <a:cxnSpLocks/>
+            <a:stCxn id="181" idx="6"/>
+            <a:endCxn id="220" idx="2"/>
+          </p:cNvCxnSpPr>
+          <p:nvPr/>
+        </p:nvCxnSpPr>
+        <p:spPr>
+          <a:xfrm flipV="1">
+            <a:off x="1835573" y="3349064"/>
+            <a:ext cx="1691422" cy="6172"/>
+          </a:xfrm>
+          <a:prstGeom prst="straightConnector1">
+            <a:avLst/>
+          </a:prstGeom>
+          <a:ln w="19050">
+            <a:tailEnd type="triangle"/>
+          </a:ln>
+        </p:spPr>
+        <p:style>
+          <a:lnRef idx="1">
+            <a:schemeClr val="dk1"/>
+          </a:lnRef>
+          <a:fillRef idx="0">
+            <a:schemeClr val="dk1"/>
+          </a:fillRef>
+          <a:effectRef idx="0">
+            <a:schemeClr val="dk1"/>
+          </a:effectRef>
+          <a:fontRef idx="minor">
+            <a:schemeClr val="tx1"/>
+          </a:fontRef>
+        </p:style>
+      </p:cxnSp>
+      <p:sp>
+        <p:nvSpPr>
+          <p:cNvPr id="220" name="OR 31">
+            <a:extLst>
+              <a:ext uri="{FF2B5EF4-FFF2-40B4-BE49-F238E27FC236}">
+                <a16:creationId xmlns:a16="http://schemas.microsoft.com/office/drawing/2014/main" id="{E9C26333-EADE-403B-CD6F-3A6FCFB23090}"/>
+              </a:ext>
+            </a:extLst>
+          </p:cNvPr>
+          <p:cNvSpPr/>
+          <p:nvPr/>
+        </p:nvSpPr>
+        <p:spPr>
+          <a:xfrm>
+            <a:off x="3526995" y="3254635"/>
+            <a:ext cx="180936" cy="188858"/>
+          </a:xfrm>
+          <a:prstGeom prst="flowChartOr">
+            <a:avLst/>
+          </a:prstGeom>
+          <a:ln/>
+        </p:spPr>
+        <p:style>
+          <a:lnRef idx="2">
+            <a:schemeClr val="dk1"/>
+          </a:lnRef>
+          <a:fillRef idx="1">
+            <a:schemeClr val="lt1"/>
+          </a:fillRef>
+          <a:effectRef idx="0">
+            <a:schemeClr val="dk1"/>
+          </a:effectRef>
+          <a:fontRef idx="minor">
+            <a:schemeClr val="dk1"/>
+          </a:fontRef>
+        </p:style>
+        <p:txBody>
+          <a:bodyPr rtlCol="0" anchor="ctr"/>
+          <a:lstStyle/>
+          <a:p>
+            <a:pPr algn="ctr"/>
+            <a:endParaRPr lang="it-IT"/>
+          </a:p>
+        </p:txBody>
+      </p:sp>
+      <p:cxnSp>
+        <p:nvCxnSpPr>
+          <p:cNvPr id="224" name="Connettore 2 223">
+            <a:extLst>
+              <a:ext uri="{FF2B5EF4-FFF2-40B4-BE49-F238E27FC236}">
+                <a16:creationId xmlns:a16="http://schemas.microsoft.com/office/drawing/2014/main" id="{813643A7-F0D5-C1A1-7810-5B487ADE9240}"/>
+              </a:ext>
+            </a:extLst>
+          </p:cNvPr>
+          <p:cNvCxnSpPr>
+            <a:cxnSpLocks/>
+            <a:stCxn id="175" idx="3"/>
+            <a:endCxn id="220" idx="0"/>
+          </p:cNvCxnSpPr>
+          <p:nvPr/>
+        </p:nvCxnSpPr>
+        <p:spPr>
+          <a:xfrm flipH="1">
+            <a:off x="3617463" y="2929143"/>
+            <a:ext cx="16737" cy="325492"/>
+          </a:xfrm>
+          <a:prstGeom prst="straightConnector1">
+            <a:avLst/>
+          </a:prstGeom>
+          <a:ln w="19050">
+            <a:tailEnd type="triangle"/>
+          </a:ln>
+        </p:spPr>
+        <p:style>
+          <a:lnRef idx="1">
+            <a:schemeClr val="dk1"/>
+          </a:lnRef>
+          <a:fillRef idx="0">
+            <a:schemeClr val="dk1"/>
+          </a:fillRef>
+          <a:effectRef idx="0">
+            <a:schemeClr val="dk1"/>
+          </a:effectRef>
+          <a:fontRef idx="minor">
+            <a:schemeClr val="tx1"/>
+          </a:fontRef>
+        </p:style>
+      </p:cxnSp>
+      <p:cxnSp>
+        <p:nvCxnSpPr>
+          <p:cNvPr id="227" name="Connettore 2 226">
+            <a:extLst>
+              <a:ext uri="{FF2B5EF4-FFF2-40B4-BE49-F238E27FC236}">
+                <a16:creationId xmlns:a16="http://schemas.microsoft.com/office/drawing/2014/main" id="{42AB0086-6B6A-F224-6E26-B42335FFA5AA}"/>
+              </a:ext>
+            </a:extLst>
+          </p:cNvPr>
+          <p:cNvCxnSpPr>
+            <a:cxnSpLocks/>
+            <a:stCxn id="220" idx="7"/>
+            <a:endCxn id="173" idx="3"/>
+          </p:cNvCxnSpPr>
+          <p:nvPr/>
+        </p:nvCxnSpPr>
+        <p:spPr>
+          <a:xfrm flipV="1">
+            <a:off x="3681434" y="2863668"/>
+            <a:ext cx="769948" cy="418625"/>
+          </a:xfrm>
+          <a:prstGeom prst="straightConnector1">
+            <a:avLst/>
+          </a:prstGeom>
+          <a:ln w="19050">
+            <a:tailEnd type="triangle"/>
+          </a:ln>
+        </p:spPr>
+        <p:style>
+          <a:lnRef idx="1">
+            <a:schemeClr val="dk1"/>
+          </a:lnRef>
+          <a:fillRef idx="0">
+            <a:schemeClr val="dk1"/>
+          </a:fillRef>
+          <a:effectRef idx="0">
+            <a:schemeClr val="dk1"/>
+          </a:effectRef>
+          <a:fontRef idx="minor">
+            <a:schemeClr val="tx1"/>
+          </a:fontRef>
+        </p:style>
+      </p:cxnSp>
+    </p:spTree>
+    <p:extLst>
+      <p:ext uri="{BB962C8B-B14F-4D97-AF65-F5344CB8AC3E}">
+        <p14:creationId xmlns:p14="http://schemas.microsoft.com/office/powerpoint/2010/main" val="2903478003"/>
+      </p:ext>
+    </p:extLst>
+  </p:cSld>
+  <p:clrMapOvr>
+    <a:masterClrMapping/>
+  </p:clrMapOvr>
+</p:sld>
+</file>
+
+<file path=ppt/slides/slide21.xml><?xml version="1.0" encoding="utf-8"?>
+<p:sld xmlns:a="http://schemas.openxmlformats.org/drawingml/2006/main" xmlns:r="http://schemas.openxmlformats.org/officeDocument/2006/relationships" xmlns:p="http://schemas.openxmlformats.org/presentationml/2006/main">
+  <p:cSld>
+    <p:spTree>
+      <p:nvGrpSpPr>
+        <p:cNvPr id="1" name=""/>
+        <p:cNvGrpSpPr/>
+        <p:nvPr/>
+      </p:nvGrpSpPr>
+      <p:grpSpPr>
+        <a:xfrm>
+          <a:off x="0" y="0"/>
+          <a:ext cx="0" cy="0"/>
+          <a:chOff x="0" y="0"/>
+          <a:chExt cx="0" cy="0"/>
+        </a:xfrm>
+      </p:grpSpPr>
+      <p:sp>
+        <p:nvSpPr>
+          <p:cNvPr id="2" name="Titolo 1">
+            <a:extLst>
+              <a:ext uri="{FF2B5EF4-FFF2-40B4-BE49-F238E27FC236}">
+                <a16:creationId xmlns:a16="http://schemas.microsoft.com/office/drawing/2014/main" id="{564C5D72-7CA8-B368-4244-34147DF00AE9}"/>
+              </a:ext>
+            </a:extLst>
+          </p:cNvPr>
+          <p:cNvSpPr>
+            <a:spLocks noGrp="1"/>
+          </p:cNvSpPr>
+          <p:nvPr>
+            <p:ph type="ctrTitle"/>
+          </p:nvPr>
+        </p:nvSpPr>
+        <p:spPr/>
+        <p:txBody>
+          <a:bodyPr>
+            <a:normAutofit/>
+          </a:bodyPr>
+          <a:lstStyle/>
+          <a:p>
+            <a:r>
+              <a:rPr lang="it-IT" dirty="0" err="1"/>
+              <a:t>UNet</a:t>
+            </a:r>
+            <a:r>
+              <a:rPr lang="it-IT" dirty="0"/>
+              <a:t> for SAR_TO_NDVI (</a:t>
+            </a:r>
+            <a:r>
+              <a:rPr lang="it-IT" dirty="0" err="1"/>
+              <a:t>Residual-Attention</a:t>
+            </a:r>
+            <a:r>
+              <a:rPr lang="it-IT" dirty="0"/>
+              <a:t> </a:t>
+            </a:r>
+            <a:r>
+              <a:rPr lang="it-IT" dirty="0" err="1"/>
+              <a:t>Unet</a:t>
+            </a:r>
+            <a:r>
+              <a:rPr lang="it-IT" dirty="0"/>
+              <a:t>)</a:t>
+            </a:r>
+          </a:p>
+        </p:txBody>
+      </p:sp>
+      <p:sp>
+        <p:nvSpPr>
+          <p:cNvPr id="3" name="CasellaDiTesto 2">
+            <a:extLst>
+              <a:ext uri="{FF2B5EF4-FFF2-40B4-BE49-F238E27FC236}">
+                <a16:creationId xmlns:a16="http://schemas.microsoft.com/office/drawing/2014/main" id="{9738B5C7-4709-D65B-CAF7-7FC9C36A9BF4}"/>
+              </a:ext>
+            </a:extLst>
+          </p:cNvPr>
+          <p:cNvSpPr txBox="1"/>
+          <p:nvPr/>
+        </p:nvSpPr>
+        <p:spPr>
+          <a:xfrm>
+            <a:off x="2910509" y="937697"/>
+            <a:ext cx="6097656" cy="707886"/>
+          </a:xfrm>
+          <a:prstGeom prst="rect">
+            <a:avLst/>
+          </a:prstGeom>
+          <a:noFill/>
+        </p:spPr>
+        <p:txBody>
+          <a:bodyPr wrap="square">
+            <a:spAutoFit/>
+          </a:bodyPr>
+          <a:lstStyle/>
+          <a:p>
+            <a:pPr algn="ctr"/>
+            <a:r>
+              <a:rPr lang="it-IT" sz="4000" b="1" dirty="0">
+                <a:solidFill>
+                  <a:schemeClr val="accent6"/>
+                </a:solidFill>
+              </a:rPr>
+              <a:t>BEST</a:t>
+            </a:r>
+          </a:p>
+        </p:txBody>
+      </p:sp>
+    </p:spTree>
+    <p:extLst>
+      <p:ext uri="{BB962C8B-B14F-4D97-AF65-F5344CB8AC3E}">
+        <p14:creationId xmlns:p14="http://schemas.microsoft.com/office/powerpoint/2010/main" val="2403364864"/>
+      </p:ext>
+    </p:extLst>
+  </p:cSld>
+  <p:clrMapOvr>
+    <a:masterClrMapping/>
+  </p:clrMapOvr>
+</p:sld>
+</file>
+
+<file path=ppt/slides/slide22.xml><?xml version="1.0" encoding="utf-8"?>
 <p:sld xmlns:a="http://schemas.openxmlformats.org/drawingml/2006/main" xmlns:r="http://schemas.openxmlformats.org/officeDocument/2006/relationships" xmlns:p="http://schemas.openxmlformats.org/presentationml/2006/main">
   <p:cSld>
     <p:spTree>
@@ -36930,20 +43252,17 @@
           </p:cNvPr>
           <p:cNvCxnSpPr>
             <a:cxnSpLocks/>
-            <a:stCxn id="6" idx="2"/>
             <a:endCxn id="11" idx="4"/>
           </p:cNvCxnSpPr>
           <p:nvPr/>
         </p:nvCxnSpPr>
         <p:spPr>
-          <a:xfrm rot="5400000" flipH="1" flipV="1">
-            <a:off x="4498546" y="345866"/>
-            <a:ext cx="1235417" cy="7341828"/>
-          </a:xfrm>
-          <a:prstGeom prst="bentConnector3">
-            <a:avLst>
-              <a:gd name="adj1" fmla="val -18504"/>
-            </a:avLst>
+          <a:xfrm flipV="1">
+            <a:off x="324091" y="3399071"/>
+            <a:ext cx="8463078" cy="1431721"/>
+          </a:xfrm>
+          <a:prstGeom prst="bentConnector2">
+            <a:avLst/>
           </a:prstGeom>
           <a:ln>
             <a:tailEnd type="triangle"/>
@@ -37516,6 +43835,41 @@
             <a:r>
               <a:rPr lang="it-IT" sz="2500" dirty="0"/>
               <a:t>=</a:t>
+            </a:r>
+          </a:p>
+        </p:txBody>
+      </p:sp>
+      <p:sp>
+        <p:nvSpPr>
+          <p:cNvPr id="14" name="CasellaDiTesto 13">
+            <a:extLst>
+              <a:ext uri="{FF2B5EF4-FFF2-40B4-BE49-F238E27FC236}">
+                <a16:creationId xmlns:a16="http://schemas.microsoft.com/office/drawing/2014/main" id="{6A23DB5B-24C1-607B-99D8-77608E73C8F0}"/>
+              </a:ext>
+            </a:extLst>
+          </p:cNvPr>
+          <p:cNvSpPr txBox="1"/>
+          <p:nvPr/>
+        </p:nvSpPr>
+        <p:spPr>
+          <a:xfrm>
+            <a:off x="434050" y="4492777"/>
+            <a:ext cx="272067" cy="369332"/>
+          </a:xfrm>
+          <a:prstGeom prst="rect">
+            <a:avLst/>
+          </a:prstGeom>
+          <a:noFill/>
+        </p:spPr>
+        <p:txBody>
+          <a:bodyPr wrap="square" rtlCol="0">
+            <a:spAutoFit/>
+          </a:bodyPr>
+          <a:lstStyle/>
+          <a:p>
+            <a:r>
+              <a:rPr lang="it-IT" dirty="0"/>
+              <a:t>x</a:t>
             </a:r>
           </a:p>
         </p:txBody>

--- a/models_representation.pptx
+++ b/models_representation.pptx
@@ -218,7 +218,7 @@
           <a:p>
             <a:fld id="{53A7101E-77CC-774B-8B89-8BCF5404A3E1}" type="datetimeFigureOut">
               <a:rPr lang="it-IT" smtClean="0"/>
-              <a:t>11/09/2024</a:t>
+              <a:t>17/09/24</a:t>
             </a:fld>
             <a:endParaRPr lang="it-IT"/>
           </a:p>
@@ -716,7 +716,7 @@
           <a:p>
             <a:fld id="{945283D2-C903-3141-AE1B-7D2BA63A2436}" type="datetimeFigureOut">
               <a:rPr lang="it-IT" smtClean="0"/>
-              <a:t>11/09/2024</a:t>
+              <a:t>17/09/24</a:t>
             </a:fld>
             <a:endParaRPr lang="it-IT"/>
           </a:p>
@@ -914,7 +914,7 @@
           <a:p>
             <a:fld id="{945283D2-C903-3141-AE1B-7D2BA63A2436}" type="datetimeFigureOut">
               <a:rPr lang="it-IT" smtClean="0"/>
-              <a:t>11/09/2024</a:t>
+              <a:t>17/09/24</a:t>
             </a:fld>
             <a:endParaRPr lang="it-IT"/>
           </a:p>
@@ -1122,7 +1122,7 @@
           <a:p>
             <a:fld id="{945283D2-C903-3141-AE1B-7D2BA63A2436}" type="datetimeFigureOut">
               <a:rPr lang="it-IT" smtClean="0"/>
-              <a:t>11/09/2024</a:t>
+              <a:t>17/09/24</a:t>
             </a:fld>
             <a:endParaRPr lang="it-IT"/>
           </a:p>
@@ -1320,7 +1320,7 @@
           <a:p>
             <a:fld id="{945283D2-C903-3141-AE1B-7D2BA63A2436}" type="datetimeFigureOut">
               <a:rPr lang="it-IT" smtClean="0"/>
-              <a:t>11/09/2024</a:t>
+              <a:t>17/09/24</a:t>
             </a:fld>
             <a:endParaRPr lang="it-IT"/>
           </a:p>
@@ -1595,7 +1595,7 @@
           <a:p>
             <a:fld id="{945283D2-C903-3141-AE1B-7D2BA63A2436}" type="datetimeFigureOut">
               <a:rPr lang="it-IT" smtClean="0"/>
-              <a:t>11/09/2024</a:t>
+              <a:t>17/09/24</a:t>
             </a:fld>
             <a:endParaRPr lang="it-IT"/>
           </a:p>
@@ -1860,7 +1860,7 @@
           <a:p>
             <a:fld id="{945283D2-C903-3141-AE1B-7D2BA63A2436}" type="datetimeFigureOut">
               <a:rPr lang="it-IT" smtClean="0"/>
-              <a:t>11/09/2024</a:t>
+              <a:t>17/09/24</a:t>
             </a:fld>
             <a:endParaRPr lang="it-IT"/>
           </a:p>
@@ -2272,7 +2272,7 @@
           <a:p>
             <a:fld id="{945283D2-C903-3141-AE1B-7D2BA63A2436}" type="datetimeFigureOut">
               <a:rPr lang="it-IT" smtClean="0"/>
-              <a:t>11/09/2024</a:t>
+              <a:t>17/09/24</a:t>
             </a:fld>
             <a:endParaRPr lang="it-IT"/>
           </a:p>
@@ -2413,7 +2413,7 @@
           <a:p>
             <a:fld id="{945283D2-C903-3141-AE1B-7D2BA63A2436}" type="datetimeFigureOut">
               <a:rPr lang="it-IT" smtClean="0"/>
-              <a:t>11/09/2024</a:t>
+              <a:t>17/09/24</a:t>
             </a:fld>
             <a:endParaRPr lang="it-IT"/>
           </a:p>
@@ -2526,7 +2526,7 @@
           <a:p>
             <a:fld id="{945283D2-C903-3141-AE1B-7D2BA63A2436}" type="datetimeFigureOut">
               <a:rPr lang="it-IT" smtClean="0"/>
-              <a:t>11/09/2024</a:t>
+              <a:t>17/09/24</a:t>
             </a:fld>
             <a:endParaRPr lang="it-IT"/>
           </a:p>
@@ -2837,7 +2837,7 @@
           <a:p>
             <a:fld id="{945283D2-C903-3141-AE1B-7D2BA63A2436}" type="datetimeFigureOut">
               <a:rPr lang="it-IT" smtClean="0"/>
-              <a:t>11/09/2024</a:t>
+              <a:t>17/09/24</a:t>
             </a:fld>
             <a:endParaRPr lang="it-IT"/>
           </a:p>
@@ -3125,7 +3125,7 @@
           <a:p>
             <a:fld id="{945283D2-C903-3141-AE1B-7D2BA63A2436}" type="datetimeFigureOut">
               <a:rPr lang="it-IT" smtClean="0"/>
-              <a:t>11/09/2024</a:t>
+              <a:t>17/09/24</a:t>
             </a:fld>
             <a:endParaRPr lang="it-IT"/>
           </a:p>
@@ -3366,7 +3366,7 @@
           <a:p>
             <a:fld id="{945283D2-C903-3141-AE1B-7D2BA63A2436}" type="datetimeFigureOut">
               <a:rPr lang="it-IT" smtClean="0"/>
-              <a:t>11/09/2024</a:t>
+              <a:t>17/09/24</a:t>
             </a:fld>
             <a:endParaRPr lang="it-IT"/>
           </a:p>
@@ -24652,96 +24652,6 @@
           </a:fontRef>
         </p:style>
       </p:cxnSp>
-      <p:sp>
-        <p:nvSpPr>
-          <p:cNvPr id="64" name="Rettangolo 63">
-            <a:extLst>
-              <a:ext uri="{FF2B5EF4-FFF2-40B4-BE49-F238E27FC236}">
-                <a16:creationId xmlns:a16="http://schemas.microsoft.com/office/drawing/2014/main" id="{6D6A24FD-F300-856A-E806-E6A079A50E4A}"/>
-              </a:ext>
-            </a:extLst>
-          </p:cNvPr>
-          <p:cNvSpPr/>
-          <p:nvPr/>
-        </p:nvSpPr>
-        <p:spPr>
-          <a:xfrm>
-            <a:off x="4998739" y="4200148"/>
-            <a:ext cx="659342" cy="267065"/>
-          </a:xfrm>
-          <a:prstGeom prst="rect">
-            <a:avLst/>
-          </a:prstGeom>
-        </p:spPr>
-        <p:style>
-          <a:lnRef idx="2">
-            <a:schemeClr val="accent1">
-              <a:shade val="15000"/>
-            </a:schemeClr>
-          </a:lnRef>
-          <a:fillRef idx="1">
-            <a:schemeClr val="accent1"/>
-          </a:fillRef>
-          <a:effectRef idx="0">
-            <a:schemeClr val="accent1"/>
-          </a:effectRef>
-          <a:fontRef idx="minor">
-            <a:schemeClr val="lt1"/>
-          </a:fontRef>
-        </p:style>
-        <p:txBody>
-          <a:bodyPr rtlCol="0" anchor="ctr"/>
-          <a:lstStyle/>
-          <a:p>
-            <a:pPr algn="ctr"/>
-            <a:r>
-              <a:rPr lang="it-IT" sz="900" dirty="0" err="1">
-                <a:solidFill>
-                  <a:srgbClr val="FFFF00"/>
-                </a:solidFill>
-              </a:rPr>
-              <a:t>If</a:t>
-            </a:r>
-            <a:r>
-              <a:rPr lang="it-IT" sz="900" dirty="0">
-                <a:solidFill>
-                  <a:srgbClr val="FFFF00"/>
-                </a:solidFill>
-              </a:rPr>
-              <a:t> </a:t>
-            </a:r>
-            <a:r>
-              <a:rPr lang="it-IT" sz="900" dirty="0" err="1">
-                <a:solidFill>
-                  <a:srgbClr val="FFFF00"/>
-                </a:solidFill>
-              </a:rPr>
-              <a:t>shape</a:t>
-            </a:r>
-            <a:r>
-              <a:rPr lang="it-IT" sz="900" dirty="0">
-                <a:solidFill>
-                  <a:srgbClr val="FFFF00"/>
-                </a:solidFill>
-              </a:rPr>
-              <a:t> </a:t>
-            </a:r>
-            <a:r>
-              <a:rPr lang="it-IT" sz="900" dirty="0" err="1">
-                <a:solidFill>
-                  <a:srgbClr val="FFFF00"/>
-                </a:solidFill>
-              </a:rPr>
-              <a:t>different</a:t>
-            </a:r>
-            <a:endParaRPr lang="it-IT" sz="900" dirty="0">
-              <a:solidFill>
-                <a:srgbClr val="FFFF00"/>
-              </a:solidFill>
-            </a:endParaRPr>
-          </a:p>
-        </p:txBody>
-      </p:sp>
       <p:sp>
         <p:nvSpPr>
           <p:cNvPr id="25" name="Rettangolo 24">
